--- a/Documents/Identity-Theory.pptx
+++ b/Documents/Identity-Theory.pptx
@@ -5,10 +5,10 @@
     <p:sldMasterId id="2147483648" r:id="rId1"/>
   </p:sldMasterIdLst>
   <p:notesMasterIdLst>
-    <p:notesMasterId r:id="rId15"/>
+    <p:notesMasterId r:id="rId18"/>
   </p:notesMasterIdLst>
   <p:handoutMasterIdLst>
-    <p:handoutMasterId r:id="rId16"/>
+    <p:handoutMasterId r:id="rId19"/>
   </p:handoutMasterIdLst>
   <p:sldIdLst>
     <p:sldId id="256" r:id="rId2"/>
@@ -24,6 +24,9 @@
     <p:sldId id="405" r:id="rId12"/>
     <p:sldId id="406" r:id="rId13"/>
     <p:sldId id="407" r:id="rId14"/>
+    <p:sldId id="408" r:id="rId15"/>
+    <p:sldId id="409" r:id="rId16"/>
+    <p:sldId id="410" r:id="rId17"/>
   </p:sldIdLst>
   <p:sldSz cx="9144000" cy="6858000" type="screen4x3"/>
   <p:notesSz cx="6867525" cy="9994900"/>
@@ -1636,6 +1639,753 @@
 </file>
 
 <file path=ppt/diagrams/colors3.xml><?xml version="1.0" encoding="utf-8"?>
+<dgm:colorsDef xmlns:dgm="http://schemas.openxmlformats.org/drawingml/2006/diagram" xmlns:a="http://schemas.openxmlformats.org/drawingml/2006/main" uniqueId="urn:microsoft.com/office/officeart/2005/8/colors/accent1_2">
+  <dgm:title val=""/>
+  <dgm:desc val=""/>
+  <dgm:catLst>
+    <dgm:cat type="accent1" pri="11200"/>
+  </dgm:catLst>
+  <dgm:styleLbl name="node0">
+    <dgm:fillClrLst meth="repeat">
+      <a:schemeClr val="accent1"/>
+    </dgm:fillClrLst>
+    <dgm:linClrLst meth="repeat">
+      <a:schemeClr val="lt1"/>
+    </dgm:linClrLst>
+    <dgm:effectClrLst/>
+    <dgm:txLinClrLst/>
+    <dgm:txFillClrLst/>
+    <dgm:txEffectClrLst/>
+  </dgm:styleLbl>
+  <dgm:styleLbl name="alignNode1">
+    <dgm:fillClrLst meth="repeat">
+      <a:schemeClr val="accent1"/>
+    </dgm:fillClrLst>
+    <dgm:linClrLst meth="repeat">
+      <a:schemeClr val="accent1"/>
+    </dgm:linClrLst>
+    <dgm:effectClrLst/>
+    <dgm:txLinClrLst/>
+    <dgm:txFillClrLst/>
+    <dgm:txEffectClrLst/>
+  </dgm:styleLbl>
+  <dgm:styleLbl name="node1">
+    <dgm:fillClrLst meth="repeat">
+      <a:schemeClr val="accent1"/>
+    </dgm:fillClrLst>
+    <dgm:linClrLst meth="repeat">
+      <a:schemeClr val="lt1"/>
+    </dgm:linClrLst>
+    <dgm:effectClrLst/>
+    <dgm:txLinClrLst/>
+    <dgm:txFillClrLst/>
+    <dgm:txEffectClrLst/>
+  </dgm:styleLbl>
+  <dgm:styleLbl name="lnNode1">
+    <dgm:fillClrLst meth="repeat">
+      <a:schemeClr val="accent1"/>
+    </dgm:fillClrLst>
+    <dgm:linClrLst meth="repeat">
+      <a:schemeClr val="lt1"/>
+    </dgm:linClrLst>
+    <dgm:effectClrLst/>
+    <dgm:txLinClrLst/>
+    <dgm:txFillClrLst/>
+    <dgm:txEffectClrLst/>
+  </dgm:styleLbl>
+  <dgm:styleLbl name="vennNode1">
+    <dgm:fillClrLst meth="repeat">
+      <a:schemeClr val="accent1">
+        <a:alpha val="50000"/>
+      </a:schemeClr>
+    </dgm:fillClrLst>
+    <dgm:linClrLst meth="repeat">
+      <a:schemeClr val="lt1"/>
+    </dgm:linClrLst>
+    <dgm:effectClrLst/>
+    <dgm:txLinClrLst/>
+    <dgm:txFillClrLst/>
+    <dgm:txEffectClrLst/>
+  </dgm:styleLbl>
+  <dgm:styleLbl name="node2">
+    <dgm:fillClrLst meth="repeat">
+      <a:schemeClr val="accent1"/>
+    </dgm:fillClrLst>
+    <dgm:linClrLst meth="repeat">
+      <a:schemeClr val="lt1"/>
+    </dgm:linClrLst>
+    <dgm:effectClrLst/>
+    <dgm:txLinClrLst/>
+    <dgm:txFillClrLst/>
+    <dgm:txEffectClrLst/>
+  </dgm:styleLbl>
+  <dgm:styleLbl name="node3">
+    <dgm:fillClrLst meth="repeat">
+      <a:schemeClr val="accent1"/>
+    </dgm:fillClrLst>
+    <dgm:linClrLst meth="repeat">
+      <a:schemeClr val="lt1"/>
+    </dgm:linClrLst>
+    <dgm:effectClrLst/>
+    <dgm:txLinClrLst/>
+    <dgm:txFillClrLst/>
+    <dgm:txEffectClrLst/>
+  </dgm:styleLbl>
+  <dgm:styleLbl name="node4">
+    <dgm:fillClrLst meth="repeat">
+      <a:schemeClr val="accent1"/>
+    </dgm:fillClrLst>
+    <dgm:linClrLst meth="repeat">
+      <a:schemeClr val="lt1"/>
+    </dgm:linClrLst>
+    <dgm:effectClrLst/>
+    <dgm:txLinClrLst/>
+    <dgm:txFillClrLst/>
+    <dgm:txEffectClrLst/>
+  </dgm:styleLbl>
+  <dgm:styleLbl name="fgImgPlace1">
+    <dgm:fillClrLst meth="repeat">
+      <a:schemeClr val="accent1">
+        <a:tint val="50000"/>
+      </a:schemeClr>
+    </dgm:fillClrLst>
+    <dgm:linClrLst meth="repeat">
+      <a:schemeClr val="lt1"/>
+    </dgm:linClrLst>
+    <dgm:effectClrLst/>
+    <dgm:txLinClrLst/>
+    <dgm:txFillClrLst meth="repeat">
+      <a:schemeClr val="lt1"/>
+    </dgm:txFillClrLst>
+    <dgm:txEffectClrLst/>
+  </dgm:styleLbl>
+  <dgm:styleLbl name="alignImgPlace1">
+    <dgm:fillClrLst meth="repeat">
+      <a:schemeClr val="accent1">
+        <a:tint val="50000"/>
+      </a:schemeClr>
+    </dgm:fillClrLst>
+    <dgm:linClrLst meth="repeat">
+      <a:schemeClr val="lt1"/>
+    </dgm:linClrLst>
+    <dgm:effectClrLst/>
+    <dgm:txLinClrLst/>
+    <dgm:txFillClrLst meth="repeat">
+      <a:schemeClr val="lt1"/>
+    </dgm:txFillClrLst>
+    <dgm:txEffectClrLst/>
+  </dgm:styleLbl>
+  <dgm:styleLbl name="bgImgPlace1">
+    <dgm:fillClrLst meth="repeat">
+      <a:schemeClr val="accent1">
+        <a:tint val="50000"/>
+      </a:schemeClr>
+    </dgm:fillClrLst>
+    <dgm:linClrLst meth="repeat">
+      <a:schemeClr val="lt1"/>
+    </dgm:linClrLst>
+    <dgm:effectClrLst/>
+    <dgm:txLinClrLst/>
+    <dgm:txFillClrLst meth="repeat">
+      <a:schemeClr val="lt1"/>
+    </dgm:txFillClrLst>
+    <dgm:txEffectClrLst/>
+  </dgm:styleLbl>
+  <dgm:styleLbl name="sibTrans2D1">
+    <dgm:fillClrLst meth="repeat">
+      <a:schemeClr val="accent1">
+        <a:tint val="60000"/>
+      </a:schemeClr>
+    </dgm:fillClrLst>
+    <dgm:linClrLst meth="repeat">
+      <a:schemeClr val="accent1">
+        <a:tint val="60000"/>
+      </a:schemeClr>
+    </dgm:linClrLst>
+    <dgm:effectClrLst/>
+    <dgm:txLinClrLst/>
+    <dgm:txFillClrLst/>
+    <dgm:txEffectClrLst/>
+  </dgm:styleLbl>
+  <dgm:styleLbl name="fgSibTrans2D1">
+    <dgm:fillClrLst meth="repeat">
+      <a:schemeClr val="accent1">
+        <a:tint val="60000"/>
+      </a:schemeClr>
+    </dgm:fillClrLst>
+    <dgm:linClrLst meth="repeat">
+      <a:schemeClr val="accent1">
+        <a:tint val="60000"/>
+      </a:schemeClr>
+    </dgm:linClrLst>
+    <dgm:effectClrLst/>
+    <dgm:txLinClrLst/>
+    <dgm:txFillClrLst/>
+    <dgm:txEffectClrLst/>
+  </dgm:styleLbl>
+  <dgm:styleLbl name="bgSibTrans2D1">
+    <dgm:fillClrLst meth="repeat">
+      <a:schemeClr val="accent1">
+        <a:tint val="60000"/>
+      </a:schemeClr>
+    </dgm:fillClrLst>
+    <dgm:linClrLst meth="repeat">
+      <a:schemeClr val="accent1">
+        <a:tint val="60000"/>
+      </a:schemeClr>
+    </dgm:linClrLst>
+    <dgm:effectClrLst/>
+    <dgm:txLinClrLst/>
+    <dgm:txFillClrLst/>
+    <dgm:txEffectClrLst/>
+  </dgm:styleLbl>
+  <dgm:styleLbl name="sibTrans1D1">
+    <dgm:fillClrLst meth="repeat">
+      <a:schemeClr val="accent1"/>
+    </dgm:fillClrLst>
+    <dgm:linClrLst meth="repeat">
+      <a:schemeClr val="accent1"/>
+    </dgm:linClrLst>
+    <dgm:effectClrLst/>
+    <dgm:txLinClrLst/>
+    <dgm:txFillClrLst meth="repeat">
+      <a:schemeClr val="tx1"/>
+    </dgm:txFillClrLst>
+    <dgm:txEffectClrLst/>
+  </dgm:styleLbl>
+  <dgm:styleLbl name="callout">
+    <dgm:fillClrLst meth="repeat">
+      <a:schemeClr val="accent1"/>
+    </dgm:fillClrLst>
+    <dgm:linClrLst meth="repeat">
+      <a:schemeClr val="accent1">
+        <a:tint val="50000"/>
+      </a:schemeClr>
+    </dgm:linClrLst>
+    <dgm:effectClrLst/>
+    <dgm:txLinClrLst/>
+    <dgm:txFillClrLst meth="repeat">
+      <a:schemeClr val="tx1"/>
+    </dgm:txFillClrLst>
+    <dgm:txEffectClrLst/>
+  </dgm:styleLbl>
+  <dgm:styleLbl name="asst0">
+    <dgm:fillClrLst meth="repeat">
+      <a:schemeClr val="accent1"/>
+    </dgm:fillClrLst>
+    <dgm:linClrLst meth="repeat">
+      <a:schemeClr val="lt1"/>
+    </dgm:linClrLst>
+    <dgm:effectClrLst/>
+    <dgm:txLinClrLst/>
+    <dgm:txFillClrLst/>
+    <dgm:txEffectClrLst/>
+  </dgm:styleLbl>
+  <dgm:styleLbl name="asst1">
+    <dgm:fillClrLst meth="repeat">
+      <a:schemeClr val="accent1"/>
+    </dgm:fillClrLst>
+    <dgm:linClrLst meth="repeat">
+      <a:schemeClr val="lt1"/>
+    </dgm:linClrLst>
+    <dgm:effectClrLst/>
+    <dgm:txLinClrLst/>
+    <dgm:txFillClrLst/>
+    <dgm:txEffectClrLst/>
+  </dgm:styleLbl>
+  <dgm:styleLbl name="asst2">
+    <dgm:fillClrLst meth="repeat">
+      <a:schemeClr val="accent1"/>
+    </dgm:fillClrLst>
+    <dgm:linClrLst meth="repeat">
+      <a:schemeClr val="lt1"/>
+    </dgm:linClrLst>
+    <dgm:effectClrLst/>
+    <dgm:txLinClrLst/>
+    <dgm:txFillClrLst/>
+    <dgm:txEffectClrLst/>
+  </dgm:styleLbl>
+  <dgm:styleLbl name="asst3">
+    <dgm:fillClrLst meth="repeat">
+      <a:schemeClr val="accent1"/>
+    </dgm:fillClrLst>
+    <dgm:linClrLst meth="repeat">
+      <a:schemeClr val="lt1"/>
+    </dgm:linClrLst>
+    <dgm:effectClrLst/>
+    <dgm:txLinClrLst/>
+    <dgm:txFillClrLst/>
+    <dgm:txEffectClrLst/>
+  </dgm:styleLbl>
+  <dgm:styleLbl name="asst4">
+    <dgm:fillClrLst meth="repeat">
+      <a:schemeClr val="accent1"/>
+    </dgm:fillClrLst>
+    <dgm:linClrLst meth="repeat">
+      <a:schemeClr val="lt1"/>
+    </dgm:linClrLst>
+    <dgm:effectClrLst/>
+    <dgm:txLinClrLst/>
+    <dgm:txFillClrLst/>
+    <dgm:txEffectClrLst/>
+  </dgm:styleLbl>
+  <dgm:styleLbl name="parChTrans2D1">
+    <dgm:fillClrLst meth="repeat">
+      <a:schemeClr val="accent1">
+        <a:tint val="60000"/>
+      </a:schemeClr>
+    </dgm:fillClrLst>
+    <dgm:linClrLst meth="repeat">
+      <a:schemeClr val="accent1">
+        <a:tint val="60000"/>
+      </a:schemeClr>
+    </dgm:linClrLst>
+    <dgm:effectClrLst/>
+    <dgm:txLinClrLst/>
+    <dgm:txFillClrLst meth="repeat">
+      <a:schemeClr val="lt1"/>
+    </dgm:txFillClrLst>
+    <dgm:txEffectClrLst/>
+  </dgm:styleLbl>
+  <dgm:styleLbl name="parChTrans2D2">
+    <dgm:fillClrLst meth="repeat">
+      <a:schemeClr val="accent1"/>
+    </dgm:fillClrLst>
+    <dgm:linClrLst meth="repeat">
+      <a:schemeClr val="accent1"/>
+    </dgm:linClrLst>
+    <dgm:effectClrLst/>
+    <dgm:txLinClrLst/>
+    <dgm:txFillClrLst meth="repeat">
+      <a:schemeClr val="lt1"/>
+    </dgm:txFillClrLst>
+    <dgm:txEffectClrLst/>
+  </dgm:styleLbl>
+  <dgm:styleLbl name="parChTrans2D3">
+    <dgm:fillClrLst meth="repeat">
+      <a:schemeClr val="accent1"/>
+    </dgm:fillClrLst>
+    <dgm:linClrLst meth="repeat">
+      <a:schemeClr val="accent1"/>
+    </dgm:linClrLst>
+    <dgm:effectClrLst/>
+    <dgm:txLinClrLst/>
+    <dgm:txFillClrLst meth="repeat">
+      <a:schemeClr val="lt1"/>
+    </dgm:txFillClrLst>
+    <dgm:txEffectClrLst/>
+  </dgm:styleLbl>
+  <dgm:styleLbl name="parChTrans2D4">
+    <dgm:fillClrLst meth="repeat">
+      <a:schemeClr val="accent1"/>
+    </dgm:fillClrLst>
+    <dgm:linClrLst meth="repeat">
+      <a:schemeClr val="accent1"/>
+    </dgm:linClrLst>
+    <dgm:effectClrLst/>
+    <dgm:txLinClrLst/>
+    <dgm:txFillClrLst meth="repeat">
+      <a:schemeClr val="lt1"/>
+    </dgm:txFillClrLst>
+    <dgm:txEffectClrLst/>
+  </dgm:styleLbl>
+  <dgm:styleLbl name="parChTrans1D1">
+    <dgm:fillClrLst meth="repeat">
+      <a:schemeClr val="accent1"/>
+    </dgm:fillClrLst>
+    <dgm:linClrLst meth="repeat">
+      <a:schemeClr val="accent1">
+        <a:shade val="60000"/>
+      </a:schemeClr>
+    </dgm:linClrLst>
+    <dgm:effectClrLst/>
+    <dgm:txLinClrLst/>
+    <dgm:txFillClrLst meth="repeat">
+      <a:schemeClr val="tx1"/>
+    </dgm:txFillClrLst>
+    <dgm:txEffectClrLst/>
+  </dgm:styleLbl>
+  <dgm:styleLbl name="parChTrans1D2">
+    <dgm:fillClrLst meth="repeat">
+      <a:schemeClr val="accent1"/>
+    </dgm:fillClrLst>
+    <dgm:linClrLst meth="repeat">
+      <a:schemeClr val="accent1">
+        <a:shade val="60000"/>
+      </a:schemeClr>
+    </dgm:linClrLst>
+    <dgm:effectClrLst/>
+    <dgm:txLinClrLst/>
+    <dgm:txFillClrLst meth="repeat">
+      <a:schemeClr val="tx1"/>
+    </dgm:txFillClrLst>
+    <dgm:txEffectClrLst/>
+  </dgm:styleLbl>
+  <dgm:styleLbl name="parChTrans1D3">
+    <dgm:fillClrLst meth="repeat">
+      <a:schemeClr val="accent1"/>
+    </dgm:fillClrLst>
+    <dgm:linClrLst meth="repeat">
+      <a:schemeClr val="accent1">
+        <a:shade val="80000"/>
+      </a:schemeClr>
+    </dgm:linClrLst>
+    <dgm:effectClrLst/>
+    <dgm:txLinClrLst/>
+    <dgm:txFillClrLst meth="repeat">
+      <a:schemeClr val="tx1"/>
+    </dgm:txFillClrLst>
+    <dgm:txEffectClrLst/>
+  </dgm:styleLbl>
+  <dgm:styleLbl name="parChTrans1D4">
+    <dgm:fillClrLst meth="repeat">
+      <a:schemeClr val="accent1"/>
+    </dgm:fillClrLst>
+    <dgm:linClrLst meth="repeat">
+      <a:schemeClr val="accent1">
+        <a:shade val="80000"/>
+      </a:schemeClr>
+    </dgm:linClrLst>
+    <dgm:effectClrLst/>
+    <dgm:txLinClrLst/>
+    <dgm:txFillClrLst meth="repeat">
+      <a:schemeClr val="tx1"/>
+    </dgm:txFillClrLst>
+    <dgm:txEffectClrLst/>
+  </dgm:styleLbl>
+  <dgm:styleLbl name="fgAcc1">
+    <dgm:fillClrLst meth="repeat">
+      <a:schemeClr val="lt1">
+        <a:alpha val="90000"/>
+      </a:schemeClr>
+    </dgm:fillClrLst>
+    <dgm:linClrLst meth="repeat">
+      <a:schemeClr val="accent1"/>
+    </dgm:linClrLst>
+    <dgm:effectClrLst/>
+    <dgm:txLinClrLst/>
+    <dgm:txFillClrLst meth="repeat">
+      <a:schemeClr val="dk1"/>
+    </dgm:txFillClrLst>
+    <dgm:txEffectClrLst/>
+  </dgm:styleLbl>
+  <dgm:styleLbl name="conFgAcc1">
+    <dgm:fillClrLst meth="repeat">
+      <a:schemeClr val="lt1">
+        <a:alpha val="90000"/>
+      </a:schemeClr>
+    </dgm:fillClrLst>
+    <dgm:linClrLst meth="repeat">
+      <a:schemeClr val="accent1"/>
+    </dgm:linClrLst>
+    <dgm:effectClrLst/>
+    <dgm:txLinClrLst/>
+    <dgm:txFillClrLst meth="repeat">
+      <a:schemeClr val="dk1"/>
+    </dgm:txFillClrLst>
+    <dgm:txEffectClrLst/>
+  </dgm:styleLbl>
+  <dgm:styleLbl name="alignAcc1">
+    <dgm:fillClrLst meth="repeat">
+      <a:schemeClr val="lt1">
+        <a:alpha val="90000"/>
+      </a:schemeClr>
+    </dgm:fillClrLst>
+    <dgm:linClrLst meth="repeat">
+      <a:schemeClr val="accent1"/>
+    </dgm:linClrLst>
+    <dgm:effectClrLst/>
+    <dgm:txLinClrLst/>
+    <dgm:txFillClrLst meth="repeat">
+      <a:schemeClr val="dk1"/>
+    </dgm:txFillClrLst>
+    <dgm:txEffectClrLst/>
+  </dgm:styleLbl>
+  <dgm:styleLbl name="trAlignAcc1">
+    <dgm:fillClrLst meth="repeat">
+      <a:schemeClr val="lt1">
+        <a:alpha val="40000"/>
+      </a:schemeClr>
+    </dgm:fillClrLst>
+    <dgm:linClrLst meth="repeat">
+      <a:schemeClr val="accent1"/>
+    </dgm:linClrLst>
+    <dgm:effectClrLst/>
+    <dgm:txLinClrLst/>
+    <dgm:txFillClrLst meth="repeat">
+      <a:schemeClr val="dk1"/>
+    </dgm:txFillClrLst>
+    <dgm:txEffectClrLst/>
+  </dgm:styleLbl>
+  <dgm:styleLbl name="bgAcc1">
+    <dgm:fillClrLst meth="repeat">
+      <a:schemeClr val="lt1">
+        <a:alpha val="90000"/>
+      </a:schemeClr>
+    </dgm:fillClrLst>
+    <dgm:linClrLst meth="repeat">
+      <a:schemeClr val="accent1"/>
+    </dgm:linClrLst>
+    <dgm:effectClrLst/>
+    <dgm:txLinClrLst/>
+    <dgm:txFillClrLst meth="repeat">
+      <a:schemeClr val="dk1"/>
+    </dgm:txFillClrLst>
+    <dgm:txEffectClrLst/>
+  </dgm:styleLbl>
+  <dgm:styleLbl name="solidFgAcc1">
+    <dgm:fillClrLst meth="repeat">
+      <a:schemeClr val="lt1"/>
+    </dgm:fillClrLst>
+    <dgm:linClrLst meth="repeat">
+      <a:schemeClr val="accent1"/>
+    </dgm:linClrLst>
+    <dgm:effectClrLst/>
+    <dgm:txLinClrLst/>
+    <dgm:txFillClrLst meth="repeat">
+      <a:schemeClr val="dk1"/>
+    </dgm:txFillClrLst>
+    <dgm:txEffectClrLst/>
+  </dgm:styleLbl>
+  <dgm:styleLbl name="solidAlignAcc1">
+    <dgm:fillClrLst meth="repeat">
+      <a:schemeClr val="lt1"/>
+    </dgm:fillClrLst>
+    <dgm:linClrLst meth="repeat">
+      <a:schemeClr val="accent1"/>
+    </dgm:linClrLst>
+    <dgm:effectClrLst/>
+    <dgm:txLinClrLst/>
+    <dgm:txFillClrLst meth="repeat">
+      <a:schemeClr val="dk1"/>
+    </dgm:txFillClrLst>
+    <dgm:txEffectClrLst/>
+  </dgm:styleLbl>
+  <dgm:styleLbl name="solidBgAcc1">
+    <dgm:fillClrLst meth="repeat">
+      <a:schemeClr val="lt1"/>
+    </dgm:fillClrLst>
+    <dgm:linClrLst meth="repeat">
+      <a:schemeClr val="accent1"/>
+    </dgm:linClrLst>
+    <dgm:effectClrLst/>
+    <dgm:txLinClrLst/>
+    <dgm:txFillClrLst meth="repeat">
+      <a:schemeClr val="dk1"/>
+    </dgm:txFillClrLst>
+    <dgm:txEffectClrLst/>
+  </dgm:styleLbl>
+  <dgm:styleLbl name="fgAccFollowNode1">
+    <dgm:fillClrLst meth="repeat">
+      <a:schemeClr val="accent1">
+        <a:alpha val="90000"/>
+        <a:tint val="40000"/>
+      </a:schemeClr>
+    </dgm:fillClrLst>
+    <dgm:linClrLst meth="repeat">
+      <a:schemeClr val="accent1">
+        <a:alpha val="90000"/>
+        <a:tint val="40000"/>
+      </a:schemeClr>
+    </dgm:linClrLst>
+    <dgm:effectClrLst/>
+    <dgm:txLinClrLst/>
+    <dgm:txFillClrLst meth="repeat">
+      <a:schemeClr val="dk1"/>
+    </dgm:txFillClrLst>
+    <dgm:txEffectClrLst/>
+  </dgm:styleLbl>
+  <dgm:styleLbl name="alignAccFollowNode1">
+    <dgm:fillClrLst meth="repeat">
+      <a:schemeClr val="accent1">
+        <a:alpha val="90000"/>
+        <a:tint val="40000"/>
+      </a:schemeClr>
+    </dgm:fillClrLst>
+    <dgm:linClrLst meth="repeat">
+      <a:schemeClr val="accent1">
+        <a:alpha val="90000"/>
+        <a:tint val="40000"/>
+      </a:schemeClr>
+    </dgm:linClrLst>
+    <dgm:effectClrLst/>
+    <dgm:txLinClrLst/>
+    <dgm:txFillClrLst meth="repeat">
+      <a:schemeClr val="dk1"/>
+    </dgm:txFillClrLst>
+    <dgm:txEffectClrLst/>
+  </dgm:styleLbl>
+  <dgm:styleLbl name="bgAccFollowNode1">
+    <dgm:fillClrLst meth="repeat">
+      <a:schemeClr val="accent1">
+        <a:alpha val="90000"/>
+        <a:tint val="40000"/>
+      </a:schemeClr>
+    </dgm:fillClrLst>
+    <dgm:linClrLst meth="repeat">
+      <a:schemeClr val="accent1">
+        <a:alpha val="90000"/>
+        <a:tint val="40000"/>
+      </a:schemeClr>
+    </dgm:linClrLst>
+    <dgm:effectClrLst/>
+    <dgm:txLinClrLst/>
+    <dgm:txFillClrLst meth="repeat">
+      <a:schemeClr val="dk1"/>
+    </dgm:txFillClrLst>
+    <dgm:txEffectClrLst/>
+  </dgm:styleLbl>
+  <dgm:styleLbl name="fgAcc0">
+    <dgm:fillClrLst meth="repeat">
+      <a:schemeClr val="lt1">
+        <a:alpha val="90000"/>
+      </a:schemeClr>
+    </dgm:fillClrLst>
+    <dgm:linClrLst meth="repeat">
+      <a:schemeClr val="accent1"/>
+    </dgm:linClrLst>
+    <dgm:effectClrLst/>
+    <dgm:txLinClrLst/>
+    <dgm:txFillClrLst meth="repeat">
+      <a:schemeClr val="dk1"/>
+    </dgm:txFillClrLst>
+    <dgm:txEffectClrLst/>
+  </dgm:styleLbl>
+  <dgm:styleLbl name="fgAcc2">
+    <dgm:fillClrLst meth="repeat">
+      <a:schemeClr val="lt1">
+        <a:alpha val="90000"/>
+      </a:schemeClr>
+    </dgm:fillClrLst>
+    <dgm:linClrLst meth="repeat">
+      <a:schemeClr val="accent1"/>
+    </dgm:linClrLst>
+    <dgm:effectClrLst/>
+    <dgm:txLinClrLst/>
+    <dgm:txFillClrLst meth="repeat">
+      <a:schemeClr val="dk1"/>
+    </dgm:txFillClrLst>
+    <dgm:txEffectClrLst/>
+  </dgm:styleLbl>
+  <dgm:styleLbl name="fgAcc3">
+    <dgm:fillClrLst meth="repeat">
+      <a:schemeClr val="lt1">
+        <a:alpha val="90000"/>
+      </a:schemeClr>
+    </dgm:fillClrLst>
+    <dgm:linClrLst meth="repeat">
+      <a:schemeClr val="accent1"/>
+    </dgm:linClrLst>
+    <dgm:effectClrLst/>
+    <dgm:txLinClrLst/>
+    <dgm:txFillClrLst meth="repeat">
+      <a:schemeClr val="dk1"/>
+    </dgm:txFillClrLst>
+    <dgm:txEffectClrLst/>
+  </dgm:styleLbl>
+  <dgm:styleLbl name="fgAcc4">
+    <dgm:fillClrLst meth="repeat">
+      <a:schemeClr val="lt1">
+        <a:alpha val="90000"/>
+      </a:schemeClr>
+    </dgm:fillClrLst>
+    <dgm:linClrLst meth="repeat">
+      <a:schemeClr val="accent1"/>
+    </dgm:linClrLst>
+    <dgm:effectClrLst/>
+    <dgm:txLinClrLst/>
+    <dgm:txFillClrLst meth="repeat">
+      <a:schemeClr val="dk1"/>
+    </dgm:txFillClrLst>
+    <dgm:txEffectClrLst/>
+  </dgm:styleLbl>
+  <dgm:styleLbl name="bgShp">
+    <dgm:fillClrLst meth="repeat">
+      <a:schemeClr val="accent1">
+        <a:tint val="40000"/>
+      </a:schemeClr>
+    </dgm:fillClrLst>
+    <dgm:linClrLst meth="repeat">
+      <a:schemeClr val="accent1"/>
+    </dgm:linClrLst>
+    <dgm:effectClrLst/>
+    <dgm:txLinClrLst/>
+    <dgm:txFillClrLst meth="repeat">
+      <a:schemeClr val="dk1"/>
+    </dgm:txFillClrLst>
+    <dgm:txEffectClrLst/>
+  </dgm:styleLbl>
+  <dgm:styleLbl name="dkBgShp">
+    <dgm:fillClrLst meth="repeat">
+      <a:schemeClr val="accent1">
+        <a:shade val="80000"/>
+      </a:schemeClr>
+    </dgm:fillClrLst>
+    <dgm:linClrLst meth="repeat">
+      <a:schemeClr val="accent1"/>
+    </dgm:linClrLst>
+    <dgm:effectClrLst/>
+    <dgm:txLinClrLst/>
+    <dgm:txFillClrLst meth="repeat">
+      <a:schemeClr val="lt1"/>
+    </dgm:txFillClrLst>
+    <dgm:txEffectClrLst/>
+  </dgm:styleLbl>
+  <dgm:styleLbl name="trBgShp">
+    <dgm:fillClrLst meth="repeat">
+      <a:schemeClr val="accent1">
+        <a:tint val="50000"/>
+        <a:alpha val="40000"/>
+      </a:schemeClr>
+    </dgm:fillClrLst>
+    <dgm:linClrLst meth="repeat">
+      <a:schemeClr val="accent1"/>
+    </dgm:linClrLst>
+    <dgm:effectClrLst/>
+    <dgm:txLinClrLst/>
+    <dgm:txFillClrLst meth="repeat">
+      <a:schemeClr val="lt1"/>
+    </dgm:txFillClrLst>
+    <dgm:txEffectClrLst/>
+  </dgm:styleLbl>
+  <dgm:styleLbl name="fgShp">
+    <dgm:fillClrLst meth="repeat">
+      <a:schemeClr val="accent1">
+        <a:tint val="60000"/>
+      </a:schemeClr>
+    </dgm:fillClrLst>
+    <dgm:linClrLst meth="repeat">
+      <a:schemeClr val="lt1"/>
+    </dgm:linClrLst>
+    <dgm:effectClrLst/>
+    <dgm:txLinClrLst/>
+    <dgm:txFillClrLst meth="repeat">
+      <a:schemeClr val="dk1"/>
+    </dgm:txFillClrLst>
+    <dgm:txEffectClrLst/>
+  </dgm:styleLbl>
+  <dgm:styleLbl name="revTx">
+    <dgm:fillClrLst meth="repeat">
+      <a:schemeClr val="lt1">
+        <a:alpha val="0"/>
+      </a:schemeClr>
+    </dgm:fillClrLst>
+    <dgm:linClrLst meth="repeat">
+      <a:schemeClr val="dk1">
+        <a:alpha val="0"/>
+      </a:schemeClr>
+    </dgm:linClrLst>
+    <dgm:effectClrLst/>
+    <dgm:txLinClrLst/>
+    <dgm:txFillClrLst meth="repeat">
+      <a:schemeClr val="tx1"/>
+    </dgm:txFillClrLst>
+    <dgm:txEffectClrLst/>
+  </dgm:styleLbl>
+</dgm:colorsDef>
+</file>
+
+<file path=ppt/diagrams/colors4.xml><?xml version="1.0" encoding="utf-8"?>
 <dgm:colorsDef xmlns:dgm="http://schemas.openxmlformats.org/drawingml/2006/diagram" xmlns:a="http://schemas.openxmlformats.org/drawingml/2006/main" uniqueId="urn:microsoft.com/office/officeart/2005/8/colors/accent1_2">
   <dgm:title val=""/>
   <dgm:desc val=""/>
@@ -3223,6 +3973,235 @@
   <dgm:extLst>
     <a:ext uri="http://schemas.microsoft.com/office/drawing/2008/diagram">
       <dsp:dataModelExt xmlns:dsp="http://schemas.microsoft.com/office/drawing/2008/diagram" relId="rId11" minVer="http://schemas.openxmlformats.org/drawingml/2006/diagram"/>
+    </a:ext>
+  </dgm:extLst>
+</dgm:dataModel>
+</file>
+
+<file path=ppt/diagrams/data4.xml><?xml version="1.0" encoding="utf-8"?>
+<dgm:dataModel xmlns:dgm="http://schemas.openxmlformats.org/drawingml/2006/diagram" xmlns:a="http://schemas.openxmlformats.org/drawingml/2006/main">
+  <dgm:ptLst>
+    <dgm:pt modelId="{1F8C6969-57BC-422B-A7D8-CEB736D20A22}" type="doc">
+      <dgm:prSet loTypeId="urn:microsoft.com/office/officeart/2005/8/layout/process4" loCatId="list" qsTypeId="urn:microsoft.com/office/officeart/2005/8/quickstyle/simple1" qsCatId="simple" csTypeId="urn:microsoft.com/office/officeart/2005/8/colors/accent1_2" csCatId="accent1" phldr="1"/>
+      <dgm:spPr/>
+      <dgm:t>
+        <a:bodyPr/>
+        <a:lstStyle/>
+        <a:p>
+          <a:endParaRPr lang="en-US"/>
+        </a:p>
+      </dgm:t>
+    </dgm:pt>
+    <dgm:pt modelId="{B5777570-94A7-4320-B723-D6A66C313179}">
+      <dgm:prSet phldrT="[Text]"/>
+      <dgm:spPr/>
+      <dgm:t>
+        <a:bodyPr/>
+        <a:lstStyle/>
+        <a:p>
+          <a:r>
+            <a:rPr lang="en-US" dirty="0" smtClean="0"/>
+            <a:t>Identity</a:t>
+          </a:r>
+          <a:endParaRPr lang="en-US" dirty="0"/>
+        </a:p>
+      </dgm:t>
+    </dgm:pt>
+    <dgm:pt modelId="{B9F1CB2A-7DCC-459F-86B0-4E34DD104B92}" type="parTrans" cxnId="{D559203D-4470-4F22-831F-CC50AFA8D35B}">
+      <dgm:prSet/>
+      <dgm:spPr/>
+      <dgm:t>
+        <a:bodyPr/>
+        <a:lstStyle/>
+        <a:p>
+          <a:endParaRPr lang="en-US"/>
+        </a:p>
+      </dgm:t>
+    </dgm:pt>
+    <dgm:pt modelId="{3058B941-7B65-4F0E-A84D-2774EB2CD7C4}" type="sibTrans" cxnId="{D559203D-4470-4F22-831F-CC50AFA8D35B}">
+      <dgm:prSet/>
+      <dgm:spPr/>
+      <dgm:t>
+        <a:bodyPr/>
+        <a:lstStyle/>
+        <a:p>
+          <a:endParaRPr lang="en-US"/>
+        </a:p>
+      </dgm:t>
+    </dgm:pt>
+    <dgm:pt modelId="{84380697-93A1-4717-937D-A583453B6A3A}">
+      <dgm:prSet phldrT="[Text]"/>
+      <dgm:spPr/>
+      <dgm:t>
+        <a:bodyPr/>
+        <a:lstStyle/>
+        <a:p>
+          <a:r>
+            <a:rPr lang="en-US" dirty="0" smtClean="0"/>
+            <a:t>Roles</a:t>
+          </a:r>
+          <a:endParaRPr lang="en-US" dirty="0" smtClean="0"/>
+        </a:p>
+      </dgm:t>
+    </dgm:pt>
+    <dgm:pt modelId="{C9BAA796-0BEA-4615-AA5E-2BE19FDBE6A2}" type="parTrans" cxnId="{B0BEBB14-4FA9-4D62-948B-0BA3F59D42C5}">
+      <dgm:prSet/>
+      <dgm:spPr/>
+      <dgm:t>
+        <a:bodyPr/>
+        <a:lstStyle/>
+        <a:p>
+          <a:endParaRPr lang="en-US"/>
+        </a:p>
+      </dgm:t>
+    </dgm:pt>
+    <dgm:pt modelId="{4A909D9C-235E-4B5F-9214-778AACB66D6F}" type="sibTrans" cxnId="{B0BEBB14-4FA9-4D62-948B-0BA3F59D42C5}">
+      <dgm:prSet/>
+      <dgm:spPr/>
+      <dgm:t>
+        <a:bodyPr/>
+        <a:lstStyle/>
+        <a:p>
+          <a:endParaRPr lang="en-US"/>
+        </a:p>
+      </dgm:t>
+    </dgm:pt>
+    <dgm:pt modelId="{7E829DBF-11EB-4D72-AD4A-9FFEFE4340A9}">
+      <dgm:prSet phldrT="[Text]"/>
+      <dgm:spPr/>
+      <dgm:t>
+        <a:bodyPr/>
+        <a:lstStyle/>
+        <a:p>
+          <a:r>
+            <a:rPr lang="en-US" dirty="0" smtClean="0"/>
+            <a:t>Principal</a:t>
+          </a:r>
+          <a:endParaRPr lang="en-US" dirty="0"/>
+        </a:p>
+      </dgm:t>
+    </dgm:pt>
+    <dgm:pt modelId="{48762A67-82F8-401B-A9A5-4615EBFB853F}" type="sibTrans" cxnId="{A13A4508-9D1D-4EA7-92B5-7D7B353A0321}">
+      <dgm:prSet/>
+      <dgm:spPr/>
+      <dgm:t>
+        <a:bodyPr/>
+        <a:lstStyle/>
+        <a:p>
+          <a:endParaRPr lang="en-US"/>
+        </a:p>
+      </dgm:t>
+    </dgm:pt>
+    <dgm:pt modelId="{B79A9084-4702-49D3-9B1F-C522F5B6A9D5}" type="parTrans" cxnId="{A13A4508-9D1D-4EA7-92B5-7D7B353A0321}">
+      <dgm:prSet/>
+      <dgm:spPr/>
+      <dgm:t>
+        <a:bodyPr/>
+        <a:lstStyle/>
+        <a:p>
+          <a:endParaRPr lang="en-US"/>
+        </a:p>
+      </dgm:t>
+    </dgm:pt>
+    <dgm:pt modelId="{190BD860-8DD3-474B-98D0-B37BA6B8475C}" type="pres">
+      <dgm:prSet presAssocID="{1F8C6969-57BC-422B-A7D8-CEB736D20A22}" presName="Name0" presStyleCnt="0">
+        <dgm:presLayoutVars>
+          <dgm:dir/>
+          <dgm:animLvl val="lvl"/>
+          <dgm:resizeHandles val="exact"/>
+        </dgm:presLayoutVars>
+      </dgm:prSet>
+      <dgm:spPr/>
+      <dgm:t>
+        <a:bodyPr/>
+        <a:lstStyle/>
+        <a:p>
+          <a:endParaRPr lang="en-US"/>
+        </a:p>
+      </dgm:t>
+    </dgm:pt>
+    <dgm:pt modelId="{A8C224A2-AA2C-4437-94AF-8BB1AD7BFE17}" type="pres">
+      <dgm:prSet presAssocID="{7E829DBF-11EB-4D72-AD4A-9FFEFE4340A9}" presName="boxAndChildren" presStyleCnt="0"/>
+      <dgm:spPr/>
+    </dgm:pt>
+    <dgm:pt modelId="{4C771A66-447A-40E9-AFD2-909B3A45C9E6}" type="pres">
+      <dgm:prSet presAssocID="{7E829DBF-11EB-4D72-AD4A-9FFEFE4340A9}" presName="parentTextBox" presStyleLbl="node1" presStyleIdx="0" presStyleCnt="1"/>
+      <dgm:spPr/>
+      <dgm:t>
+        <a:bodyPr/>
+        <a:lstStyle/>
+        <a:p>
+          <a:endParaRPr lang="en-US"/>
+        </a:p>
+      </dgm:t>
+    </dgm:pt>
+    <dgm:pt modelId="{082C1469-7809-41E5-B99E-9BA48C43295F}" type="pres">
+      <dgm:prSet presAssocID="{7E829DBF-11EB-4D72-AD4A-9FFEFE4340A9}" presName="entireBox" presStyleLbl="node1" presStyleIdx="0" presStyleCnt="1" custLinFactNeighborX="27692" custLinFactNeighborY="-40625"/>
+      <dgm:spPr/>
+      <dgm:t>
+        <a:bodyPr/>
+        <a:lstStyle/>
+        <a:p>
+          <a:endParaRPr lang="en-US"/>
+        </a:p>
+      </dgm:t>
+    </dgm:pt>
+    <dgm:pt modelId="{20630852-F7AC-4C9B-BACB-E5CA7A64DD6A}" type="pres">
+      <dgm:prSet presAssocID="{7E829DBF-11EB-4D72-AD4A-9FFEFE4340A9}" presName="descendantBox" presStyleCnt="0"/>
+      <dgm:spPr/>
+    </dgm:pt>
+    <dgm:pt modelId="{9CD6F3CA-B3FC-45CD-AFE8-83034A1E12CA}" type="pres">
+      <dgm:prSet presAssocID="{B5777570-94A7-4320-B723-D6A66C313179}" presName="childTextBox" presStyleLbl="fgAccFollowNode1" presStyleIdx="0" presStyleCnt="2">
+        <dgm:presLayoutVars>
+          <dgm:bulletEnabled val="1"/>
+        </dgm:presLayoutVars>
+      </dgm:prSet>
+      <dgm:spPr/>
+      <dgm:t>
+        <a:bodyPr/>
+        <a:lstStyle/>
+        <a:p>
+          <a:endParaRPr lang="en-US"/>
+        </a:p>
+      </dgm:t>
+    </dgm:pt>
+    <dgm:pt modelId="{1F7BECB4-76D7-4619-97E8-90E69CEEB64A}" type="pres">
+      <dgm:prSet presAssocID="{84380697-93A1-4717-937D-A583453B6A3A}" presName="childTextBox" presStyleLbl="fgAccFollowNode1" presStyleIdx="1" presStyleCnt="2">
+        <dgm:presLayoutVars>
+          <dgm:bulletEnabled val="1"/>
+        </dgm:presLayoutVars>
+      </dgm:prSet>
+      <dgm:spPr/>
+      <dgm:t>
+        <a:bodyPr/>
+        <a:lstStyle/>
+        <a:p>
+          <a:endParaRPr lang="en-US"/>
+        </a:p>
+      </dgm:t>
+    </dgm:pt>
+  </dgm:ptLst>
+  <dgm:cxnLst>
+    <dgm:cxn modelId="{A13A4508-9D1D-4EA7-92B5-7D7B353A0321}" srcId="{1F8C6969-57BC-422B-A7D8-CEB736D20A22}" destId="{7E829DBF-11EB-4D72-AD4A-9FFEFE4340A9}" srcOrd="0" destOrd="0" parTransId="{B79A9084-4702-49D3-9B1F-C522F5B6A9D5}" sibTransId="{48762A67-82F8-401B-A9A5-4615EBFB853F}"/>
+    <dgm:cxn modelId="{B0BEBB14-4FA9-4D62-948B-0BA3F59D42C5}" srcId="{7E829DBF-11EB-4D72-AD4A-9FFEFE4340A9}" destId="{84380697-93A1-4717-937D-A583453B6A3A}" srcOrd="1" destOrd="0" parTransId="{C9BAA796-0BEA-4615-AA5E-2BE19FDBE6A2}" sibTransId="{4A909D9C-235E-4B5F-9214-778AACB66D6F}"/>
+    <dgm:cxn modelId="{18330B2E-3C12-47D6-8841-9CDE0D98DD46}" type="presOf" srcId="{7E829DBF-11EB-4D72-AD4A-9FFEFE4340A9}" destId="{082C1469-7809-41E5-B99E-9BA48C43295F}" srcOrd="1" destOrd="0" presId="urn:microsoft.com/office/officeart/2005/8/layout/process4"/>
+    <dgm:cxn modelId="{EB3C47D0-8E84-4F04-BAC2-616159132A6C}" type="presOf" srcId="{1F8C6969-57BC-422B-A7D8-CEB736D20A22}" destId="{190BD860-8DD3-474B-98D0-B37BA6B8475C}" srcOrd="0" destOrd="0" presId="urn:microsoft.com/office/officeart/2005/8/layout/process4"/>
+    <dgm:cxn modelId="{D559203D-4470-4F22-831F-CC50AFA8D35B}" srcId="{7E829DBF-11EB-4D72-AD4A-9FFEFE4340A9}" destId="{B5777570-94A7-4320-B723-D6A66C313179}" srcOrd="0" destOrd="0" parTransId="{B9F1CB2A-7DCC-459F-86B0-4E34DD104B92}" sibTransId="{3058B941-7B65-4F0E-A84D-2774EB2CD7C4}"/>
+    <dgm:cxn modelId="{E86820DC-706E-47F5-9153-91B0D8723921}" type="presOf" srcId="{7E829DBF-11EB-4D72-AD4A-9FFEFE4340A9}" destId="{4C771A66-447A-40E9-AFD2-909B3A45C9E6}" srcOrd="0" destOrd="0" presId="urn:microsoft.com/office/officeart/2005/8/layout/process4"/>
+    <dgm:cxn modelId="{C8D0094F-4AA6-48FB-A720-5FDEB5F1C42D}" type="presOf" srcId="{84380697-93A1-4717-937D-A583453B6A3A}" destId="{1F7BECB4-76D7-4619-97E8-90E69CEEB64A}" srcOrd="0" destOrd="0" presId="urn:microsoft.com/office/officeart/2005/8/layout/process4"/>
+    <dgm:cxn modelId="{B84205ED-AFAD-431A-93AB-1E8C9ECCBEF4}" type="presOf" srcId="{B5777570-94A7-4320-B723-D6A66C313179}" destId="{9CD6F3CA-B3FC-45CD-AFE8-83034A1E12CA}" srcOrd="0" destOrd="0" presId="urn:microsoft.com/office/officeart/2005/8/layout/process4"/>
+    <dgm:cxn modelId="{3F04FAF2-CBAC-4319-8CFE-8D916D9DD696}" type="presParOf" srcId="{190BD860-8DD3-474B-98D0-B37BA6B8475C}" destId="{A8C224A2-AA2C-4437-94AF-8BB1AD7BFE17}" srcOrd="0" destOrd="0" presId="urn:microsoft.com/office/officeart/2005/8/layout/process4"/>
+    <dgm:cxn modelId="{D772F35B-8C57-4F91-A320-00F7E284B05F}" type="presParOf" srcId="{A8C224A2-AA2C-4437-94AF-8BB1AD7BFE17}" destId="{4C771A66-447A-40E9-AFD2-909B3A45C9E6}" srcOrd="0" destOrd="0" presId="urn:microsoft.com/office/officeart/2005/8/layout/process4"/>
+    <dgm:cxn modelId="{274D35D9-6993-42A3-A512-BDBBE4B47931}" type="presParOf" srcId="{A8C224A2-AA2C-4437-94AF-8BB1AD7BFE17}" destId="{082C1469-7809-41E5-B99E-9BA48C43295F}" srcOrd="1" destOrd="0" presId="urn:microsoft.com/office/officeart/2005/8/layout/process4"/>
+    <dgm:cxn modelId="{4E28A29F-4829-40C3-BD32-D9D2F0B2EB85}" type="presParOf" srcId="{A8C224A2-AA2C-4437-94AF-8BB1AD7BFE17}" destId="{20630852-F7AC-4C9B-BACB-E5CA7A64DD6A}" srcOrd="2" destOrd="0" presId="urn:microsoft.com/office/officeart/2005/8/layout/process4"/>
+    <dgm:cxn modelId="{2C70532B-86BA-4FCE-BDF9-D2AD5F477EF7}" type="presParOf" srcId="{20630852-F7AC-4C9B-BACB-E5CA7A64DD6A}" destId="{9CD6F3CA-B3FC-45CD-AFE8-83034A1E12CA}" srcOrd="0" destOrd="0" presId="urn:microsoft.com/office/officeart/2005/8/layout/process4"/>
+    <dgm:cxn modelId="{72F92C82-02EF-429B-8E69-7928D7628525}" type="presParOf" srcId="{20630852-F7AC-4C9B-BACB-E5CA7A64DD6A}" destId="{1F7BECB4-76D7-4619-97E8-90E69CEEB64A}" srcOrd="1" destOrd="0" presId="urn:microsoft.com/office/officeart/2005/8/layout/process4"/>
+  </dgm:cxnLst>
+  <dgm:bg/>
+  <dgm:whole/>
+  <dgm:extLst>
+    <a:ext uri="http://schemas.microsoft.com/office/drawing/2008/diagram">
+      <dsp:dataModelExt xmlns:dsp="http://schemas.microsoft.com/office/drawing/2008/diagram" relId="rId6" minVer="http://schemas.openxmlformats.org/drawingml/2006/diagram"/>
     </a:ext>
   </dgm:extLst>
 </dgm:dataModel>
@@ -4194,6 +5173,253 @@
       <dsp:txXfrm>
         <a:off x="2447674" y="1222233"/>
         <a:ext cx="1222940" cy="1081207"/>
+      </dsp:txXfrm>
+    </dsp:sp>
+  </dsp:spTree>
+</dsp:drawing>
+</file>
+
+<file path=ppt/diagrams/drawing4.xml><?xml version="1.0" encoding="utf-8"?>
+<dsp:drawing xmlns:dgm="http://schemas.openxmlformats.org/drawingml/2006/diagram" xmlns:dsp="http://schemas.microsoft.com/office/drawing/2008/diagram" xmlns:a="http://schemas.openxmlformats.org/drawingml/2006/main">
+  <dsp:spTree>
+    <dsp:nvGrpSpPr>
+      <dsp:cNvPr id="0" name=""/>
+      <dsp:cNvGrpSpPr/>
+    </dsp:nvGrpSpPr>
+    <dsp:grpSpPr/>
+    <dsp:sp modelId="{082C1469-7809-41E5-B99E-9BA48C43295F}">
+      <dsp:nvSpPr>
+        <dsp:cNvPr id="0" name=""/>
+        <dsp:cNvSpPr/>
+      </dsp:nvSpPr>
+      <dsp:spPr>
+        <a:xfrm>
+          <a:off x="0" y="0"/>
+          <a:ext cx="4680520" cy="2304256"/>
+        </a:xfrm>
+        <a:prstGeom prst="rect">
+          <a:avLst/>
+        </a:prstGeom>
+        <a:solidFill>
+          <a:schemeClr val="accent1">
+            <a:hueOff val="0"/>
+            <a:satOff val="0"/>
+            <a:lumOff val="0"/>
+            <a:alphaOff val="0"/>
+          </a:schemeClr>
+        </a:solidFill>
+        <a:ln w="25400" cap="flat" cmpd="sng" algn="ctr">
+          <a:solidFill>
+            <a:schemeClr val="lt1">
+              <a:hueOff val="0"/>
+              <a:satOff val="0"/>
+              <a:lumOff val="0"/>
+              <a:alphaOff val="0"/>
+            </a:schemeClr>
+          </a:solidFill>
+          <a:prstDash val="solid"/>
+        </a:ln>
+        <a:effectLst/>
+      </dsp:spPr>
+      <dsp:style>
+        <a:lnRef idx="2">
+          <a:scrgbClr r="0" g="0" b="0"/>
+        </a:lnRef>
+        <a:fillRef idx="1">
+          <a:scrgbClr r="0" g="0" b="0"/>
+        </a:fillRef>
+        <a:effectRef idx="0">
+          <a:scrgbClr r="0" g="0" b="0"/>
+        </a:effectRef>
+        <a:fontRef idx="minor">
+          <a:schemeClr val="lt1"/>
+        </a:fontRef>
+      </dsp:style>
+      <dsp:txBody>
+        <a:bodyPr spcFirstLastPara="0" vert="horz" wrap="square" lIns="312928" tIns="312928" rIns="312928" bIns="312928" numCol="1" spcCol="1270" anchor="ctr" anchorCtr="0">
+          <a:noAutofit/>
+        </a:bodyPr>
+        <a:lstStyle/>
+        <a:p>
+          <a:pPr lvl="0" algn="ctr" defTabSz="1955800">
+            <a:lnSpc>
+              <a:spcPct val="90000"/>
+            </a:lnSpc>
+            <a:spcBef>
+              <a:spcPct val="0"/>
+            </a:spcBef>
+            <a:spcAft>
+              <a:spcPct val="35000"/>
+            </a:spcAft>
+          </a:pPr>
+          <a:r>
+            <a:rPr lang="en-US" sz="4400" kern="1200" dirty="0" smtClean="0"/>
+            <a:t>Principal</a:t>
+          </a:r>
+          <a:endParaRPr lang="en-US" sz="4400" kern="1200" dirty="0"/>
+        </a:p>
+      </dsp:txBody>
+      <dsp:txXfrm>
+        <a:off x="0" y="0"/>
+        <a:ext cx="4680520" cy="1244298"/>
+      </dsp:txXfrm>
+    </dsp:sp>
+    <dsp:sp modelId="{9CD6F3CA-B3FC-45CD-AFE8-83034A1E12CA}">
+      <dsp:nvSpPr>
+        <dsp:cNvPr id="0" name=""/>
+        <dsp:cNvSpPr/>
+      </dsp:nvSpPr>
+      <dsp:spPr>
+        <a:xfrm>
+          <a:off x="0" y="1198213"/>
+          <a:ext cx="2340260" cy="1059957"/>
+        </a:xfrm>
+        <a:prstGeom prst="rect">
+          <a:avLst/>
+        </a:prstGeom>
+        <a:solidFill>
+          <a:schemeClr val="accent1">
+            <a:alpha val="90000"/>
+            <a:tint val="40000"/>
+            <a:hueOff val="0"/>
+            <a:satOff val="0"/>
+            <a:lumOff val="0"/>
+            <a:alphaOff val="0"/>
+          </a:schemeClr>
+        </a:solidFill>
+        <a:ln w="25400" cap="flat" cmpd="sng" algn="ctr">
+          <a:solidFill>
+            <a:schemeClr val="accent1">
+              <a:alpha val="90000"/>
+              <a:tint val="40000"/>
+              <a:hueOff val="0"/>
+              <a:satOff val="0"/>
+              <a:lumOff val="0"/>
+              <a:alphaOff val="0"/>
+            </a:schemeClr>
+          </a:solidFill>
+          <a:prstDash val="solid"/>
+        </a:ln>
+        <a:effectLst/>
+      </dsp:spPr>
+      <dsp:style>
+        <a:lnRef idx="2">
+          <a:scrgbClr r="0" g="0" b="0"/>
+        </a:lnRef>
+        <a:fillRef idx="1">
+          <a:scrgbClr r="0" g="0" b="0"/>
+        </a:fillRef>
+        <a:effectRef idx="0">
+          <a:scrgbClr r="0" g="0" b="0"/>
+        </a:effectRef>
+        <a:fontRef idx="minor"/>
+      </dsp:style>
+      <dsp:txBody>
+        <a:bodyPr spcFirstLastPara="0" vert="horz" wrap="square" lIns="305816" tIns="54610" rIns="305816" bIns="54610" numCol="1" spcCol="1270" anchor="ctr" anchorCtr="0">
+          <a:noAutofit/>
+        </a:bodyPr>
+        <a:lstStyle/>
+        <a:p>
+          <a:pPr lvl="0" algn="ctr" defTabSz="1911350">
+            <a:lnSpc>
+              <a:spcPct val="90000"/>
+            </a:lnSpc>
+            <a:spcBef>
+              <a:spcPct val="0"/>
+            </a:spcBef>
+            <a:spcAft>
+              <a:spcPct val="35000"/>
+            </a:spcAft>
+          </a:pPr>
+          <a:r>
+            <a:rPr lang="en-US" sz="4300" kern="1200" dirty="0" smtClean="0"/>
+            <a:t>Identity</a:t>
+          </a:r>
+          <a:endParaRPr lang="en-US" sz="4300" kern="1200" dirty="0"/>
+        </a:p>
+      </dsp:txBody>
+      <dsp:txXfrm>
+        <a:off x="0" y="1198213"/>
+        <a:ext cx="2340260" cy="1059957"/>
+      </dsp:txXfrm>
+    </dsp:sp>
+    <dsp:sp modelId="{1F7BECB4-76D7-4619-97E8-90E69CEEB64A}">
+      <dsp:nvSpPr>
+        <dsp:cNvPr id="0" name=""/>
+        <dsp:cNvSpPr/>
+      </dsp:nvSpPr>
+      <dsp:spPr>
+        <a:xfrm>
+          <a:off x="2340260" y="1198213"/>
+          <a:ext cx="2340260" cy="1059957"/>
+        </a:xfrm>
+        <a:prstGeom prst="rect">
+          <a:avLst/>
+        </a:prstGeom>
+        <a:solidFill>
+          <a:schemeClr val="accent1">
+            <a:alpha val="90000"/>
+            <a:tint val="40000"/>
+            <a:hueOff val="0"/>
+            <a:satOff val="0"/>
+            <a:lumOff val="0"/>
+            <a:alphaOff val="0"/>
+          </a:schemeClr>
+        </a:solidFill>
+        <a:ln w="25400" cap="flat" cmpd="sng" algn="ctr">
+          <a:solidFill>
+            <a:schemeClr val="accent1">
+              <a:alpha val="90000"/>
+              <a:tint val="40000"/>
+              <a:hueOff val="0"/>
+              <a:satOff val="0"/>
+              <a:lumOff val="0"/>
+              <a:alphaOff val="0"/>
+            </a:schemeClr>
+          </a:solidFill>
+          <a:prstDash val="solid"/>
+        </a:ln>
+        <a:effectLst/>
+      </dsp:spPr>
+      <dsp:style>
+        <a:lnRef idx="2">
+          <a:scrgbClr r="0" g="0" b="0"/>
+        </a:lnRef>
+        <a:fillRef idx="1">
+          <a:scrgbClr r="0" g="0" b="0"/>
+        </a:fillRef>
+        <a:effectRef idx="0">
+          <a:scrgbClr r="0" g="0" b="0"/>
+        </a:effectRef>
+        <a:fontRef idx="minor"/>
+      </dsp:style>
+      <dsp:txBody>
+        <a:bodyPr spcFirstLastPara="0" vert="horz" wrap="square" lIns="305816" tIns="54610" rIns="305816" bIns="54610" numCol="1" spcCol="1270" anchor="ctr" anchorCtr="0">
+          <a:noAutofit/>
+        </a:bodyPr>
+        <a:lstStyle/>
+        <a:p>
+          <a:pPr lvl="0" algn="ctr" defTabSz="1911350">
+            <a:lnSpc>
+              <a:spcPct val="90000"/>
+            </a:lnSpc>
+            <a:spcBef>
+              <a:spcPct val="0"/>
+            </a:spcBef>
+            <a:spcAft>
+              <a:spcPct val="35000"/>
+            </a:spcAft>
+          </a:pPr>
+          <a:r>
+            <a:rPr lang="en-US" sz="4300" kern="1200" dirty="0" smtClean="0"/>
+            <a:t>Roles</a:t>
+          </a:r>
+          <a:endParaRPr lang="en-US" sz="4300" kern="1200" dirty="0" smtClean="0"/>
+        </a:p>
+      </dsp:txBody>
+      <dsp:txXfrm>
+        <a:off x="2340260" y="1198213"/>
+        <a:ext cx="2340260" cy="1059957"/>
       </dsp:txXfrm>
     </dsp:sp>
   </dsp:spTree>
@@ -5259,6 +6485,359 @@
 </dgm:layoutDef>
 </file>
 
+<file path=ppt/diagrams/layout4.xml><?xml version="1.0" encoding="utf-8"?>
+<dgm:layoutDef xmlns:dgm="http://schemas.openxmlformats.org/drawingml/2006/diagram" xmlns:a="http://schemas.openxmlformats.org/drawingml/2006/main" uniqueId="urn:microsoft.com/office/officeart/2005/8/layout/process4">
+  <dgm:title val=""/>
+  <dgm:desc val=""/>
+  <dgm:catLst>
+    <dgm:cat type="process" pri="16000"/>
+    <dgm:cat type="list" pri="20000"/>
+  </dgm:catLst>
+  <dgm:sampData>
+    <dgm:dataModel>
+      <dgm:ptLst>
+        <dgm:pt modelId="0" type="doc"/>
+        <dgm:pt modelId="1">
+          <dgm:prSet phldr="1"/>
+        </dgm:pt>
+        <dgm:pt modelId="11">
+          <dgm:prSet phldr="1"/>
+        </dgm:pt>
+        <dgm:pt modelId="12">
+          <dgm:prSet phldr="1"/>
+        </dgm:pt>
+        <dgm:pt modelId="2">
+          <dgm:prSet phldr="1"/>
+        </dgm:pt>
+        <dgm:pt modelId="21">
+          <dgm:prSet phldr="1"/>
+        </dgm:pt>
+        <dgm:pt modelId="22">
+          <dgm:prSet phldr="1"/>
+        </dgm:pt>
+        <dgm:pt modelId="3">
+          <dgm:prSet phldr="1"/>
+        </dgm:pt>
+        <dgm:pt modelId="31">
+          <dgm:prSet phldr="1"/>
+        </dgm:pt>
+        <dgm:pt modelId="32">
+          <dgm:prSet phldr="1"/>
+        </dgm:pt>
+      </dgm:ptLst>
+      <dgm:cxnLst>
+        <dgm:cxn modelId="4" srcId="0" destId="1" srcOrd="0" destOrd="0"/>
+        <dgm:cxn modelId="5" srcId="0" destId="2" srcOrd="1" destOrd="0"/>
+        <dgm:cxn modelId="6" srcId="0" destId="3" srcOrd="2" destOrd="0"/>
+        <dgm:cxn modelId="13" srcId="1" destId="11" srcOrd="0" destOrd="0"/>
+        <dgm:cxn modelId="14" srcId="1" destId="12" srcOrd="1" destOrd="0"/>
+        <dgm:cxn modelId="23" srcId="2" destId="21" srcOrd="0" destOrd="0"/>
+        <dgm:cxn modelId="24" srcId="2" destId="22" srcOrd="1" destOrd="0"/>
+        <dgm:cxn modelId="33" srcId="3" destId="31" srcOrd="0" destOrd="0"/>
+        <dgm:cxn modelId="34" srcId="3" destId="32" srcOrd="1" destOrd="0"/>
+      </dgm:cxnLst>
+      <dgm:bg/>
+      <dgm:whole/>
+    </dgm:dataModel>
+  </dgm:sampData>
+  <dgm:styleData>
+    <dgm:dataModel>
+      <dgm:ptLst>
+        <dgm:pt modelId="0" type="doc"/>
+        <dgm:pt modelId="1"/>
+        <dgm:pt modelId="11"/>
+        <dgm:pt modelId="2"/>
+        <dgm:pt modelId="21"/>
+      </dgm:ptLst>
+      <dgm:cxnLst>
+        <dgm:cxn modelId="4" srcId="0" destId="1" srcOrd="0" destOrd="0"/>
+        <dgm:cxn modelId="5" srcId="0" destId="2" srcOrd="1" destOrd="0"/>
+        <dgm:cxn modelId="13" srcId="1" destId="11" srcOrd="0" destOrd="0"/>
+        <dgm:cxn modelId="23" srcId="2" destId="21" srcOrd="0" destOrd="0"/>
+      </dgm:cxnLst>
+      <dgm:bg/>
+      <dgm:whole/>
+    </dgm:dataModel>
+  </dgm:styleData>
+  <dgm:clrData>
+    <dgm:dataModel>
+      <dgm:ptLst>
+        <dgm:pt modelId="0" type="doc"/>
+        <dgm:pt modelId="1"/>
+        <dgm:pt modelId="11"/>
+        <dgm:pt modelId="2"/>
+        <dgm:pt modelId="21"/>
+        <dgm:pt modelId="3"/>
+        <dgm:pt modelId="31"/>
+        <dgm:pt modelId="4"/>
+        <dgm:pt modelId="41"/>
+      </dgm:ptLst>
+      <dgm:cxnLst>
+        <dgm:cxn modelId="5" srcId="0" destId="1" srcOrd="0" destOrd="0"/>
+        <dgm:cxn modelId="6" srcId="0" destId="2" srcOrd="1" destOrd="0"/>
+        <dgm:cxn modelId="7" srcId="0" destId="3" srcOrd="2" destOrd="0"/>
+        <dgm:cxn modelId="8" srcId="0" destId="4" srcOrd="3" destOrd="0"/>
+        <dgm:cxn modelId="13" srcId="1" destId="11" srcOrd="0" destOrd="0"/>
+        <dgm:cxn modelId="23" srcId="2" destId="21" srcOrd="0" destOrd="0"/>
+        <dgm:cxn modelId="33" srcId="3" destId="31" srcOrd="0" destOrd="0"/>
+        <dgm:cxn modelId="43" srcId="4" destId="41" srcOrd="0" destOrd="0"/>
+      </dgm:cxnLst>
+      <dgm:bg/>
+      <dgm:whole/>
+    </dgm:dataModel>
+  </dgm:clrData>
+  <dgm:layoutNode name="Name0">
+    <dgm:varLst>
+      <dgm:dir/>
+      <dgm:animLvl val="lvl"/>
+      <dgm:resizeHandles val="exact"/>
+    </dgm:varLst>
+    <dgm:alg type="lin">
+      <dgm:param type="linDir" val="fromB"/>
+    </dgm:alg>
+    <dgm:shape xmlns:r="http://schemas.openxmlformats.org/officeDocument/2006/relationships" r:blip="">
+      <dgm:adjLst/>
+    </dgm:shape>
+    <dgm:presOf/>
+    <dgm:constrLst>
+      <dgm:constr type="h" for="ch" forName="boxAndChildren" refType="h"/>
+      <dgm:constr type="h" for="ch" forName="arrowAndChildren" refType="h" refFor="ch" refForName="boxAndChildren" op="equ" fact="1.538"/>
+      <dgm:constr type="w" for="ch" forName="arrowAndChildren" refType="w"/>
+      <dgm:constr type="w" for="ch" forName="boxAndChildren" refType="w"/>
+      <dgm:constr type="h" for="ch" forName="sp" refType="h" fact="-0.015"/>
+      <dgm:constr type="primFontSz" for="des" forName="parentTextBox" val="65"/>
+      <dgm:constr type="primFontSz" for="des" forName="parentTextArrow" refType="primFontSz" refFor="des" refForName="parentTextBox" op="equ"/>
+      <dgm:constr type="primFontSz" for="des" forName="childTextArrow" val="65"/>
+      <dgm:constr type="primFontSz" for="des" forName="childTextBox" refType="primFontSz" refFor="des" refForName="childTextArrow" op="equ"/>
+    </dgm:constrLst>
+    <dgm:ruleLst/>
+    <dgm:forEach name="Name1" axis="ch" ptType="node" st="-1" step="-1">
+      <dgm:choose name="Name2">
+        <dgm:if name="Name3" axis="self" ptType="node" func="revPos" op="equ" val="1">
+          <dgm:layoutNode name="boxAndChildren">
+            <dgm:alg type="composite"/>
+            <dgm:shape xmlns:r="http://schemas.openxmlformats.org/officeDocument/2006/relationships" r:blip="">
+              <dgm:adjLst/>
+            </dgm:shape>
+            <dgm:presOf/>
+            <dgm:choose name="Name4">
+              <dgm:if name="Name5" axis="ch" ptType="node" func="cnt" op="gte" val="1">
+                <dgm:constrLst>
+                  <dgm:constr type="w" for="ch" forName="parentTextBox" refType="w"/>
+                  <dgm:constr type="h" for="ch" forName="parentTextBox" refType="h" fact="0.54"/>
+                  <dgm:constr type="t" for="ch" forName="parentTextBox"/>
+                  <dgm:constr type="w" for="ch" forName="entireBox" refType="w"/>
+                  <dgm:constr type="h" for="ch" forName="entireBox" refType="h"/>
+                  <dgm:constr type="w" for="ch" forName="descendantBox" refType="w"/>
+                  <dgm:constr type="b" for="ch" forName="descendantBox" refType="h" fact="0.98"/>
+                  <dgm:constr type="h" for="ch" forName="descendantBox" refType="h" fact="0.46"/>
+                </dgm:constrLst>
+              </dgm:if>
+              <dgm:else name="Name6">
+                <dgm:constrLst>
+                  <dgm:constr type="w" for="ch" forName="parentTextBox" refType="w"/>
+                  <dgm:constr type="h" for="ch" forName="parentTextBox" refType="h"/>
+                </dgm:constrLst>
+              </dgm:else>
+            </dgm:choose>
+            <dgm:ruleLst/>
+            <dgm:layoutNode name="parentTextBox">
+              <dgm:alg type="tx"/>
+              <dgm:choose name="Name7">
+                <dgm:if name="Name8" axis="ch" ptType="node" func="cnt" op="gte" val="1">
+                  <dgm:shape xmlns:r="http://schemas.openxmlformats.org/officeDocument/2006/relationships" type="rect" r:blip="" zOrderOff="1" hideGeom="1">
+                    <dgm:adjLst/>
+                  </dgm:shape>
+                </dgm:if>
+                <dgm:else name="Name9">
+                  <dgm:shape xmlns:r="http://schemas.openxmlformats.org/officeDocument/2006/relationships" type="rect" r:blip="">
+                    <dgm:adjLst/>
+                  </dgm:shape>
+                </dgm:else>
+              </dgm:choose>
+              <dgm:presOf axis="self"/>
+              <dgm:constrLst/>
+              <dgm:ruleLst>
+                <dgm:rule type="primFontSz" val="5" fact="NaN" max="NaN"/>
+              </dgm:ruleLst>
+            </dgm:layoutNode>
+            <dgm:choose name="Name10">
+              <dgm:if name="Name11" axis="ch" ptType="node" func="cnt" op="gte" val="1">
+                <dgm:layoutNode name="entireBox">
+                  <dgm:alg type="sp"/>
+                  <dgm:shape xmlns:r="http://schemas.openxmlformats.org/officeDocument/2006/relationships" type="rect" r:blip="">
+                    <dgm:adjLst/>
+                  </dgm:shape>
+                  <dgm:presOf axis="self"/>
+                  <dgm:constrLst/>
+                  <dgm:ruleLst/>
+                </dgm:layoutNode>
+                <dgm:layoutNode name="descendantBox" styleLbl="fgAccFollowNode1">
+                  <dgm:choose name="Name12">
+                    <dgm:if name="Name13" func="var" arg="dir" op="equ" val="norm">
+                      <dgm:alg type="lin"/>
+                    </dgm:if>
+                    <dgm:else name="Name14">
+                      <dgm:alg type="lin">
+                        <dgm:param type="linDir" val="fromR"/>
+                      </dgm:alg>
+                    </dgm:else>
+                  </dgm:choose>
+                  <dgm:shape xmlns:r="http://schemas.openxmlformats.org/officeDocument/2006/relationships" r:blip="">
+                    <dgm:adjLst/>
+                  </dgm:shape>
+                  <dgm:presOf/>
+                  <dgm:constrLst>
+                    <dgm:constr type="w" for="ch" forName="childTextBox" refType="w"/>
+                    <dgm:constr type="h" for="ch" forName="childTextBox" refType="h"/>
+                  </dgm:constrLst>
+                  <dgm:ruleLst/>
+                  <dgm:forEach name="Name15" axis="ch" ptType="node">
+                    <dgm:layoutNode name="childTextBox" styleLbl="fgAccFollowNode1">
+                      <dgm:varLst>
+                        <dgm:bulletEnabled val="1"/>
+                      </dgm:varLst>
+                      <dgm:alg type="tx"/>
+                      <dgm:shape xmlns:r="http://schemas.openxmlformats.org/officeDocument/2006/relationships" type="rect" r:blip="">
+                        <dgm:adjLst/>
+                      </dgm:shape>
+                      <dgm:presOf axis="desOrSelf" ptType="node"/>
+                      <dgm:constrLst>
+                        <dgm:constr type="tMarg" refType="primFontSz" fact="0.1"/>
+                        <dgm:constr type="bMarg" refType="primFontSz" fact="0.1"/>
+                      </dgm:constrLst>
+                      <dgm:ruleLst>
+                        <dgm:rule type="primFontSz" val="5" fact="NaN" max="NaN"/>
+                      </dgm:ruleLst>
+                    </dgm:layoutNode>
+                  </dgm:forEach>
+                </dgm:layoutNode>
+              </dgm:if>
+              <dgm:else name="Name16"/>
+            </dgm:choose>
+          </dgm:layoutNode>
+        </dgm:if>
+        <dgm:else name="Name17">
+          <dgm:layoutNode name="arrowAndChildren">
+            <dgm:alg type="composite"/>
+            <dgm:shape xmlns:r="http://schemas.openxmlformats.org/officeDocument/2006/relationships" r:blip="">
+              <dgm:adjLst/>
+            </dgm:shape>
+            <dgm:presOf/>
+            <dgm:choose name="Name18">
+              <dgm:if name="Name19" axis="ch" ptType="node" func="cnt" op="gte" val="1">
+                <dgm:constrLst>
+                  <dgm:constr type="w" for="ch" forName="parentTextArrow" refType="w"/>
+                  <dgm:constr type="t" for="ch" forName="parentTextArrow"/>
+                  <dgm:constr type="h" for="ch" forName="parentTextArrow" refType="h" fact="0.351"/>
+                  <dgm:constr type="w" for="ch" forName="arrow" refType="w"/>
+                  <dgm:constr type="h" for="ch" forName="arrow" refType="h"/>
+                  <dgm:constr type="w" for="ch" forName="descendantArrow" refType="w"/>
+                  <dgm:constr type="b" for="ch" forName="descendantArrow" refType="h" fact="0.65"/>
+                  <dgm:constr type="h" for="ch" forName="descendantArrow" refType="h" fact="0.299"/>
+                </dgm:constrLst>
+              </dgm:if>
+              <dgm:else name="Name20">
+                <dgm:constrLst>
+                  <dgm:constr type="w" for="ch" forName="parentTextArrow" refType="w"/>
+                  <dgm:constr type="h" for="ch" forName="parentTextArrow" refType="h"/>
+                </dgm:constrLst>
+              </dgm:else>
+            </dgm:choose>
+            <dgm:ruleLst/>
+            <dgm:layoutNode name="parentTextArrow">
+              <dgm:alg type="tx"/>
+              <dgm:choose name="Name21">
+                <dgm:if name="Name22" axis="ch" ptType="node" func="cnt" op="gte" val="1">
+                  <dgm:shape xmlns:r="http://schemas.openxmlformats.org/officeDocument/2006/relationships" type="rect" r:blip="" zOrderOff="1" hideGeom="1">
+                    <dgm:adjLst/>
+                  </dgm:shape>
+                </dgm:if>
+                <dgm:else name="Name23">
+                  <dgm:shape xmlns:r="http://schemas.openxmlformats.org/officeDocument/2006/relationships" rot="180" type="upArrowCallout" r:blip="">
+                    <dgm:adjLst/>
+                  </dgm:shape>
+                </dgm:else>
+              </dgm:choose>
+              <dgm:presOf axis="self"/>
+              <dgm:constrLst/>
+              <dgm:ruleLst>
+                <dgm:rule type="primFontSz" val="5" fact="NaN" max="NaN"/>
+              </dgm:ruleLst>
+            </dgm:layoutNode>
+            <dgm:choose name="Name24">
+              <dgm:if name="Name25" axis="ch" ptType="node" func="cnt" op="gte" val="1">
+                <dgm:layoutNode name="arrow">
+                  <dgm:alg type="sp"/>
+                  <dgm:shape xmlns:r="http://schemas.openxmlformats.org/officeDocument/2006/relationships" rot="180" type="upArrowCallout" r:blip="">
+                    <dgm:adjLst/>
+                  </dgm:shape>
+                  <dgm:presOf axis="self"/>
+                  <dgm:constrLst/>
+                  <dgm:ruleLst/>
+                </dgm:layoutNode>
+                <dgm:layoutNode name="descendantArrow">
+                  <dgm:choose name="Name26">
+                    <dgm:if name="Name27" func="var" arg="dir" op="equ" val="norm">
+                      <dgm:alg type="lin"/>
+                    </dgm:if>
+                    <dgm:else name="Name28">
+                      <dgm:alg type="lin">
+                        <dgm:param type="linDir" val="fromR"/>
+                      </dgm:alg>
+                    </dgm:else>
+                  </dgm:choose>
+                  <dgm:shape xmlns:r="http://schemas.openxmlformats.org/officeDocument/2006/relationships" r:blip="">
+                    <dgm:adjLst/>
+                  </dgm:shape>
+                  <dgm:presOf/>
+                  <dgm:constrLst>
+                    <dgm:constr type="w" for="ch" forName="childTextArrow" refType="w"/>
+                    <dgm:constr type="h" for="ch" forName="childTextArrow" refType="h"/>
+                  </dgm:constrLst>
+                  <dgm:ruleLst/>
+                  <dgm:forEach name="Name29" axis="ch" ptType="node">
+                    <dgm:layoutNode name="childTextArrow" styleLbl="fgAccFollowNode1">
+                      <dgm:varLst>
+                        <dgm:bulletEnabled val="1"/>
+                      </dgm:varLst>
+                      <dgm:alg type="tx"/>
+                      <dgm:shape xmlns:r="http://schemas.openxmlformats.org/officeDocument/2006/relationships" type="rect" r:blip="">
+                        <dgm:adjLst/>
+                      </dgm:shape>
+                      <dgm:presOf axis="desOrSelf" ptType="node"/>
+                      <dgm:constrLst>
+                        <dgm:constr type="tMarg" refType="primFontSz" fact="0.1"/>
+                        <dgm:constr type="bMarg" refType="primFontSz" fact="0.1"/>
+                      </dgm:constrLst>
+                      <dgm:ruleLst>
+                        <dgm:rule type="primFontSz" val="5" fact="NaN" max="NaN"/>
+                      </dgm:ruleLst>
+                    </dgm:layoutNode>
+                  </dgm:forEach>
+                </dgm:layoutNode>
+              </dgm:if>
+              <dgm:else name="Name30"/>
+            </dgm:choose>
+          </dgm:layoutNode>
+        </dgm:else>
+      </dgm:choose>
+      <dgm:forEach name="Name31" axis="precedSib" ptType="sibTrans" st="-1" cnt="1">
+        <dgm:layoutNode name="sp">
+          <dgm:alg type="sp"/>
+          <dgm:shape xmlns:r="http://schemas.openxmlformats.org/officeDocument/2006/relationships" r:blip="">
+            <dgm:adjLst/>
+          </dgm:shape>
+          <dgm:presOf axis="self"/>
+          <dgm:constrLst/>
+          <dgm:ruleLst/>
+        </dgm:layoutNode>
+      </dgm:forEach>
+    </dgm:forEach>
+  </dgm:layoutNode>
+</dgm:layoutDef>
+</file>
+
 <file path=ppt/diagrams/quickStyle1.xml><?xml version="1.0" encoding="utf-8"?>
 <dgm:styleDef xmlns:dgm="http://schemas.openxmlformats.org/drawingml/2006/diagram" xmlns:a="http://schemas.openxmlformats.org/drawingml/2006/main" uniqueId="urn:microsoft.com/office/officeart/2005/8/quickstyle/simple1">
   <dgm:title val=""/>
@@ -7328,6 +8907,1040 @@
 </file>
 
 <file path=ppt/diagrams/quickStyle3.xml><?xml version="1.0" encoding="utf-8"?>
+<dgm:styleDef xmlns:dgm="http://schemas.openxmlformats.org/drawingml/2006/diagram" xmlns:a="http://schemas.openxmlformats.org/drawingml/2006/main" uniqueId="urn:microsoft.com/office/officeart/2005/8/quickstyle/simple1">
+  <dgm:title val=""/>
+  <dgm:desc val=""/>
+  <dgm:catLst>
+    <dgm:cat type="simple" pri="10100"/>
+  </dgm:catLst>
+  <dgm:scene3d>
+    <a:camera prst="orthographicFront"/>
+    <a:lightRig rig="threePt" dir="t"/>
+  </dgm:scene3d>
+  <dgm:styleLbl name="node0">
+    <dgm:scene3d>
+      <a:camera prst="orthographicFront"/>
+      <a:lightRig rig="threePt" dir="t"/>
+    </dgm:scene3d>
+    <dgm:sp3d/>
+    <dgm:txPr/>
+    <dgm:style>
+      <a:lnRef idx="2">
+        <a:scrgbClr r="0" g="0" b="0"/>
+      </a:lnRef>
+      <a:fillRef idx="1">
+        <a:scrgbClr r="0" g="0" b="0"/>
+      </a:fillRef>
+      <a:effectRef idx="0">
+        <a:scrgbClr r="0" g="0" b="0"/>
+      </a:effectRef>
+      <a:fontRef idx="minor">
+        <a:schemeClr val="lt1"/>
+      </a:fontRef>
+    </dgm:style>
+  </dgm:styleLbl>
+  <dgm:styleLbl name="lnNode1">
+    <dgm:scene3d>
+      <a:camera prst="orthographicFront"/>
+      <a:lightRig rig="threePt" dir="t"/>
+    </dgm:scene3d>
+    <dgm:sp3d/>
+    <dgm:txPr/>
+    <dgm:style>
+      <a:lnRef idx="2">
+        <a:scrgbClr r="0" g="0" b="0"/>
+      </a:lnRef>
+      <a:fillRef idx="1">
+        <a:scrgbClr r="0" g="0" b="0"/>
+      </a:fillRef>
+      <a:effectRef idx="0">
+        <a:scrgbClr r="0" g="0" b="0"/>
+      </a:effectRef>
+      <a:fontRef idx="minor">
+        <a:schemeClr val="lt1"/>
+      </a:fontRef>
+    </dgm:style>
+  </dgm:styleLbl>
+  <dgm:styleLbl name="vennNode1">
+    <dgm:scene3d>
+      <a:camera prst="orthographicFront"/>
+      <a:lightRig rig="threePt" dir="t"/>
+    </dgm:scene3d>
+    <dgm:sp3d/>
+    <dgm:txPr/>
+    <dgm:style>
+      <a:lnRef idx="2">
+        <a:scrgbClr r="0" g="0" b="0"/>
+      </a:lnRef>
+      <a:fillRef idx="1">
+        <a:scrgbClr r="0" g="0" b="0"/>
+      </a:fillRef>
+      <a:effectRef idx="0">
+        <a:scrgbClr r="0" g="0" b="0"/>
+      </a:effectRef>
+      <a:fontRef idx="minor">
+        <a:schemeClr val="tx1"/>
+      </a:fontRef>
+    </dgm:style>
+  </dgm:styleLbl>
+  <dgm:styleLbl name="alignNode1">
+    <dgm:scene3d>
+      <a:camera prst="orthographicFront"/>
+      <a:lightRig rig="threePt" dir="t"/>
+    </dgm:scene3d>
+    <dgm:sp3d/>
+    <dgm:txPr/>
+    <dgm:style>
+      <a:lnRef idx="2">
+        <a:scrgbClr r="0" g="0" b="0"/>
+      </a:lnRef>
+      <a:fillRef idx="1">
+        <a:scrgbClr r="0" g="0" b="0"/>
+      </a:fillRef>
+      <a:effectRef idx="0">
+        <a:scrgbClr r="0" g="0" b="0"/>
+      </a:effectRef>
+      <a:fontRef idx="minor">
+        <a:schemeClr val="lt1"/>
+      </a:fontRef>
+    </dgm:style>
+  </dgm:styleLbl>
+  <dgm:styleLbl name="node1">
+    <dgm:scene3d>
+      <a:camera prst="orthographicFront"/>
+      <a:lightRig rig="threePt" dir="t"/>
+    </dgm:scene3d>
+    <dgm:sp3d/>
+    <dgm:txPr/>
+    <dgm:style>
+      <a:lnRef idx="2">
+        <a:scrgbClr r="0" g="0" b="0"/>
+      </a:lnRef>
+      <a:fillRef idx="1">
+        <a:scrgbClr r="0" g="0" b="0"/>
+      </a:fillRef>
+      <a:effectRef idx="0">
+        <a:scrgbClr r="0" g="0" b="0"/>
+      </a:effectRef>
+      <a:fontRef idx="minor">
+        <a:schemeClr val="lt1"/>
+      </a:fontRef>
+    </dgm:style>
+  </dgm:styleLbl>
+  <dgm:styleLbl name="node2">
+    <dgm:scene3d>
+      <a:camera prst="orthographicFront"/>
+      <a:lightRig rig="threePt" dir="t"/>
+    </dgm:scene3d>
+    <dgm:sp3d/>
+    <dgm:txPr/>
+    <dgm:style>
+      <a:lnRef idx="2">
+        <a:scrgbClr r="0" g="0" b="0"/>
+      </a:lnRef>
+      <a:fillRef idx="1">
+        <a:scrgbClr r="0" g="0" b="0"/>
+      </a:fillRef>
+      <a:effectRef idx="0">
+        <a:scrgbClr r="0" g="0" b="0"/>
+      </a:effectRef>
+      <a:fontRef idx="minor">
+        <a:schemeClr val="lt1"/>
+      </a:fontRef>
+    </dgm:style>
+  </dgm:styleLbl>
+  <dgm:styleLbl name="node3">
+    <dgm:scene3d>
+      <a:camera prst="orthographicFront"/>
+      <a:lightRig rig="threePt" dir="t"/>
+    </dgm:scene3d>
+    <dgm:sp3d/>
+    <dgm:txPr/>
+    <dgm:style>
+      <a:lnRef idx="2">
+        <a:scrgbClr r="0" g="0" b="0"/>
+      </a:lnRef>
+      <a:fillRef idx="1">
+        <a:scrgbClr r="0" g="0" b="0"/>
+      </a:fillRef>
+      <a:effectRef idx="0">
+        <a:scrgbClr r="0" g="0" b="0"/>
+      </a:effectRef>
+      <a:fontRef idx="minor">
+        <a:schemeClr val="lt1"/>
+      </a:fontRef>
+    </dgm:style>
+  </dgm:styleLbl>
+  <dgm:styleLbl name="node4">
+    <dgm:scene3d>
+      <a:camera prst="orthographicFront"/>
+      <a:lightRig rig="threePt" dir="t"/>
+    </dgm:scene3d>
+    <dgm:sp3d/>
+    <dgm:txPr/>
+    <dgm:style>
+      <a:lnRef idx="2">
+        <a:scrgbClr r="0" g="0" b="0"/>
+      </a:lnRef>
+      <a:fillRef idx="1">
+        <a:scrgbClr r="0" g="0" b="0"/>
+      </a:fillRef>
+      <a:effectRef idx="0">
+        <a:scrgbClr r="0" g="0" b="0"/>
+      </a:effectRef>
+      <a:fontRef idx="minor">
+        <a:schemeClr val="lt1"/>
+      </a:fontRef>
+    </dgm:style>
+  </dgm:styleLbl>
+  <dgm:styleLbl name="fgImgPlace1">
+    <dgm:scene3d>
+      <a:camera prst="orthographicFront"/>
+      <a:lightRig rig="threePt" dir="t"/>
+    </dgm:scene3d>
+    <dgm:sp3d/>
+    <dgm:txPr/>
+    <dgm:style>
+      <a:lnRef idx="2">
+        <a:scrgbClr r="0" g="0" b="0"/>
+      </a:lnRef>
+      <a:fillRef idx="1">
+        <a:scrgbClr r="0" g="0" b="0"/>
+      </a:fillRef>
+      <a:effectRef idx="0">
+        <a:scrgbClr r="0" g="0" b="0"/>
+      </a:effectRef>
+      <a:fontRef idx="minor"/>
+    </dgm:style>
+  </dgm:styleLbl>
+  <dgm:styleLbl name="alignImgPlace1">
+    <dgm:scene3d>
+      <a:camera prst="orthographicFront"/>
+      <a:lightRig rig="threePt" dir="t"/>
+    </dgm:scene3d>
+    <dgm:sp3d/>
+    <dgm:txPr/>
+    <dgm:style>
+      <a:lnRef idx="2">
+        <a:scrgbClr r="0" g="0" b="0"/>
+      </a:lnRef>
+      <a:fillRef idx="1">
+        <a:scrgbClr r="0" g="0" b="0"/>
+      </a:fillRef>
+      <a:effectRef idx="0">
+        <a:scrgbClr r="0" g="0" b="0"/>
+      </a:effectRef>
+      <a:fontRef idx="minor"/>
+    </dgm:style>
+  </dgm:styleLbl>
+  <dgm:styleLbl name="bgImgPlace1">
+    <dgm:scene3d>
+      <a:camera prst="orthographicFront"/>
+      <a:lightRig rig="threePt" dir="t"/>
+    </dgm:scene3d>
+    <dgm:sp3d/>
+    <dgm:txPr/>
+    <dgm:style>
+      <a:lnRef idx="2">
+        <a:scrgbClr r="0" g="0" b="0"/>
+      </a:lnRef>
+      <a:fillRef idx="1">
+        <a:scrgbClr r="0" g="0" b="0"/>
+      </a:fillRef>
+      <a:effectRef idx="0">
+        <a:scrgbClr r="0" g="0" b="0"/>
+      </a:effectRef>
+      <a:fontRef idx="minor"/>
+    </dgm:style>
+  </dgm:styleLbl>
+  <dgm:styleLbl name="sibTrans2D1">
+    <dgm:scene3d>
+      <a:camera prst="orthographicFront"/>
+      <a:lightRig rig="threePt" dir="t"/>
+    </dgm:scene3d>
+    <dgm:sp3d/>
+    <dgm:txPr/>
+    <dgm:style>
+      <a:lnRef idx="0">
+        <a:scrgbClr r="0" g="0" b="0"/>
+      </a:lnRef>
+      <a:fillRef idx="1">
+        <a:scrgbClr r="0" g="0" b="0"/>
+      </a:fillRef>
+      <a:effectRef idx="0">
+        <a:scrgbClr r="0" g="0" b="0"/>
+      </a:effectRef>
+      <a:fontRef idx="minor">
+        <a:schemeClr val="lt1"/>
+      </a:fontRef>
+    </dgm:style>
+  </dgm:styleLbl>
+  <dgm:styleLbl name="fgSibTrans2D1">
+    <dgm:scene3d>
+      <a:camera prst="orthographicFront"/>
+      <a:lightRig rig="threePt" dir="t"/>
+    </dgm:scene3d>
+    <dgm:sp3d/>
+    <dgm:txPr/>
+    <dgm:style>
+      <a:lnRef idx="0">
+        <a:scrgbClr r="0" g="0" b="0"/>
+      </a:lnRef>
+      <a:fillRef idx="1">
+        <a:scrgbClr r="0" g="0" b="0"/>
+      </a:fillRef>
+      <a:effectRef idx="0">
+        <a:scrgbClr r="0" g="0" b="0"/>
+      </a:effectRef>
+      <a:fontRef idx="minor">
+        <a:schemeClr val="lt1"/>
+      </a:fontRef>
+    </dgm:style>
+  </dgm:styleLbl>
+  <dgm:styleLbl name="bgSibTrans2D1">
+    <dgm:scene3d>
+      <a:camera prst="orthographicFront"/>
+      <a:lightRig rig="threePt" dir="t"/>
+    </dgm:scene3d>
+    <dgm:sp3d/>
+    <dgm:txPr/>
+    <dgm:style>
+      <a:lnRef idx="0">
+        <a:scrgbClr r="0" g="0" b="0"/>
+      </a:lnRef>
+      <a:fillRef idx="1">
+        <a:scrgbClr r="0" g="0" b="0"/>
+      </a:fillRef>
+      <a:effectRef idx="0">
+        <a:scrgbClr r="0" g="0" b="0"/>
+      </a:effectRef>
+      <a:fontRef idx="minor">
+        <a:schemeClr val="lt1"/>
+      </a:fontRef>
+    </dgm:style>
+  </dgm:styleLbl>
+  <dgm:styleLbl name="sibTrans1D1">
+    <dgm:scene3d>
+      <a:camera prst="orthographicFront"/>
+      <a:lightRig rig="threePt" dir="t"/>
+    </dgm:scene3d>
+    <dgm:sp3d/>
+    <dgm:txPr/>
+    <dgm:style>
+      <a:lnRef idx="1">
+        <a:scrgbClr r="0" g="0" b="0"/>
+      </a:lnRef>
+      <a:fillRef idx="0">
+        <a:scrgbClr r="0" g="0" b="0"/>
+      </a:fillRef>
+      <a:effectRef idx="0">
+        <a:scrgbClr r="0" g="0" b="0"/>
+      </a:effectRef>
+      <a:fontRef idx="minor"/>
+    </dgm:style>
+  </dgm:styleLbl>
+  <dgm:styleLbl name="callout">
+    <dgm:scene3d>
+      <a:camera prst="orthographicFront"/>
+      <a:lightRig rig="threePt" dir="t"/>
+    </dgm:scene3d>
+    <dgm:sp3d/>
+    <dgm:txPr/>
+    <dgm:style>
+      <a:lnRef idx="2">
+        <a:scrgbClr r="0" g="0" b="0"/>
+      </a:lnRef>
+      <a:fillRef idx="1">
+        <a:scrgbClr r="0" g="0" b="0"/>
+      </a:fillRef>
+      <a:effectRef idx="0">
+        <a:scrgbClr r="0" g="0" b="0"/>
+      </a:effectRef>
+      <a:fontRef idx="minor"/>
+    </dgm:style>
+  </dgm:styleLbl>
+  <dgm:styleLbl name="asst0">
+    <dgm:scene3d>
+      <a:camera prst="orthographicFront"/>
+      <a:lightRig rig="threePt" dir="t"/>
+    </dgm:scene3d>
+    <dgm:sp3d/>
+    <dgm:txPr/>
+    <dgm:style>
+      <a:lnRef idx="2">
+        <a:scrgbClr r="0" g="0" b="0"/>
+      </a:lnRef>
+      <a:fillRef idx="1">
+        <a:scrgbClr r="0" g="0" b="0"/>
+      </a:fillRef>
+      <a:effectRef idx="0">
+        <a:scrgbClr r="0" g="0" b="0"/>
+      </a:effectRef>
+      <a:fontRef idx="minor">
+        <a:schemeClr val="lt1"/>
+      </a:fontRef>
+    </dgm:style>
+  </dgm:styleLbl>
+  <dgm:styleLbl name="asst1">
+    <dgm:scene3d>
+      <a:camera prst="orthographicFront"/>
+      <a:lightRig rig="threePt" dir="t"/>
+    </dgm:scene3d>
+    <dgm:sp3d/>
+    <dgm:txPr/>
+    <dgm:style>
+      <a:lnRef idx="2">
+        <a:scrgbClr r="0" g="0" b="0"/>
+      </a:lnRef>
+      <a:fillRef idx="1">
+        <a:scrgbClr r="0" g="0" b="0"/>
+      </a:fillRef>
+      <a:effectRef idx="0">
+        <a:scrgbClr r="0" g="0" b="0"/>
+      </a:effectRef>
+      <a:fontRef idx="minor">
+        <a:schemeClr val="lt1"/>
+      </a:fontRef>
+    </dgm:style>
+  </dgm:styleLbl>
+  <dgm:styleLbl name="asst2">
+    <dgm:scene3d>
+      <a:camera prst="orthographicFront"/>
+      <a:lightRig rig="threePt" dir="t"/>
+    </dgm:scene3d>
+    <dgm:sp3d/>
+    <dgm:txPr/>
+    <dgm:style>
+      <a:lnRef idx="2">
+        <a:scrgbClr r="0" g="0" b="0"/>
+      </a:lnRef>
+      <a:fillRef idx="1">
+        <a:scrgbClr r="0" g="0" b="0"/>
+      </a:fillRef>
+      <a:effectRef idx="0">
+        <a:scrgbClr r="0" g="0" b="0"/>
+      </a:effectRef>
+      <a:fontRef idx="minor">
+        <a:schemeClr val="lt1"/>
+      </a:fontRef>
+    </dgm:style>
+  </dgm:styleLbl>
+  <dgm:styleLbl name="asst3">
+    <dgm:scene3d>
+      <a:camera prst="orthographicFront"/>
+      <a:lightRig rig="threePt" dir="t"/>
+    </dgm:scene3d>
+    <dgm:sp3d/>
+    <dgm:txPr/>
+    <dgm:style>
+      <a:lnRef idx="2">
+        <a:scrgbClr r="0" g="0" b="0"/>
+      </a:lnRef>
+      <a:fillRef idx="1">
+        <a:scrgbClr r="0" g="0" b="0"/>
+      </a:fillRef>
+      <a:effectRef idx="0">
+        <a:scrgbClr r="0" g="0" b="0"/>
+      </a:effectRef>
+      <a:fontRef idx="minor">
+        <a:schemeClr val="lt1"/>
+      </a:fontRef>
+    </dgm:style>
+  </dgm:styleLbl>
+  <dgm:styleLbl name="asst4">
+    <dgm:scene3d>
+      <a:camera prst="orthographicFront"/>
+      <a:lightRig rig="threePt" dir="t"/>
+    </dgm:scene3d>
+    <dgm:sp3d/>
+    <dgm:txPr/>
+    <dgm:style>
+      <a:lnRef idx="2">
+        <a:scrgbClr r="0" g="0" b="0"/>
+      </a:lnRef>
+      <a:fillRef idx="1">
+        <a:scrgbClr r="0" g="0" b="0"/>
+      </a:fillRef>
+      <a:effectRef idx="0">
+        <a:scrgbClr r="0" g="0" b="0"/>
+      </a:effectRef>
+      <a:fontRef idx="minor">
+        <a:schemeClr val="lt1"/>
+      </a:fontRef>
+    </dgm:style>
+  </dgm:styleLbl>
+  <dgm:styleLbl name="parChTrans2D1">
+    <dgm:scene3d>
+      <a:camera prst="orthographicFront"/>
+      <a:lightRig rig="threePt" dir="t"/>
+    </dgm:scene3d>
+    <dgm:sp3d/>
+    <dgm:txPr/>
+    <dgm:style>
+      <a:lnRef idx="2">
+        <a:scrgbClr r="0" g="0" b="0"/>
+      </a:lnRef>
+      <a:fillRef idx="1">
+        <a:scrgbClr r="0" g="0" b="0"/>
+      </a:fillRef>
+      <a:effectRef idx="0">
+        <a:scrgbClr r="0" g="0" b="0"/>
+      </a:effectRef>
+      <a:fontRef idx="minor">
+        <a:schemeClr val="lt1"/>
+      </a:fontRef>
+    </dgm:style>
+  </dgm:styleLbl>
+  <dgm:styleLbl name="parChTrans2D2">
+    <dgm:scene3d>
+      <a:camera prst="orthographicFront"/>
+      <a:lightRig rig="threePt" dir="t"/>
+    </dgm:scene3d>
+    <dgm:sp3d/>
+    <dgm:txPr/>
+    <dgm:style>
+      <a:lnRef idx="2">
+        <a:scrgbClr r="0" g="0" b="0"/>
+      </a:lnRef>
+      <a:fillRef idx="1">
+        <a:scrgbClr r="0" g="0" b="0"/>
+      </a:fillRef>
+      <a:effectRef idx="0">
+        <a:scrgbClr r="0" g="0" b="0"/>
+      </a:effectRef>
+      <a:fontRef idx="minor">
+        <a:schemeClr val="lt1"/>
+      </a:fontRef>
+    </dgm:style>
+  </dgm:styleLbl>
+  <dgm:styleLbl name="parChTrans2D3">
+    <dgm:scene3d>
+      <a:camera prst="orthographicFront"/>
+      <a:lightRig rig="threePt" dir="t"/>
+    </dgm:scene3d>
+    <dgm:sp3d/>
+    <dgm:txPr/>
+    <dgm:style>
+      <a:lnRef idx="2">
+        <a:scrgbClr r="0" g="0" b="0"/>
+      </a:lnRef>
+      <a:fillRef idx="1">
+        <a:scrgbClr r="0" g="0" b="0"/>
+      </a:fillRef>
+      <a:effectRef idx="0">
+        <a:scrgbClr r="0" g="0" b="0"/>
+      </a:effectRef>
+      <a:fontRef idx="minor">
+        <a:schemeClr val="lt1"/>
+      </a:fontRef>
+    </dgm:style>
+  </dgm:styleLbl>
+  <dgm:styleLbl name="parChTrans2D4">
+    <dgm:scene3d>
+      <a:camera prst="orthographicFront"/>
+      <a:lightRig rig="threePt" dir="t"/>
+    </dgm:scene3d>
+    <dgm:sp3d/>
+    <dgm:txPr/>
+    <dgm:style>
+      <a:lnRef idx="2">
+        <a:scrgbClr r="0" g="0" b="0"/>
+      </a:lnRef>
+      <a:fillRef idx="1">
+        <a:scrgbClr r="0" g="0" b="0"/>
+      </a:fillRef>
+      <a:effectRef idx="0">
+        <a:scrgbClr r="0" g="0" b="0"/>
+      </a:effectRef>
+      <a:fontRef idx="minor">
+        <a:schemeClr val="lt1"/>
+      </a:fontRef>
+    </dgm:style>
+  </dgm:styleLbl>
+  <dgm:styleLbl name="parChTrans1D1">
+    <dgm:scene3d>
+      <a:camera prst="orthographicFront"/>
+      <a:lightRig rig="threePt" dir="t"/>
+    </dgm:scene3d>
+    <dgm:sp3d/>
+    <dgm:txPr/>
+    <dgm:style>
+      <a:lnRef idx="2">
+        <a:scrgbClr r="0" g="0" b="0"/>
+      </a:lnRef>
+      <a:fillRef idx="0">
+        <a:scrgbClr r="0" g="0" b="0"/>
+      </a:fillRef>
+      <a:effectRef idx="0">
+        <a:scrgbClr r="0" g="0" b="0"/>
+      </a:effectRef>
+      <a:fontRef idx="minor"/>
+    </dgm:style>
+  </dgm:styleLbl>
+  <dgm:styleLbl name="parChTrans1D2">
+    <dgm:scene3d>
+      <a:camera prst="orthographicFront"/>
+      <a:lightRig rig="threePt" dir="t"/>
+    </dgm:scene3d>
+    <dgm:sp3d/>
+    <dgm:txPr/>
+    <dgm:style>
+      <a:lnRef idx="2">
+        <a:scrgbClr r="0" g="0" b="0"/>
+      </a:lnRef>
+      <a:fillRef idx="0">
+        <a:scrgbClr r="0" g="0" b="0"/>
+      </a:fillRef>
+      <a:effectRef idx="0">
+        <a:scrgbClr r="0" g="0" b="0"/>
+      </a:effectRef>
+      <a:fontRef idx="minor"/>
+    </dgm:style>
+  </dgm:styleLbl>
+  <dgm:styleLbl name="parChTrans1D3">
+    <dgm:scene3d>
+      <a:camera prst="orthographicFront"/>
+      <a:lightRig rig="threePt" dir="t"/>
+    </dgm:scene3d>
+    <dgm:sp3d/>
+    <dgm:txPr/>
+    <dgm:style>
+      <a:lnRef idx="2">
+        <a:scrgbClr r="0" g="0" b="0"/>
+      </a:lnRef>
+      <a:fillRef idx="0">
+        <a:scrgbClr r="0" g="0" b="0"/>
+      </a:fillRef>
+      <a:effectRef idx="0">
+        <a:scrgbClr r="0" g="0" b="0"/>
+      </a:effectRef>
+      <a:fontRef idx="minor"/>
+    </dgm:style>
+  </dgm:styleLbl>
+  <dgm:styleLbl name="parChTrans1D4">
+    <dgm:scene3d>
+      <a:camera prst="orthographicFront"/>
+      <a:lightRig rig="threePt" dir="t"/>
+    </dgm:scene3d>
+    <dgm:sp3d/>
+    <dgm:txPr/>
+    <dgm:style>
+      <a:lnRef idx="2">
+        <a:scrgbClr r="0" g="0" b="0"/>
+      </a:lnRef>
+      <a:fillRef idx="0">
+        <a:scrgbClr r="0" g="0" b="0"/>
+      </a:fillRef>
+      <a:effectRef idx="0">
+        <a:scrgbClr r="0" g="0" b="0"/>
+      </a:effectRef>
+      <a:fontRef idx="minor"/>
+    </dgm:style>
+  </dgm:styleLbl>
+  <dgm:styleLbl name="fgAcc1">
+    <dgm:scene3d>
+      <a:camera prst="orthographicFront"/>
+      <a:lightRig rig="threePt" dir="t"/>
+    </dgm:scene3d>
+    <dgm:sp3d/>
+    <dgm:txPr/>
+    <dgm:style>
+      <a:lnRef idx="2">
+        <a:scrgbClr r="0" g="0" b="0"/>
+      </a:lnRef>
+      <a:fillRef idx="1">
+        <a:scrgbClr r="0" g="0" b="0"/>
+      </a:fillRef>
+      <a:effectRef idx="0">
+        <a:scrgbClr r="0" g="0" b="0"/>
+      </a:effectRef>
+      <a:fontRef idx="minor"/>
+    </dgm:style>
+  </dgm:styleLbl>
+  <dgm:styleLbl name="conFgAcc1">
+    <dgm:scene3d>
+      <a:camera prst="orthographicFront"/>
+      <a:lightRig rig="threePt" dir="t"/>
+    </dgm:scene3d>
+    <dgm:sp3d/>
+    <dgm:txPr/>
+    <dgm:style>
+      <a:lnRef idx="2">
+        <a:scrgbClr r="0" g="0" b="0"/>
+      </a:lnRef>
+      <a:fillRef idx="1">
+        <a:scrgbClr r="0" g="0" b="0"/>
+      </a:fillRef>
+      <a:effectRef idx="0">
+        <a:scrgbClr r="0" g="0" b="0"/>
+      </a:effectRef>
+      <a:fontRef idx="minor"/>
+    </dgm:style>
+  </dgm:styleLbl>
+  <dgm:styleLbl name="alignAcc1">
+    <dgm:scene3d>
+      <a:camera prst="orthographicFront"/>
+      <a:lightRig rig="threePt" dir="t"/>
+    </dgm:scene3d>
+    <dgm:sp3d/>
+    <dgm:txPr/>
+    <dgm:style>
+      <a:lnRef idx="2">
+        <a:scrgbClr r="0" g="0" b="0"/>
+      </a:lnRef>
+      <a:fillRef idx="1">
+        <a:scrgbClr r="0" g="0" b="0"/>
+      </a:fillRef>
+      <a:effectRef idx="0">
+        <a:scrgbClr r="0" g="0" b="0"/>
+      </a:effectRef>
+      <a:fontRef idx="minor"/>
+    </dgm:style>
+  </dgm:styleLbl>
+  <dgm:styleLbl name="trAlignAcc1">
+    <dgm:scene3d>
+      <a:camera prst="orthographicFront"/>
+      <a:lightRig rig="threePt" dir="t"/>
+    </dgm:scene3d>
+    <dgm:sp3d/>
+    <dgm:txPr/>
+    <dgm:style>
+      <a:lnRef idx="1">
+        <a:scrgbClr r="0" g="0" b="0"/>
+      </a:lnRef>
+      <a:fillRef idx="1">
+        <a:scrgbClr r="0" g="0" b="0"/>
+      </a:fillRef>
+      <a:effectRef idx="0">
+        <a:scrgbClr r="0" g="0" b="0"/>
+      </a:effectRef>
+      <a:fontRef idx="minor"/>
+    </dgm:style>
+  </dgm:styleLbl>
+  <dgm:styleLbl name="bgAcc1">
+    <dgm:scene3d>
+      <a:camera prst="orthographicFront"/>
+      <a:lightRig rig="threePt" dir="t"/>
+    </dgm:scene3d>
+    <dgm:sp3d/>
+    <dgm:txPr/>
+    <dgm:style>
+      <a:lnRef idx="2">
+        <a:scrgbClr r="0" g="0" b="0"/>
+      </a:lnRef>
+      <a:fillRef idx="1">
+        <a:scrgbClr r="0" g="0" b="0"/>
+      </a:fillRef>
+      <a:effectRef idx="0">
+        <a:scrgbClr r="0" g="0" b="0"/>
+      </a:effectRef>
+      <a:fontRef idx="minor"/>
+    </dgm:style>
+  </dgm:styleLbl>
+  <dgm:styleLbl name="solidFgAcc1">
+    <dgm:scene3d>
+      <a:camera prst="orthographicFront"/>
+      <a:lightRig rig="threePt" dir="t"/>
+    </dgm:scene3d>
+    <dgm:sp3d/>
+    <dgm:txPr/>
+    <dgm:style>
+      <a:lnRef idx="2">
+        <a:scrgbClr r="0" g="0" b="0"/>
+      </a:lnRef>
+      <a:fillRef idx="1">
+        <a:scrgbClr r="0" g="0" b="0"/>
+      </a:fillRef>
+      <a:effectRef idx="0">
+        <a:scrgbClr r="0" g="0" b="0"/>
+      </a:effectRef>
+      <a:fontRef idx="minor"/>
+    </dgm:style>
+  </dgm:styleLbl>
+  <dgm:styleLbl name="solidAlignAcc1">
+    <dgm:scene3d>
+      <a:camera prst="orthographicFront"/>
+      <a:lightRig rig="threePt" dir="t"/>
+    </dgm:scene3d>
+    <dgm:sp3d/>
+    <dgm:txPr/>
+    <dgm:style>
+      <a:lnRef idx="2">
+        <a:scrgbClr r="0" g="0" b="0"/>
+      </a:lnRef>
+      <a:fillRef idx="1">
+        <a:scrgbClr r="0" g="0" b="0"/>
+      </a:fillRef>
+      <a:effectRef idx="0">
+        <a:scrgbClr r="0" g="0" b="0"/>
+      </a:effectRef>
+      <a:fontRef idx="minor"/>
+    </dgm:style>
+  </dgm:styleLbl>
+  <dgm:styleLbl name="solidBgAcc1">
+    <dgm:scene3d>
+      <a:camera prst="orthographicFront"/>
+      <a:lightRig rig="threePt" dir="t"/>
+    </dgm:scene3d>
+    <dgm:sp3d/>
+    <dgm:txPr/>
+    <dgm:style>
+      <a:lnRef idx="2">
+        <a:scrgbClr r="0" g="0" b="0"/>
+      </a:lnRef>
+      <a:fillRef idx="1">
+        <a:scrgbClr r="0" g="0" b="0"/>
+      </a:fillRef>
+      <a:effectRef idx="0">
+        <a:scrgbClr r="0" g="0" b="0"/>
+      </a:effectRef>
+      <a:fontRef idx="minor"/>
+    </dgm:style>
+  </dgm:styleLbl>
+  <dgm:styleLbl name="fgAccFollowNode1">
+    <dgm:scene3d>
+      <a:camera prst="orthographicFront"/>
+      <a:lightRig rig="threePt" dir="t"/>
+    </dgm:scene3d>
+    <dgm:sp3d/>
+    <dgm:txPr/>
+    <dgm:style>
+      <a:lnRef idx="2">
+        <a:scrgbClr r="0" g="0" b="0"/>
+      </a:lnRef>
+      <a:fillRef idx="1">
+        <a:scrgbClr r="0" g="0" b="0"/>
+      </a:fillRef>
+      <a:effectRef idx="0">
+        <a:scrgbClr r="0" g="0" b="0"/>
+      </a:effectRef>
+      <a:fontRef idx="minor"/>
+    </dgm:style>
+  </dgm:styleLbl>
+  <dgm:styleLbl name="alignAccFollowNode1">
+    <dgm:scene3d>
+      <a:camera prst="orthographicFront"/>
+      <a:lightRig rig="threePt" dir="t"/>
+    </dgm:scene3d>
+    <dgm:sp3d/>
+    <dgm:txPr/>
+    <dgm:style>
+      <a:lnRef idx="2">
+        <a:scrgbClr r="0" g="0" b="0"/>
+      </a:lnRef>
+      <a:fillRef idx="1">
+        <a:scrgbClr r="0" g="0" b="0"/>
+      </a:fillRef>
+      <a:effectRef idx="0">
+        <a:scrgbClr r="0" g="0" b="0"/>
+      </a:effectRef>
+      <a:fontRef idx="minor"/>
+    </dgm:style>
+  </dgm:styleLbl>
+  <dgm:styleLbl name="bgAccFollowNode1">
+    <dgm:scene3d>
+      <a:camera prst="orthographicFront"/>
+      <a:lightRig rig="threePt" dir="t"/>
+    </dgm:scene3d>
+    <dgm:sp3d/>
+    <dgm:txPr/>
+    <dgm:style>
+      <a:lnRef idx="2">
+        <a:scrgbClr r="0" g="0" b="0"/>
+      </a:lnRef>
+      <a:fillRef idx="1">
+        <a:scrgbClr r="0" g="0" b="0"/>
+      </a:fillRef>
+      <a:effectRef idx="0">
+        <a:scrgbClr r="0" g="0" b="0"/>
+      </a:effectRef>
+      <a:fontRef idx="minor"/>
+    </dgm:style>
+  </dgm:styleLbl>
+  <dgm:styleLbl name="fgAcc0">
+    <dgm:scene3d>
+      <a:camera prst="orthographicFront"/>
+      <a:lightRig rig="threePt" dir="t"/>
+    </dgm:scene3d>
+    <dgm:sp3d/>
+    <dgm:txPr/>
+    <dgm:style>
+      <a:lnRef idx="2">
+        <a:scrgbClr r="0" g="0" b="0"/>
+      </a:lnRef>
+      <a:fillRef idx="1">
+        <a:scrgbClr r="0" g="0" b="0"/>
+      </a:fillRef>
+      <a:effectRef idx="0">
+        <a:scrgbClr r="0" g="0" b="0"/>
+      </a:effectRef>
+      <a:fontRef idx="minor"/>
+    </dgm:style>
+  </dgm:styleLbl>
+  <dgm:styleLbl name="fgAcc2">
+    <dgm:scene3d>
+      <a:camera prst="orthographicFront"/>
+      <a:lightRig rig="threePt" dir="t"/>
+    </dgm:scene3d>
+    <dgm:sp3d/>
+    <dgm:txPr/>
+    <dgm:style>
+      <a:lnRef idx="2">
+        <a:scrgbClr r="0" g="0" b="0"/>
+      </a:lnRef>
+      <a:fillRef idx="1">
+        <a:scrgbClr r="0" g="0" b="0"/>
+      </a:fillRef>
+      <a:effectRef idx="0">
+        <a:scrgbClr r="0" g="0" b="0"/>
+      </a:effectRef>
+      <a:fontRef idx="minor"/>
+    </dgm:style>
+  </dgm:styleLbl>
+  <dgm:styleLbl name="fgAcc3">
+    <dgm:scene3d>
+      <a:camera prst="orthographicFront"/>
+      <a:lightRig rig="threePt" dir="t"/>
+    </dgm:scene3d>
+    <dgm:sp3d/>
+    <dgm:txPr/>
+    <dgm:style>
+      <a:lnRef idx="2">
+        <a:scrgbClr r="0" g="0" b="0"/>
+      </a:lnRef>
+      <a:fillRef idx="1">
+        <a:scrgbClr r="0" g="0" b="0"/>
+      </a:fillRef>
+      <a:effectRef idx="0">
+        <a:scrgbClr r="0" g="0" b="0"/>
+      </a:effectRef>
+      <a:fontRef idx="minor"/>
+    </dgm:style>
+  </dgm:styleLbl>
+  <dgm:styleLbl name="fgAcc4">
+    <dgm:scene3d>
+      <a:camera prst="orthographicFront"/>
+      <a:lightRig rig="threePt" dir="t"/>
+    </dgm:scene3d>
+    <dgm:sp3d/>
+    <dgm:txPr/>
+    <dgm:style>
+      <a:lnRef idx="2">
+        <a:scrgbClr r="0" g="0" b="0"/>
+      </a:lnRef>
+      <a:fillRef idx="1">
+        <a:scrgbClr r="0" g="0" b="0"/>
+      </a:fillRef>
+      <a:effectRef idx="0">
+        <a:scrgbClr r="0" g="0" b="0"/>
+      </a:effectRef>
+      <a:fontRef idx="minor"/>
+    </dgm:style>
+  </dgm:styleLbl>
+  <dgm:styleLbl name="bgShp">
+    <dgm:scene3d>
+      <a:camera prst="orthographicFront"/>
+      <a:lightRig rig="threePt" dir="t"/>
+    </dgm:scene3d>
+    <dgm:sp3d/>
+    <dgm:txPr/>
+    <dgm:style>
+      <a:lnRef idx="0">
+        <a:scrgbClr r="0" g="0" b="0"/>
+      </a:lnRef>
+      <a:fillRef idx="1">
+        <a:scrgbClr r="0" g="0" b="0"/>
+      </a:fillRef>
+      <a:effectRef idx="0">
+        <a:scrgbClr r="0" g="0" b="0"/>
+      </a:effectRef>
+      <a:fontRef idx="minor"/>
+    </dgm:style>
+  </dgm:styleLbl>
+  <dgm:styleLbl name="dkBgShp">
+    <dgm:scene3d>
+      <a:camera prst="orthographicFront"/>
+      <a:lightRig rig="threePt" dir="t"/>
+    </dgm:scene3d>
+    <dgm:sp3d/>
+    <dgm:txPr/>
+    <dgm:style>
+      <a:lnRef idx="0">
+        <a:scrgbClr r="0" g="0" b="0"/>
+      </a:lnRef>
+      <a:fillRef idx="1">
+        <a:scrgbClr r="0" g="0" b="0"/>
+      </a:fillRef>
+      <a:effectRef idx="0">
+        <a:scrgbClr r="0" g="0" b="0"/>
+      </a:effectRef>
+      <a:fontRef idx="minor"/>
+    </dgm:style>
+  </dgm:styleLbl>
+  <dgm:styleLbl name="trBgShp">
+    <dgm:scene3d>
+      <a:camera prst="orthographicFront"/>
+      <a:lightRig rig="threePt" dir="t"/>
+    </dgm:scene3d>
+    <dgm:sp3d/>
+    <dgm:txPr/>
+    <dgm:style>
+      <a:lnRef idx="0">
+        <a:scrgbClr r="0" g="0" b="0"/>
+      </a:lnRef>
+      <a:fillRef idx="1">
+        <a:scrgbClr r="0" g="0" b="0"/>
+      </a:fillRef>
+      <a:effectRef idx="0">
+        <a:scrgbClr r="0" g="0" b="0"/>
+      </a:effectRef>
+      <a:fontRef idx="minor"/>
+    </dgm:style>
+  </dgm:styleLbl>
+  <dgm:styleLbl name="fgShp">
+    <dgm:scene3d>
+      <a:camera prst="orthographicFront"/>
+      <a:lightRig rig="threePt" dir="t"/>
+    </dgm:scene3d>
+    <dgm:sp3d/>
+    <dgm:txPr/>
+    <dgm:style>
+      <a:lnRef idx="2">
+        <a:scrgbClr r="0" g="0" b="0"/>
+      </a:lnRef>
+      <a:fillRef idx="1">
+        <a:scrgbClr r="0" g="0" b="0"/>
+      </a:fillRef>
+      <a:effectRef idx="0">
+        <a:scrgbClr r="0" g="0" b="0"/>
+      </a:effectRef>
+      <a:fontRef idx="minor"/>
+    </dgm:style>
+  </dgm:styleLbl>
+  <dgm:styleLbl name="revTx">
+    <dgm:scene3d>
+      <a:camera prst="orthographicFront"/>
+      <a:lightRig rig="threePt" dir="t"/>
+    </dgm:scene3d>
+    <dgm:sp3d/>
+    <dgm:txPr/>
+    <dgm:style>
+      <a:lnRef idx="0">
+        <a:scrgbClr r="0" g="0" b="0"/>
+      </a:lnRef>
+      <a:fillRef idx="0">
+        <a:scrgbClr r="0" g="0" b="0"/>
+      </a:fillRef>
+      <a:effectRef idx="0">
+        <a:scrgbClr r="0" g="0" b="0"/>
+      </a:effectRef>
+      <a:fontRef idx="minor"/>
+    </dgm:style>
+  </dgm:styleLbl>
+</dgm:styleDef>
+</file>
+
+<file path=ppt/diagrams/quickStyle4.xml><?xml version="1.0" encoding="utf-8"?>
 <dgm:styleDef xmlns:dgm="http://schemas.openxmlformats.org/drawingml/2006/diagram" xmlns:a="http://schemas.openxmlformats.org/drawingml/2006/main" uniqueId="urn:microsoft.com/office/officeart/2005/8/quickstyle/simple1">
   <dgm:title val=""/>
   <dgm:desc val=""/>
@@ -8443,7 +11056,7 @@
           <a:p>
             <a:fld id="{B5922E6D-3451-482A-A64F-C89F139BA51A}" type="datetimeFigureOut">
               <a:rPr lang="en-US" smtClean="0"/>
-              <a:t>11/12/2014</a:t>
+              <a:t>11/13/2014</a:t>
             </a:fld>
             <a:endParaRPr lang="en-US"/>
           </a:p>
@@ -8608,7 +11221,7 @@
           <a:p>
             <a:fld id="{05247E74-41DE-40FA-A7A7-A655366ADCFA}" type="datetimeFigureOut">
               <a:rPr lang="sv-SE" smtClean="0"/>
-              <a:t>2014-11-12</a:t>
+              <a:t>2014-11-13</a:t>
             </a:fld>
             <a:endParaRPr lang="sv-SE"/>
           </a:p>
@@ -9072,7 +11685,7 @@
           <a:p>
             <a:fld id="{DB41BBF1-8D56-4061-8DE2-461FDAC177EF}" type="datetimeFigureOut">
               <a:rPr lang="sv-SE" smtClean="0"/>
-              <a:t>2014-11-12</a:t>
+              <a:t>2014-11-13</a:t>
             </a:fld>
             <a:endParaRPr lang="sv-SE"/>
           </a:p>
@@ -9336,7 +11949,7 @@
           <a:p>
             <a:fld id="{DB41BBF1-8D56-4061-8DE2-461FDAC177EF}" type="datetimeFigureOut">
               <a:rPr lang="sv-SE" smtClean="0"/>
-              <a:t>2014-11-12</a:t>
+              <a:t>2014-11-13</a:t>
             </a:fld>
             <a:endParaRPr lang="sv-SE"/>
           </a:p>
@@ -9513,7 +12126,7 @@
           <a:p>
             <a:fld id="{DB41BBF1-8D56-4061-8DE2-461FDAC177EF}" type="datetimeFigureOut">
               <a:rPr lang="sv-SE" smtClean="0"/>
-              <a:t>2014-11-12</a:t>
+              <a:t>2014-11-13</a:t>
             </a:fld>
             <a:endParaRPr lang="sv-SE"/>
           </a:p>
@@ -9700,7 +12313,7 @@
           <a:p>
             <a:fld id="{DB41BBF1-8D56-4061-8DE2-461FDAC177EF}" type="datetimeFigureOut">
               <a:rPr lang="sv-SE" smtClean="0"/>
-              <a:t>2014-11-12</a:t>
+              <a:t>2014-11-13</a:t>
             </a:fld>
             <a:endParaRPr lang="sv-SE"/>
           </a:p>
@@ -9964,7 +12577,7 @@
           <a:p>
             <a:fld id="{DB41BBF1-8D56-4061-8DE2-461FDAC177EF}" type="datetimeFigureOut">
               <a:rPr lang="sv-SE" smtClean="0"/>
-              <a:t>2014-11-12</a:t>
+              <a:t>2014-11-13</a:t>
             </a:fld>
             <a:endParaRPr lang="sv-SE"/>
           </a:p>
@@ -10141,7 +12754,7 @@
           <a:p>
             <a:fld id="{DB41BBF1-8D56-4061-8DE2-461FDAC177EF}" type="datetimeFigureOut">
               <a:rPr lang="sv-SE" smtClean="0"/>
-              <a:t>2014-11-12</a:t>
+              <a:t>2014-11-13</a:t>
             </a:fld>
             <a:endParaRPr lang="sv-SE"/>
           </a:p>
@@ -10394,7 +13007,7 @@
           <a:p>
             <a:fld id="{DB41BBF1-8D56-4061-8DE2-461FDAC177EF}" type="datetimeFigureOut">
               <a:rPr lang="sv-SE" smtClean="0"/>
-              <a:t>2014-11-12</a:t>
+              <a:t>2014-11-13</a:t>
             </a:fld>
             <a:endParaRPr lang="sv-SE"/>
           </a:p>
@@ -10689,7 +13302,7 @@
           <a:p>
             <a:fld id="{DB41BBF1-8D56-4061-8DE2-461FDAC177EF}" type="datetimeFigureOut">
               <a:rPr lang="sv-SE" smtClean="0"/>
-              <a:t>2014-11-12</a:t>
+              <a:t>2014-11-13</a:t>
             </a:fld>
             <a:endParaRPr lang="sv-SE"/>
           </a:p>
@@ -11118,7 +13731,7 @@
           <a:p>
             <a:fld id="{DB41BBF1-8D56-4061-8DE2-461FDAC177EF}" type="datetimeFigureOut">
               <a:rPr lang="sv-SE" smtClean="0"/>
-              <a:t>2014-11-12</a:t>
+              <a:t>2014-11-13</a:t>
             </a:fld>
             <a:endParaRPr lang="sv-SE"/>
           </a:p>
@@ -11243,7 +13856,7 @@
           <a:p>
             <a:fld id="{DB41BBF1-8D56-4061-8DE2-461FDAC177EF}" type="datetimeFigureOut">
               <a:rPr lang="sv-SE" smtClean="0"/>
-              <a:t>2014-11-12</a:t>
+              <a:t>2014-11-13</a:t>
             </a:fld>
             <a:endParaRPr lang="sv-SE"/>
           </a:p>
@@ -11345,7 +13958,7 @@
           <a:p>
             <a:fld id="{DB41BBF1-8D56-4061-8DE2-461FDAC177EF}" type="datetimeFigureOut">
               <a:rPr lang="sv-SE" smtClean="0"/>
-              <a:t>2014-11-12</a:t>
+              <a:t>2014-11-13</a:t>
             </a:fld>
             <a:endParaRPr lang="sv-SE"/>
           </a:p>
@@ -11629,7 +14242,7 @@
           <a:p>
             <a:fld id="{DB41BBF1-8D56-4061-8DE2-461FDAC177EF}" type="datetimeFigureOut">
               <a:rPr lang="sv-SE" smtClean="0"/>
-              <a:t>2014-11-12</a:t>
+              <a:t>2014-11-13</a:t>
             </a:fld>
             <a:endParaRPr lang="sv-SE"/>
           </a:p>
@@ -11857,7 +14470,7 @@
           <a:p>
             <a:fld id="{DB41BBF1-8D56-4061-8DE2-461FDAC177EF}" type="datetimeFigureOut">
               <a:rPr lang="sv-SE" smtClean="0"/>
-              <a:t>2014-11-12</a:t>
+              <a:t>2014-11-13</a:t>
             </a:fld>
             <a:endParaRPr lang="sv-SE"/>
           </a:p>
@@ -14236,6 +16849,590 @@
 </p:sld>
 </file>
 
+<file path=ppt/slides/slide14.xml><?xml version="1.0" encoding="utf-8"?>
+<p:sld xmlns:a="http://schemas.openxmlformats.org/drawingml/2006/main" xmlns:r="http://schemas.openxmlformats.org/officeDocument/2006/relationships" xmlns:p="http://schemas.openxmlformats.org/presentationml/2006/main">
+  <p:cSld>
+    <p:spTree>
+      <p:nvGrpSpPr>
+        <p:cNvPr id="1" name=""/>
+        <p:cNvGrpSpPr/>
+        <p:nvPr/>
+      </p:nvGrpSpPr>
+      <p:grpSpPr>
+        <a:xfrm>
+          <a:off x="0" y="0"/>
+          <a:ext cx="0" cy="0"/>
+          <a:chOff x="0" y="0"/>
+          <a:chExt cx="0" cy="0"/>
+        </a:xfrm>
+      </p:grpSpPr>
+      <p:sp>
+        <p:nvSpPr>
+          <p:cNvPr id="2" name="Rubrik 1"/>
+          <p:cNvSpPr>
+            <a:spLocks noGrp="1"/>
+          </p:cNvSpPr>
+          <p:nvPr>
+            <p:ph type="title"/>
+          </p:nvPr>
+        </p:nvSpPr>
+        <p:spPr/>
+        <p:txBody>
+          <a:bodyPr/>
+          <a:lstStyle/>
+          <a:p>
+            <a:r>
+              <a:rPr lang="en-US" dirty="0" smtClean="0"/>
+              <a:t>What is a Principal?</a:t>
+            </a:r>
+            <a:endParaRPr lang="en-US" dirty="0"/>
+          </a:p>
+        </p:txBody>
+      </p:sp>
+      <p:sp>
+        <p:nvSpPr>
+          <p:cNvPr id="3" name="Platshållare för innehåll 2"/>
+          <p:cNvSpPr>
+            <a:spLocks noGrp="1"/>
+          </p:cNvSpPr>
+          <p:nvPr>
+            <p:ph idx="1"/>
+          </p:nvPr>
+        </p:nvSpPr>
+        <p:spPr>
+          <a:xfrm>
+            <a:off x="457200" y="1196752"/>
+            <a:ext cx="8219256" cy="4929411"/>
+          </a:xfrm>
+        </p:spPr>
+        <p:txBody>
+          <a:bodyPr/>
+          <a:lstStyle/>
+          <a:p>
+            <a:pPr marL="0" indent="0">
+              <a:buNone/>
+            </a:pPr>
+            <a:r>
+              <a:rPr lang="en-US" dirty="0" smtClean="0"/>
+              <a:t>A principal object is an identity object including the roles associated with the identity </a:t>
+            </a:r>
+            <a:endParaRPr lang="en-US" dirty="0"/>
+          </a:p>
+        </p:txBody>
+      </p:sp>
+      <p:graphicFrame>
+        <p:nvGraphicFramePr>
+          <p:cNvPr id="4" name="Diagram 3"/>
+          <p:cNvGraphicFramePr/>
+          <p:nvPr>
+            <p:extLst>
+              <p:ext uri="{D42A27DB-BD31-4B8C-83A1-F6EECF244321}">
+                <p14:modId xmlns:p14="http://schemas.microsoft.com/office/powerpoint/2010/main" val="3286935283"/>
+              </p:ext>
+            </p:extLst>
+          </p:nvPr>
+        </p:nvGraphicFramePr>
+        <p:xfrm>
+          <a:off x="1979712" y="2924944"/>
+          <a:ext cx="4680520" cy="2304256"/>
+        </p:xfrm>
+        <a:graphic>
+          <a:graphicData uri="http://schemas.openxmlformats.org/drawingml/2006/diagram">
+            <dgm:relIds xmlns:dgm="http://schemas.openxmlformats.org/drawingml/2006/diagram" xmlns:r="http://schemas.openxmlformats.org/officeDocument/2006/relationships" r:dm="rId2" r:lo="rId3" r:qs="rId4" r:cs="rId5"/>
+          </a:graphicData>
+        </a:graphic>
+      </p:graphicFrame>
+    </p:spTree>
+    <p:extLst>
+      <p:ext uri="{BB962C8B-B14F-4D97-AF65-F5344CB8AC3E}">
+        <p14:creationId xmlns:p14="http://schemas.microsoft.com/office/powerpoint/2010/main" val="679457594"/>
+      </p:ext>
+    </p:extLst>
+  </p:cSld>
+  <p:clrMapOvr>
+    <a:masterClrMapping/>
+  </p:clrMapOvr>
+  <p:timing>
+    <p:tnLst>
+      <p:par>
+        <p:cTn id="1" dur="indefinite" restart="never" nodeType="tmRoot"/>
+      </p:par>
+    </p:tnLst>
+  </p:timing>
+</p:sld>
+</file>
+
+<file path=ppt/slides/slide15.xml><?xml version="1.0" encoding="utf-8"?>
+<p:sld xmlns:a="http://schemas.openxmlformats.org/drawingml/2006/main" xmlns:r="http://schemas.openxmlformats.org/officeDocument/2006/relationships" xmlns:p="http://schemas.openxmlformats.org/presentationml/2006/main">
+  <p:cSld>
+    <p:spTree>
+      <p:nvGrpSpPr>
+        <p:cNvPr id="1" name=""/>
+        <p:cNvGrpSpPr/>
+        <p:nvPr/>
+      </p:nvGrpSpPr>
+      <p:grpSpPr>
+        <a:xfrm>
+          <a:off x="0" y="0"/>
+          <a:ext cx="0" cy="0"/>
+          <a:chOff x="0" y="0"/>
+          <a:chExt cx="0" cy="0"/>
+        </a:xfrm>
+      </p:grpSpPr>
+      <p:sp>
+        <p:nvSpPr>
+          <p:cNvPr id="2" name="Rubrik 1"/>
+          <p:cNvSpPr>
+            <a:spLocks noGrp="1"/>
+          </p:cNvSpPr>
+          <p:nvPr>
+            <p:ph type="title"/>
+          </p:nvPr>
+        </p:nvSpPr>
+        <p:spPr/>
+        <p:txBody>
+          <a:bodyPr/>
+          <a:lstStyle/>
+          <a:p>
+            <a:r>
+              <a:rPr lang="en-US" dirty="0" smtClean="0"/>
+              <a:t>Role-based authorization vs Claims-based authorization</a:t>
+            </a:r>
+            <a:endParaRPr lang="en-US" dirty="0"/>
+          </a:p>
+        </p:txBody>
+      </p:sp>
+      <p:sp>
+        <p:nvSpPr>
+          <p:cNvPr id="3" name="Platshållare för innehåll 2"/>
+          <p:cNvSpPr>
+            <a:spLocks noGrp="1"/>
+          </p:cNvSpPr>
+          <p:nvPr>
+            <p:ph idx="1"/>
+          </p:nvPr>
+        </p:nvSpPr>
+        <p:spPr>
+          <a:noFill/>
+          <a:ln>
+            <a:solidFill>
+              <a:schemeClr val="bg1"/>
+            </a:solidFill>
+          </a:ln>
+        </p:spPr>
+        <p:txBody>
+          <a:bodyPr/>
+          <a:lstStyle/>
+          <a:p>
+            <a:r>
+              <a:rPr lang="en-US" dirty="0" smtClean="0"/>
+              <a:t>Claims based authorization grants more flexibility than role based authorization.</a:t>
+            </a:r>
+          </a:p>
+          <a:p>
+            <a:pPr lvl="1"/>
+            <a:r>
+              <a:rPr lang="en-US" dirty="0" smtClean="0"/>
+              <a:t>Easier to customize your authorization to suit your needs</a:t>
+            </a:r>
+          </a:p>
+          <a:p>
+            <a:pPr marL="0" indent="0">
+              <a:buNone/>
+            </a:pPr>
+            <a:endParaRPr lang="en-US" dirty="0" smtClean="0"/>
+          </a:p>
+          <a:p>
+            <a:r>
+              <a:rPr lang="en-US" dirty="0" smtClean="0"/>
+              <a:t>Role based authorization has premade attributes which are easy to apply</a:t>
+            </a:r>
+          </a:p>
+          <a:p>
+            <a:pPr marL="0" indent="0">
+              <a:buNone/>
+            </a:pPr>
+            <a:endParaRPr lang="en-US" dirty="0" smtClean="0"/>
+          </a:p>
+          <a:p>
+            <a:pPr marL="0" indent="0">
+              <a:buNone/>
+            </a:pPr>
+            <a:r>
+              <a:rPr lang="en-US" sz="2000" dirty="0" smtClean="0">
+                <a:solidFill>
+                  <a:srgbClr val="000000"/>
+                </a:solidFill>
+                <a:highlight>
+                  <a:srgbClr val="FFFFFF"/>
+                </a:highlight>
+                <a:latin typeface="Consolas" panose="020B0609020204030204" pitchFamily="49" charset="0"/>
+              </a:rPr>
+              <a:t>   </a:t>
+            </a:r>
+            <a:r>
+              <a:rPr lang="en-US" sz="2000" dirty="0" smtClean="0">
+                <a:solidFill>
+                  <a:srgbClr val="000000"/>
+                </a:solidFill>
+                <a:effectLst>
+                  <a:outerShdw blurRad="50800" dist="50800" dir="5400000" algn="ctr" rotWithShape="0">
+                    <a:schemeClr val="bg1"/>
+                  </a:outerShdw>
+                </a:effectLst>
+                <a:highlight>
+                  <a:srgbClr val="FFFFFF"/>
+                </a:highlight>
+                <a:latin typeface="Consolas" panose="020B0609020204030204" pitchFamily="49" charset="0"/>
+              </a:rPr>
+              <a:t>[</a:t>
+            </a:r>
+            <a:r>
+              <a:rPr lang="en-US" sz="2000" dirty="0" smtClean="0">
+                <a:solidFill>
+                  <a:srgbClr val="2B91AF"/>
+                </a:solidFill>
+                <a:effectLst>
+                  <a:outerShdw blurRad="50800" dist="50800" dir="5400000" algn="ctr" rotWithShape="0">
+                    <a:schemeClr val="bg1"/>
+                  </a:outerShdw>
+                </a:effectLst>
+                <a:highlight>
+                  <a:srgbClr val="FFFFFF"/>
+                </a:highlight>
+                <a:latin typeface="Consolas" panose="020B0609020204030204" pitchFamily="49" charset="0"/>
+              </a:rPr>
+              <a:t>Authorize</a:t>
+            </a:r>
+            <a:r>
+              <a:rPr lang="en-US" sz="2000" dirty="0" smtClean="0">
+                <a:solidFill>
+                  <a:srgbClr val="000000"/>
+                </a:solidFill>
+                <a:effectLst>
+                  <a:outerShdw blurRad="50800" dist="50800" dir="5400000" algn="ctr" rotWithShape="0">
+                    <a:schemeClr val="bg1"/>
+                  </a:outerShdw>
+                </a:effectLst>
+                <a:highlight>
+                  <a:srgbClr val="FFFFFF"/>
+                </a:highlight>
+                <a:latin typeface="Consolas" panose="020B0609020204030204" pitchFamily="49" charset="0"/>
+              </a:rPr>
+              <a:t>(Roles = </a:t>
+            </a:r>
+            <a:r>
+              <a:rPr lang="en-US" sz="2000" dirty="0" smtClean="0">
+                <a:solidFill>
+                  <a:srgbClr val="A31515"/>
+                </a:solidFill>
+                <a:effectLst>
+                  <a:outerShdw blurRad="50800" dist="50800" dir="5400000" algn="ctr" rotWithShape="0">
+                    <a:schemeClr val="bg1"/>
+                  </a:outerShdw>
+                </a:effectLst>
+                <a:highlight>
+                  <a:srgbClr val="FFFFFF"/>
+                </a:highlight>
+                <a:latin typeface="Consolas" panose="020B0609020204030204" pitchFamily="49" charset="0"/>
+              </a:rPr>
+              <a:t>"Administrator"</a:t>
+            </a:r>
+            <a:r>
+              <a:rPr lang="en-US" sz="2000" dirty="0" smtClean="0">
+                <a:solidFill>
+                  <a:srgbClr val="000000"/>
+                </a:solidFill>
+                <a:effectLst>
+                  <a:outerShdw blurRad="50800" dist="50800" dir="5400000" algn="ctr" rotWithShape="0">
+                    <a:schemeClr val="bg1"/>
+                  </a:outerShdw>
+                </a:effectLst>
+                <a:highlight>
+                  <a:srgbClr val="FFFFFF"/>
+                </a:highlight>
+                <a:latin typeface="Consolas" panose="020B0609020204030204" pitchFamily="49" charset="0"/>
+              </a:rPr>
+              <a:t>)]</a:t>
+            </a:r>
+            <a:endParaRPr lang="en-US" sz="2000" dirty="0">
+              <a:effectLst>
+                <a:outerShdw blurRad="50800" dist="50800" dir="5400000" algn="ctr" rotWithShape="0">
+                  <a:schemeClr val="bg1"/>
+                </a:outerShdw>
+              </a:effectLst>
+            </a:endParaRPr>
+          </a:p>
+        </p:txBody>
+      </p:sp>
+    </p:spTree>
+    <p:extLst>
+      <p:ext uri="{BB962C8B-B14F-4D97-AF65-F5344CB8AC3E}">
+        <p14:creationId xmlns:p14="http://schemas.microsoft.com/office/powerpoint/2010/main" val="831221889"/>
+      </p:ext>
+    </p:extLst>
+  </p:cSld>
+  <p:clrMapOvr>
+    <a:masterClrMapping/>
+  </p:clrMapOvr>
+  <p:timing>
+    <p:tnLst>
+      <p:par>
+        <p:cTn id="1" dur="indefinite" restart="never" nodeType="tmRoot"/>
+      </p:par>
+    </p:tnLst>
+  </p:timing>
+</p:sld>
+</file>
+
+<file path=ppt/slides/slide16.xml><?xml version="1.0" encoding="utf-8"?>
+<p:sld xmlns:a="http://schemas.openxmlformats.org/drawingml/2006/main" xmlns:r="http://schemas.openxmlformats.org/officeDocument/2006/relationships" xmlns:p="http://schemas.openxmlformats.org/presentationml/2006/main">
+  <p:cSld>
+    <p:spTree>
+      <p:nvGrpSpPr>
+        <p:cNvPr id="1" name=""/>
+        <p:cNvGrpSpPr/>
+        <p:nvPr/>
+      </p:nvGrpSpPr>
+      <p:grpSpPr>
+        <a:xfrm>
+          <a:off x="0" y="0"/>
+          <a:ext cx="0" cy="0"/>
+          <a:chOff x="0" y="0"/>
+          <a:chExt cx="0" cy="0"/>
+        </a:xfrm>
+      </p:grpSpPr>
+      <p:sp>
+        <p:nvSpPr>
+          <p:cNvPr id="2" name="Rubrik 1"/>
+          <p:cNvSpPr>
+            <a:spLocks noGrp="1"/>
+          </p:cNvSpPr>
+          <p:nvPr>
+            <p:ph type="title"/>
+          </p:nvPr>
+        </p:nvSpPr>
+        <p:spPr/>
+        <p:txBody>
+          <a:bodyPr/>
+          <a:lstStyle/>
+          <a:p>
+            <a:r>
+              <a:rPr lang="en-US" dirty="0" smtClean="0"/>
+              <a:t>OWIN</a:t>
+            </a:r>
+            <a:endParaRPr lang="en-US" dirty="0"/>
+          </a:p>
+        </p:txBody>
+      </p:sp>
+      <p:sp>
+        <p:nvSpPr>
+          <p:cNvPr id="3" name="Platshållare för innehåll 2"/>
+          <p:cNvSpPr>
+            <a:spLocks noGrp="1"/>
+          </p:cNvSpPr>
+          <p:nvPr>
+            <p:ph idx="1"/>
+          </p:nvPr>
+        </p:nvSpPr>
+        <p:spPr>
+          <a:xfrm>
+            <a:off x="457200" y="1052736"/>
+            <a:ext cx="8229600" cy="5256584"/>
+          </a:xfrm>
+        </p:spPr>
+        <p:txBody>
+          <a:bodyPr/>
+          <a:lstStyle/>
+          <a:p>
+            <a:pPr marL="0" indent="0">
+              <a:buNone/>
+            </a:pPr>
+            <a:r>
+              <a:rPr lang="en-US" dirty="0"/>
+              <a:t>Open Web </a:t>
+            </a:r>
+            <a:r>
+              <a:rPr lang="en-US" dirty="0" smtClean="0"/>
+              <a:t>Interface</a:t>
+            </a:r>
+          </a:p>
+          <a:p>
+            <a:pPr marL="0" indent="0">
+              <a:buNone/>
+            </a:pPr>
+            <a:endParaRPr lang="en-US" dirty="0" smtClean="0"/>
+          </a:p>
+          <a:p>
+            <a:pPr marL="0" indent="0">
+              <a:buNone/>
+            </a:pPr>
+            <a:r>
+              <a:rPr lang="en-US" dirty="0" smtClean="0"/>
+              <a:t>OWIN is a middleware which decouples the server from the application</a:t>
+            </a:r>
+            <a:endParaRPr lang="en-US" dirty="0"/>
+          </a:p>
+          <a:p>
+            <a:pPr marL="0" indent="0">
+              <a:buNone/>
+            </a:pPr>
+            <a:endParaRPr lang="en-US" dirty="0" smtClean="0"/>
+          </a:p>
+        </p:txBody>
+      </p:sp>
+      <p:sp>
+        <p:nvSpPr>
+          <p:cNvPr id="5" name="Höger 4"/>
+          <p:cNvSpPr/>
+          <p:nvPr/>
+        </p:nvSpPr>
+        <p:spPr>
+          <a:xfrm>
+            <a:off x="576984" y="3212976"/>
+            <a:ext cx="2472138" cy="1896366"/>
+          </a:xfrm>
+          <a:prstGeom prst="rightArrow">
+            <a:avLst/>
+          </a:prstGeom>
+        </p:spPr>
+        <p:style>
+          <a:lnRef idx="2">
+            <a:schemeClr val="accent1">
+              <a:shade val="50000"/>
+            </a:schemeClr>
+          </a:lnRef>
+          <a:fillRef idx="1">
+            <a:schemeClr val="accent1"/>
+          </a:fillRef>
+          <a:effectRef idx="0">
+            <a:schemeClr val="accent1"/>
+          </a:effectRef>
+          <a:fontRef idx="minor">
+            <a:schemeClr val="lt1"/>
+          </a:fontRef>
+        </p:style>
+        <p:txBody>
+          <a:bodyPr rtlCol="0" anchor="ctr"/>
+          <a:lstStyle/>
+          <a:p>
+            <a:pPr algn="ctr"/>
+            <a:r>
+              <a:rPr lang="en-US" dirty="0" smtClean="0"/>
+              <a:t>ASP.NET Web App</a:t>
+            </a:r>
+            <a:endParaRPr lang="en-US" dirty="0"/>
+          </a:p>
+        </p:txBody>
+      </p:sp>
+      <p:sp>
+        <p:nvSpPr>
+          <p:cNvPr id="6" name="Rektangel 5"/>
+          <p:cNvSpPr/>
+          <p:nvPr/>
+        </p:nvSpPr>
+        <p:spPr>
+          <a:xfrm>
+            <a:off x="3167844" y="3212976"/>
+            <a:ext cx="2808312" cy="1896367"/>
+          </a:xfrm>
+          <a:prstGeom prst="rect">
+            <a:avLst/>
+          </a:prstGeom>
+        </p:spPr>
+        <p:style>
+          <a:lnRef idx="2">
+            <a:schemeClr val="accent1">
+              <a:shade val="50000"/>
+            </a:schemeClr>
+          </a:lnRef>
+          <a:fillRef idx="1">
+            <a:schemeClr val="accent1"/>
+          </a:fillRef>
+          <a:effectRef idx="0">
+            <a:schemeClr val="accent1"/>
+          </a:effectRef>
+          <a:fontRef idx="minor">
+            <a:schemeClr val="lt1"/>
+          </a:fontRef>
+        </p:style>
+        <p:txBody>
+          <a:bodyPr rtlCol="0" anchor="ctr"/>
+          <a:lstStyle/>
+          <a:p>
+            <a:pPr algn="ctr"/>
+            <a:r>
+              <a:rPr lang="en-US" sz="4800" dirty="0" smtClean="0"/>
+              <a:t>OWIN</a:t>
+            </a:r>
+            <a:endParaRPr lang="en-US" sz="4800" dirty="0"/>
+          </a:p>
+        </p:txBody>
+      </p:sp>
+      <p:sp>
+        <p:nvSpPr>
+          <p:cNvPr id="7" name="Vänster 6"/>
+          <p:cNvSpPr/>
+          <p:nvPr/>
+        </p:nvSpPr>
+        <p:spPr>
+          <a:xfrm>
+            <a:off x="6094878" y="3212976"/>
+            <a:ext cx="2473200" cy="1897200"/>
+          </a:xfrm>
+          <a:prstGeom prst="leftArrow">
+            <a:avLst/>
+          </a:prstGeom>
+        </p:spPr>
+        <p:style>
+          <a:lnRef idx="2">
+            <a:schemeClr val="accent1">
+              <a:shade val="50000"/>
+            </a:schemeClr>
+          </a:lnRef>
+          <a:fillRef idx="1">
+            <a:schemeClr val="accent1"/>
+          </a:fillRef>
+          <a:effectRef idx="0">
+            <a:schemeClr val="accent1"/>
+          </a:effectRef>
+          <a:fontRef idx="minor">
+            <a:schemeClr val="lt1"/>
+          </a:fontRef>
+        </p:style>
+        <p:txBody>
+          <a:bodyPr rtlCol="0" anchor="ctr"/>
+          <a:lstStyle/>
+          <a:p>
+            <a:pPr algn="ctr"/>
+            <a:r>
+              <a:rPr lang="en-US" dirty="0" smtClean="0"/>
+              <a:t>IIS</a:t>
+            </a:r>
+            <a:endParaRPr lang="en-US" dirty="0"/>
+          </a:p>
+        </p:txBody>
+      </p:sp>
+    </p:spTree>
+    <p:extLst>
+      <p:ext uri="{BB962C8B-B14F-4D97-AF65-F5344CB8AC3E}">
+        <p14:creationId xmlns:p14="http://schemas.microsoft.com/office/powerpoint/2010/main" val="2751177685"/>
+      </p:ext>
+    </p:extLst>
+  </p:cSld>
+  <p:clrMapOvr>
+    <a:masterClrMapping/>
+  </p:clrMapOvr>
+  <p:timing>
+    <p:tnLst>
+      <p:par>
+        <p:cTn id="1" dur="indefinite" restart="never" nodeType="tmRoot"/>
+      </p:par>
+    </p:tnLst>
+  </p:timing>
+</p:sld>
+</file>
+
 <file path=ppt/slides/slide2.xml><?xml version="1.0" encoding="utf-8"?>
 <p:sld xmlns:a="http://schemas.openxmlformats.org/drawingml/2006/main" xmlns:r="http://schemas.openxmlformats.org/officeDocument/2006/relationships" xmlns:p="http://schemas.openxmlformats.org/presentationml/2006/main">
   <p:cSld>
@@ -14647,7 +17844,6 @@
               <a:rPr lang="en-US" sz="2000" dirty="0" smtClean="0"/>
               <a:t>For example you might trust a claim which has been issued by the government, while a claim from another source might not always be seen as a trusted issuer.</a:t>
             </a:r>
-            <a:endParaRPr lang="en-US" sz="2000" dirty="0" smtClean="0"/>
           </a:p>
           <a:p>
             <a:pPr marL="0" indent="0" algn="ctr">

--- a/Documents/Identity-Theory.pptx
+++ b/Documents/Identity-Theory.pptx
@@ -6624,7 +6624,6 @@
             <a:rPr lang="en-US" dirty="0" smtClean="0"/>
             <a:t>Employer</a:t>
           </a:r>
-          <a:endParaRPr lang="en-US" dirty="0" smtClean="0"/>
         </a:p>
       </dgm:t>
     </dgm:pt>
@@ -6661,7 +6660,6 @@
             <a:rPr lang="en-US" dirty="0" smtClean="0"/>
             <a:t>Occupation</a:t>
           </a:r>
-          <a:endParaRPr lang="en-US" dirty="0" smtClean="0"/>
         </a:p>
       </dgm:t>
     </dgm:pt>
@@ -6698,7 +6696,6 @@
             <a:rPr lang="en-US" dirty="0" smtClean="0"/>
             <a:t>Programmer</a:t>
           </a:r>
-          <a:endParaRPr lang="en-US" dirty="0" smtClean="0"/>
         </a:p>
       </dgm:t>
     </dgm:pt>
@@ -7068,8 +7065,8 @@
   </dgm:ptLst>
   <dgm:cxnLst>
     <dgm:cxn modelId="{B84205ED-AFAD-431A-93AB-1E8C9ECCBEF4}" type="presOf" srcId="{B5777570-94A7-4320-B723-D6A66C313179}" destId="{9CD6F3CA-B3FC-45CD-AFE8-83034A1E12CA}" srcOrd="0" destOrd="0" presId="urn:microsoft.com/office/officeart/2005/8/layout/process4"/>
+    <dgm:cxn modelId="{18330B2E-3C12-47D6-8841-9CDE0D98DD46}" type="presOf" srcId="{7E829DBF-11EB-4D72-AD4A-9FFEFE4340A9}" destId="{082C1469-7809-41E5-B99E-9BA48C43295F}" srcOrd="1" destOrd="0" presId="urn:microsoft.com/office/officeart/2005/8/layout/process4"/>
     <dgm:cxn modelId="{D559203D-4470-4F22-831F-CC50AFA8D35B}" srcId="{7E829DBF-11EB-4D72-AD4A-9FFEFE4340A9}" destId="{B5777570-94A7-4320-B723-D6A66C313179}" srcOrd="0" destOrd="0" parTransId="{B9F1CB2A-7DCC-459F-86B0-4E34DD104B92}" sibTransId="{3058B941-7B65-4F0E-A84D-2774EB2CD7C4}"/>
-    <dgm:cxn modelId="{18330B2E-3C12-47D6-8841-9CDE0D98DD46}" type="presOf" srcId="{7E829DBF-11EB-4D72-AD4A-9FFEFE4340A9}" destId="{082C1469-7809-41E5-B99E-9BA48C43295F}" srcOrd="1" destOrd="0" presId="urn:microsoft.com/office/officeart/2005/8/layout/process4"/>
     <dgm:cxn modelId="{A13A4508-9D1D-4EA7-92B5-7D7B353A0321}" srcId="{1F8C6969-57BC-422B-A7D8-CEB736D20A22}" destId="{7E829DBF-11EB-4D72-AD4A-9FFEFE4340A9}" srcOrd="0" destOrd="0" parTransId="{B79A9084-4702-49D3-9B1F-C522F5B6A9D5}" sibTransId="{48762A67-82F8-401B-A9A5-4615EBFB853F}"/>
     <dgm:cxn modelId="{C8D0094F-4AA6-48FB-A720-5FDEB5F1C42D}" type="presOf" srcId="{84380697-93A1-4717-937D-A583453B6A3A}" destId="{1F7BECB4-76D7-4619-97E8-90E69CEEB64A}" srcOrd="0" destOrd="0" presId="urn:microsoft.com/office/officeart/2005/8/layout/process4"/>
     <dgm:cxn modelId="{B0BEBB14-4FA9-4D62-948B-0BA3F59D42C5}" srcId="{7E829DBF-11EB-4D72-AD4A-9FFEFE4340A9}" destId="{84380697-93A1-4717-937D-A583453B6A3A}" srcOrd="1" destOrd="0" parTransId="{C9BAA796-0BEA-4615-AA5E-2BE19FDBE6A2}" sibTransId="{4A909D9C-235E-4B5F-9214-778AACB66D6F}"/>
@@ -7353,6 +7350,7 @@
         <a:bodyPr/>
         <a:lstStyle/>
         <a:p>
+          <a:pPr algn="ctr"/>
           <a:r>
             <a:rPr lang="en-US" dirty="0" smtClean="0"/>
             <a:t>Principal</a:t>
@@ -7793,6 +7791,47 @@
         </a:p>
       </dgm:t>
     </dgm:pt>
+    <dgm:pt modelId="{7F4452E6-D28C-4EC3-8390-72197EE696DD}">
+      <dgm:prSet phldrT="[Text]"/>
+      <dgm:spPr>
+        <a:solidFill>
+          <a:schemeClr val="accent6"/>
+        </a:solidFill>
+      </dgm:spPr>
+      <dgm:t>
+        <a:bodyPr/>
+        <a:lstStyle/>
+        <a:p>
+          <a:r>
+            <a:rPr lang="en-US" dirty="0" smtClean="0"/>
+            <a:t>Role</a:t>
+          </a:r>
+          <a:endParaRPr lang="en-US" dirty="0"/>
+        </a:p>
+      </dgm:t>
+    </dgm:pt>
+    <dgm:pt modelId="{F65E3557-3BE4-4F4D-87A2-C51E32ECC620}" type="parTrans" cxnId="{35A50FCD-DB9C-4DBC-9587-0EDA234C4EE6}">
+      <dgm:prSet/>
+      <dgm:spPr/>
+      <dgm:t>
+        <a:bodyPr/>
+        <a:lstStyle/>
+        <a:p>
+          <a:endParaRPr lang="en-US"/>
+        </a:p>
+      </dgm:t>
+    </dgm:pt>
+    <dgm:pt modelId="{26DAA4FF-71B7-4EE6-BD51-D4D122B9E9D6}" type="sibTrans" cxnId="{35A50FCD-DB9C-4DBC-9587-0EDA234C4EE6}">
+      <dgm:prSet/>
+      <dgm:spPr/>
+      <dgm:t>
+        <a:bodyPr/>
+        <a:lstStyle/>
+        <a:p>
+          <a:endParaRPr lang="en-US"/>
+        </a:p>
+      </dgm:t>
+    </dgm:pt>
     <dgm:pt modelId="{ADEA3463-066A-45B2-8AC3-4D7AFEEFC65B}" type="pres">
       <dgm:prSet presAssocID="{D325CE04-3DB6-403E-AA84-B1A72A2BEC6A}" presName="Name0" presStyleCnt="0">
         <dgm:presLayoutVars>
@@ -7804,18 +7843,32 @@
         </dgm:presLayoutVars>
       </dgm:prSet>
       <dgm:spPr/>
+      <dgm:t>
+        <a:bodyPr/>
+        <a:lstStyle/>
+        <a:p>
+          <a:endParaRPr lang="en-US"/>
+        </a:p>
+      </dgm:t>
     </dgm:pt>
     <dgm:pt modelId="{F30763B2-5C5A-4108-9EF3-5B96EC65E299}" type="pres">
       <dgm:prSet presAssocID="{D59F5EAD-4473-40CE-80DE-E30901841FCA}" presName="vertOne" presStyleCnt="0"/>
       <dgm:spPr/>
     </dgm:pt>
     <dgm:pt modelId="{61EF867E-8046-40FF-AADC-0B7503D0DCE0}" type="pres">
-      <dgm:prSet presAssocID="{D59F5EAD-4473-40CE-80DE-E30901841FCA}" presName="txOne" presStyleLbl="node0" presStyleIdx="0" presStyleCnt="1">
+      <dgm:prSet presAssocID="{D59F5EAD-4473-40CE-80DE-E30901841FCA}" presName="txOne" presStyleLbl="node0" presStyleIdx="0" presStyleCnt="1" custLinFactNeighborX="864">
         <dgm:presLayoutVars>
           <dgm:chPref val="3"/>
         </dgm:presLayoutVars>
       </dgm:prSet>
       <dgm:spPr/>
+      <dgm:t>
+        <a:bodyPr/>
+        <a:lstStyle/>
+        <a:p>
+          <a:endParaRPr lang="en-US"/>
+        </a:p>
+      </dgm:t>
     </dgm:pt>
     <dgm:pt modelId="{9428E62B-10F8-4560-9F8A-AEC13331AC6D}" type="pres">
       <dgm:prSet presAssocID="{D59F5EAD-4473-40CE-80DE-E30901841FCA}" presName="parTransOne" presStyleCnt="0"/>
@@ -7830,12 +7883,19 @@
       <dgm:spPr/>
     </dgm:pt>
     <dgm:pt modelId="{8FBAD47D-2576-4E9B-9315-4C860CF43391}" type="pres">
-      <dgm:prSet presAssocID="{48A10BD7-3433-48A5-BC9E-B2E1F89B9C43}" presName="txTwo" presStyleLbl="node2" presStyleIdx="0" presStyleCnt="2">
+      <dgm:prSet presAssocID="{48A10BD7-3433-48A5-BC9E-B2E1F89B9C43}" presName="txTwo" presStyleLbl="node2" presStyleIdx="0" presStyleCnt="3">
         <dgm:presLayoutVars>
           <dgm:chPref val="3"/>
         </dgm:presLayoutVars>
       </dgm:prSet>
       <dgm:spPr/>
+      <dgm:t>
+        <a:bodyPr/>
+        <a:lstStyle/>
+        <a:p>
+          <a:endParaRPr lang="en-US"/>
+        </a:p>
+      </dgm:t>
     </dgm:pt>
     <dgm:pt modelId="{B9BEB231-3506-4E0A-80DE-A5342B6FE0D5}" type="pres">
       <dgm:prSet presAssocID="{48A10BD7-3433-48A5-BC9E-B2E1F89B9C43}" presName="parTransTwo" presStyleCnt="0"/>
@@ -7856,6 +7916,13 @@
         </dgm:presLayoutVars>
       </dgm:prSet>
       <dgm:spPr/>
+      <dgm:t>
+        <a:bodyPr/>
+        <a:lstStyle/>
+        <a:p>
+          <a:endParaRPr lang="en-US"/>
+        </a:p>
+      </dgm:t>
     </dgm:pt>
     <dgm:pt modelId="{EF863AF0-5ABE-4625-867B-CBF2DA8FF8F2}" type="pres">
       <dgm:prSet presAssocID="{B655BE2B-59D7-4111-A49D-ACDEDBCFAC4C}" presName="parTransThree" presStyleCnt="0"/>
@@ -7880,6 +7947,13 @@
         </dgm:presLayoutVars>
       </dgm:prSet>
       <dgm:spPr/>
+      <dgm:t>
+        <a:bodyPr/>
+        <a:lstStyle/>
+        <a:p>
+          <a:endParaRPr lang="en-US"/>
+        </a:p>
+      </dgm:t>
     </dgm:pt>
     <dgm:pt modelId="{9E67EC38-5F93-42E3-A90B-50C77568D779}" type="pres">
       <dgm:prSet presAssocID="{0C108F1F-00A5-48BA-99F3-E2E431399234}" presName="horzFour" presStyleCnt="0"/>
@@ -7904,6 +7978,13 @@
         </dgm:presLayoutVars>
       </dgm:prSet>
       <dgm:spPr/>
+      <dgm:t>
+        <a:bodyPr/>
+        <a:lstStyle/>
+        <a:p>
+          <a:endParaRPr lang="en-US"/>
+        </a:p>
+      </dgm:t>
     </dgm:pt>
     <dgm:pt modelId="{92C6EE60-F6DC-4BF2-A712-6F8345768672}" type="pres">
       <dgm:prSet presAssocID="{F51C6484-F5D3-4AAE-B1E7-EE220BCCCE1D}" presName="horzFour" presStyleCnt="0"/>
@@ -7928,6 +8009,13 @@
         </dgm:presLayoutVars>
       </dgm:prSet>
       <dgm:spPr/>
+      <dgm:t>
+        <a:bodyPr/>
+        <a:lstStyle/>
+        <a:p>
+          <a:endParaRPr lang="en-US"/>
+        </a:p>
+      </dgm:t>
     </dgm:pt>
     <dgm:pt modelId="{B6AF2F5F-FDC5-408F-BCC9-12D7F595AC15}" type="pres">
       <dgm:prSet presAssocID="{279379D7-17D2-4894-969B-5E88A3485C3C}" presName="horzFour" presStyleCnt="0"/>
@@ -7948,6 +8036,13 @@
         </dgm:presLayoutVars>
       </dgm:prSet>
       <dgm:spPr/>
+      <dgm:t>
+        <a:bodyPr/>
+        <a:lstStyle/>
+        <a:p>
+          <a:endParaRPr lang="en-US"/>
+        </a:p>
+      </dgm:t>
     </dgm:pt>
     <dgm:pt modelId="{F4B0E6FF-A39C-4F6F-AF67-156F20F40DCA}" type="pres">
       <dgm:prSet presAssocID="{1E51E08D-8ABA-4D35-9977-86C9F53370EB}" presName="parTransThree" presStyleCnt="0"/>
@@ -7972,6 +8067,13 @@
         </dgm:presLayoutVars>
       </dgm:prSet>
       <dgm:spPr/>
+      <dgm:t>
+        <a:bodyPr/>
+        <a:lstStyle/>
+        <a:p>
+          <a:endParaRPr lang="en-US"/>
+        </a:p>
+      </dgm:t>
     </dgm:pt>
     <dgm:pt modelId="{44B15CCD-D6BC-4E26-B513-B46A701E4F97}" type="pres">
       <dgm:prSet presAssocID="{96F32FD5-BF27-4911-A86B-46F6DFF679A7}" presName="horzFour" presStyleCnt="0"/>
@@ -7996,6 +8098,13 @@
         </dgm:presLayoutVars>
       </dgm:prSet>
       <dgm:spPr/>
+      <dgm:t>
+        <a:bodyPr/>
+        <a:lstStyle/>
+        <a:p>
+          <a:endParaRPr lang="en-US"/>
+        </a:p>
+      </dgm:t>
     </dgm:pt>
     <dgm:pt modelId="{CD052CE0-DCAD-4DDF-9BFC-B7F1B57DB58C}" type="pres">
       <dgm:prSet presAssocID="{564F7E0A-037A-4195-9124-A6C1AA7752C1}" presName="horzFour" presStyleCnt="0"/>
@@ -8020,6 +8129,13 @@
         </dgm:presLayoutVars>
       </dgm:prSet>
       <dgm:spPr/>
+      <dgm:t>
+        <a:bodyPr/>
+        <a:lstStyle/>
+        <a:p>
+          <a:endParaRPr lang="en-US"/>
+        </a:p>
+      </dgm:t>
     </dgm:pt>
     <dgm:pt modelId="{88DF41CD-360B-4963-B6B0-4513766F7C35}" type="pres">
       <dgm:prSet presAssocID="{C887F95E-80BC-4AD0-9729-7BB0B576B495}" presName="horzFour" presStyleCnt="0"/>
@@ -8034,42 +8150,78 @@
       <dgm:spPr/>
     </dgm:pt>
     <dgm:pt modelId="{023DA80A-0E5A-49B3-8BF3-92D07EB8DA9D}" type="pres">
-      <dgm:prSet presAssocID="{29BF6A97-A6DE-41B3-8065-2DF75F5910B3}" presName="txTwo" presStyleLbl="node2" presStyleIdx="1" presStyleCnt="2">
+      <dgm:prSet presAssocID="{29BF6A97-A6DE-41B3-8065-2DF75F5910B3}" presName="txTwo" presStyleLbl="node2" presStyleIdx="1" presStyleCnt="3">
         <dgm:presLayoutVars>
           <dgm:chPref val="3"/>
         </dgm:presLayoutVars>
       </dgm:prSet>
       <dgm:spPr/>
+      <dgm:t>
+        <a:bodyPr/>
+        <a:lstStyle/>
+        <a:p>
+          <a:endParaRPr lang="en-US"/>
+        </a:p>
+      </dgm:t>
     </dgm:pt>
     <dgm:pt modelId="{A6AE382D-4A2B-4A50-87A8-8BBB89A61BC9}" type="pres">
       <dgm:prSet presAssocID="{29BF6A97-A6DE-41B3-8065-2DF75F5910B3}" presName="horzTwo" presStyleCnt="0"/>
       <dgm:spPr/>
     </dgm:pt>
+    <dgm:pt modelId="{01DA59AC-AA65-4EE3-97AF-FEE419DDF25E}" type="pres">
+      <dgm:prSet presAssocID="{8DFF9B17-B9F6-44BE-B448-E7CC2AA48584}" presName="sibSpaceTwo" presStyleCnt="0"/>
+      <dgm:spPr/>
+    </dgm:pt>
+    <dgm:pt modelId="{1FCB022D-AFC9-4428-99DE-0122A4E9A63A}" type="pres">
+      <dgm:prSet presAssocID="{7F4452E6-D28C-4EC3-8390-72197EE696DD}" presName="vertTwo" presStyleCnt="0"/>
+      <dgm:spPr/>
+    </dgm:pt>
+    <dgm:pt modelId="{4F8B75C2-B0D1-408C-B83C-1FB485F0B6E4}" type="pres">
+      <dgm:prSet presAssocID="{7F4452E6-D28C-4EC3-8390-72197EE696DD}" presName="txTwo" presStyleLbl="node2" presStyleIdx="2" presStyleCnt="3">
+        <dgm:presLayoutVars>
+          <dgm:chPref val="3"/>
+        </dgm:presLayoutVars>
+      </dgm:prSet>
+      <dgm:spPr/>
+      <dgm:t>
+        <a:bodyPr/>
+        <a:lstStyle/>
+        <a:p>
+          <a:endParaRPr lang="en-US"/>
+        </a:p>
+      </dgm:t>
+    </dgm:pt>
+    <dgm:pt modelId="{14BB93BA-98BE-4E11-9BC8-7B18C9394270}" type="pres">
+      <dgm:prSet presAssocID="{7F4452E6-D28C-4EC3-8390-72197EE696DD}" presName="horzTwo" presStyleCnt="0"/>
+      <dgm:spPr/>
+    </dgm:pt>
   </dgm:ptLst>
   <dgm:cxnLst>
+    <dgm:cxn modelId="{F2E62CA4-2E15-44D8-83E5-335032C7EE58}" srcId="{1E51E08D-8ABA-4D35-9977-86C9F53370EB}" destId="{96F32FD5-BF27-4911-A86B-46F6DFF679A7}" srcOrd="0" destOrd="0" parTransId="{5E08FC7F-D173-4946-8872-64C8EC5E70D8}" sibTransId="{AF717211-650C-42C5-83C5-80122082219E}"/>
+    <dgm:cxn modelId="{1B92FB19-0BA1-4B6A-8201-8B613731A296}" srcId="{48A10BD7-3433-48A5-BC9E-B2E1F89B9C43}" destId="{1E51E08D-8ABA-4D35-9977-86C9F53370EB}" srcOrd="1" destOrd="0" parTransId="{A4C2F0E2-AF55-435B-BB2B-A85ECA251630}" sibTransId="{D1262089-7237-48B2-9DF8-958381C23B1F}"/>
+    <dgm:cxn modelId="{8AB935E7-0B8E-4D61-8EE8-F0879D1CAA7F}" srcId="{1E51E08D-8ABA-4D35-9977-86C9F53370EB}" destId="{564F7E0A-037A-4195-9124-A6C1AA7752C1}" srcOrd="1" destOrd="0" parTransId="{F9C168C4-059F-4366-BB9E-EEAC43621B56}" sibTransId="{ED560F5A-CE10-4A86-A771-684EE1956F11}"/>
+    <dgm:cxn modelId="{9632537A-9E07-419A-A771-89EE93AAB552}" type="presOf" srcId="{1E51E08D-8ABA-4D35-9977-86C9F53370EB}" destId="{2A4D5A7A-0A85-46DD-9DC8-08D60A317509}" srcOrd="0" destOrd="0" presId="urn:microsoft.com/office/officeart/2005/8/layout/hierarchy4"/>
+    <dgm:cxn modelId="{1AD6B271-A213-4DDA-946A-DAC1426EE4D6}" type="presOf" srcId="{C887F95E-80BC-4AD0-9729-7BB0B576B495}" destId="{EC53E7FD-1141-46F8-907F-62CEDAA8068C}" srcOrd="0" destOrd="0" presId="urn:microsoft.com/office/officeart/2005/8/layout/hierarchy4"/>
+    <dgm:cxn modelId="{8ED5A5BF-B036-48D5-A62A-D8CA741196CA}" type="presOf" srcId="{B655BE2B-59D7-4111-A49D-ACDEDBCFAC4C}" destId="{D67A57DE-3B88-46EA-A684-70F3D22AB929}" srcOrd="0" destOrd="0" presId="urn:microsoft.com/office/officeart/2005/8/layout/hierarchy4"/>
+    <dgm:cxn modelId="{CC3331B9-8A70-4717-A5EF-5CBF3267854A}" srcId="{D59F5EAD-4473-40CE-80DE-E30901841FCA}" destId="{29BF6A97-A6DE-41B3-8065-2DF75F5910B3}" srcOrd="1" destOrd="0" parTransId="{E2E66861-EC9B-415C-8DF1-FC75AB2D3E8C}" sibTransId="{8DFF9B17-B9F6-44BE-B448-E7CC2AA48584}"/>
+    <dgm:cxn modelId="{A4DB4B8C-D6D0-4817-BCB0-FF2C54F621CE}" srcId="{48A10BD7-3433-48A5-BC9E-B2E1F89B9C43}" destId="{B655BE2B-59D7-4111-A49D-ACDEDBCFAC4C}" srcOrd="0" destOrd="0" parTransId="{E8A1EB68-0E10-4453-ACD7-C9E38B54C478}" sibTransId="{246D6171-32A8-4838-A633-FB6508A8C015}"/>
+    <dgm:cxn modelId="{2FB5C9F9-C79D-42E8-ACE6-BB54354B8BEF}" srcId="{D325CE04-3DB6-403E-AA84-B1A72A2BEC6A}" destId="{D59F5EAD-4473-40CE-80DE-E30901841FCA}" srcOrd="0" destOrd="0" parTransId="{54E073A7-89A3-49C7-A788-A0FF9DC01CAD}" sibTransId="{8C435437-8E1F-4112-80EC-7221BD18FF10}"/>
+    <dgm:cxn modelId="{B01BFB40-AF40-4D22-AF7E-D6AAA6B6CC0B}" type="presOf" srcId="{564F7E0A-037A-4195-9124-A6C1AA7752C1}" destId="{39C70434-B874-4FD5-AB17-AB2C76D7AB2B}" srcOrd="0" destOrd="0" presId="urn:microsoft.com/office/officeart/2005/8/layout/hierarchy4"/>
+    <dgm:cxn modelId="{18A54842-7A7A-4FC5-B280-71C75A6F2B77}" srcId="{D59F5EAD-4473-40CE-80DE-E30901841FCA}" destId="{48A10BD7-3433-48A5-BC9E-B2E1F89B9C43}" srcOrd="0" destOrd="0" parTransId="{031BE584-0A47-4F22-8525-118FFCF93CB4}" sibTransId="{56CCD7E9-866A-49D8-BFC9-6686E0F3809E}"/>
+    <dgm:cxn modelId="{9D47CE6C-5788-4D62-B0CF-004952A5A210}" type="presOf" srcId="{29BF6A97-A6DE-41B3-8065-2DF75F5910B3}" destId="{023DA80A-0E5A-49B3-8BF3-92D07EB8DA9D}" srcOrd="0" destOrd="0" presId="urn:microsoft.com/office/officeart/2005/8/layout/hierarchy4"/>
+    <dgm:cxn modelId="{D4A02E06-B058-40FE-BB35-1F56EBD6B4CC}" type="presOf" srcId="{279379D7-17D2-4894-969B-5E88A3485C3C}" destId="{C2BD82D2-66E9-407A-B1E8-890E01FB572C}" srcOrd="0" destOrd="0" presId="urn:microsoft.com/office/officeart/2005/8/layout/hierarchy4"/>
     <dgm:cxn modelId="{EB7D43C2-D5D8-41DC-B790-6084696678BB}" type="presOf" srcId="{0C108F1F-00A5-48BA-99F3-E2E431399234}" destId="{ED9DDCB1-6789-4704-AFC2-C6851726111A}" srcOrd="0" destOrd="0" presId="urn:microsoft.com/office/officeart/2005/8/layout/hierarchy4"/>
+    <dgm:cxn modelId="{BFFEEC4F-DBE4-4ADF-B7F8-BB90EB6A2D85}" type="presOf" srcId="{7F4452E6-D28C-4EC3-8390-72197EE696DD}" destId="{4F8B75C2-B0D1-408C-B83C-1FB485F0B6E4}" srcOrd="0" destOrd="0" presId="urn:microsoft.com/office/officeart/2005/8/layout/hierarchy4"/>
+    <dgm:cxn modelId="{DD6DC55A-C46F-42C5-AC2A-3B40F741CE8D}" type="presOf" srcId="{48A10BD7-3433-48A5-BC9E-B2E1F89B9C43}" destId="{8FBAD47D-2576-4E9B-9315-4C860CF43391}" srcOrd="0" destOrd="0" presId="urn:microsoft.com/office/officeart/2005/8/layout/hierarchy4"/>
+    <dgm:cxn modelId="{0B8AE2F6-1F24-46BB-AB30-A4B998597658}" srcId="{B655BE2B-59D7-4111-A49D-ACDEDBCFAC4C}" destId="{0C108F1F-00A5-48BA-99F3-E2E431399234}" srcOrd="0" destOrd="0" parTransId="{5FA5F0EF-B9CC-4081-BFFC-F998D59106B8}" sibTransId="{C9E2A1F4-6DBB-4D2C-84E8-8F3388E278BD}"/>
+    <dgm:cxn modelId="{35A50FCD-DB9C-4DBC-9587-0EDA234C4EE6}" srcId="{D59F5EAD-4473-40CE-80DE-E30901841FCA}" destId="{7F4452E6-D28C-4EC3-8390-72197EE696DD}" srcOrd="2" destOrd="0" parTransId="{F65E3557-3BE4-4F4D-87A2-C51E32ECC620}" sibTransId="{26DAA4FF-71B7-4EE6-BD51-D4D122B9E9D6}"/>
+    <dgm:cxn modelId="{629D048E-EBE7-4201-84F3-D3C9763C914D}" type="presOf" srcId="{D59F5EAD-4473-40CE-80DE-E30901841FCA}" destId="{61EF867E-8046-40FF-AADC-0B7503D0DCE0}" srcOrd="0" destOrd="0" presId="urn:microsoft.com/office/officeart/2005/8/layout/hierarchy4"/>
+    <dgm:cxn modelId="{A9DB5842-B968-4F0E-ACDE-5F2B292B23A0}" srcId="{B655BE2B-59D7-4111-A49D-ACDEDBCFAC4C}" destId="{F51C6484-F5D3-4AAE-B1E7-EE220BCCCE1D}" srcOrd="1" destOrd="0" parTransId="{D759A3F9-1482-4801-ADC6-E9D953BA912F}" sibTransId="{38B996CF-19CE-49DF-8C24-4C46410CC7FB}"/>
     <dgm:cxn modelId="{75792D28-CE39-4706-9CA0-B134D052BDA4}" type="presOf" srcId="{F51C6484-F5D3-4AAE-B1E7-EE220BCCCE1D}" destId="{3EFFF79B-E472-4C76-BF8B-AB2776708A65}" srcOrd="0" destOrd="0" presId="urn:microsoft.com/office/officeart/2005/8/layout/hierarchy4"/>
+    <dgm:cxn modelId="{2B024E60-E5CA-4D2A-92F0-107D573E10F3}" srcId="{1E51E08D-8ABA-4D35-9977-86C9F53370EB}" destId="{C887F95E-80BC-4AD0-9729-7BB0B576B495}" srcOrd="2" destOrd="0" parTransId="{CEAD6EFE-3338-4E24-9BC2-6DF5D521AADC}" sibTransId="{FB0A80DF-8AA5-4ED1-81C9-E51F9678C536}"/>
+    <dgm:cxn modelId="{7CB452F6-F347-4CB2-BA0E-1E2F7D50F644}" type="presOf" srcId="{96F32FD5-BF27-4911-A86B-46F6DFF679A7}" destId="{37BAF495-A8D9-46F3-853C-5E92962584C8}" srcOrd="0" destOrd="0" presId="urn:microsoft.com/office/officeart/2005/8/layout/hierarchy4"/>
+    <dgm:cxn modelId="{75CAFD12-A547-4E6D-8F0B-C905568ACC9A}" srcId="{B655BE2B-59D7-4111-A49D-ACDEDBCFAC4C}" destId="{279379D7-17D2-4894-969B-5E88A3485C3C}" srcOrd="2" destOrd="0" parTransId="{91A1F8D7-37B6-4AB8-9297-195DDE9396AE}" sibTransId="{B532125B-10A9-49CE-AE0E-F8044D00C56D}"/>
     <dgm:cxn modelId="{FF4515B8-3880-4E47-8619-604EECC49E5D}" type="presOf" srcId="{D325CE04-3DB6-403E-AA84-B1A72A2BEC6A}" destId="{ADEA3463-066A-45B2-8AC3-4D7AFEEFC65B}" srcOrd="0" destOrd="0" presId="urn:microsoft.com/office/officeart/2005/8/layout/hierarchy4"/>
-    <dgm:cxn modelId="{DD6DC55A-C46F-42C5-AC2A-3B40F741CE8D}" type="presOf" srcId="{48A10BD7-3433-48A5-BC9E-B2E1F89B9C43}" destId="{8FBAD47D-2576-4E9B-9315-4C860CF43391}" srcOrd="0" destOrd="0" presId="urn:microsoft.com/office/officeart/2005/8/layout/hierarchy4"/>
-    <dgm:cxn modelId="{8AB935E7-0B8E-4D61-8EE8-F0879D1CAA7F}" srcId="{1E51E08D-8ABA-4D35-9977-86C9F53370EB}" destId="{564F7E0A-037A-4195-9124-A6C1AA7752C1}" srcOrd="1" destOrd="0" parTransId="{F9C168C4-059F-4366-BB9E-EEAC43621B56}" sibTransId="{ED560F5A-CE10-4A86-A771-684EE1956F11}"/>
-    <dgm:cxn modelId="{CC3331B9-8A70-4717-A5EF-5CBF3267854A}" srcId="{D59F5EAD-4473-40CE-80DE-E30901841FCA}" destId="{29BF6A97-A6DE-41B3-8065-2DF75F5910B3}" srcOrd="1" destOrd="0" parTransId="{E2E66861-EC9B-415C-8DF1-FC75AB2D3E8C}" sibTransId="{8DFF9B17-B9F6-44BE-B448-E7CC2AA48584}"/>
-    <dgm:cxn modelId="{9632537A-9E07-419A-A771-89EE93AAB552}" type="presOf" srcId="{1E51E08D-8ABA-4D35-9977-86C9F53370EB}" destId="{2A4D5A7A-0A85-46DD-9DC8-08D60A317509}" srcOrd="0" destOrd="0" presId="urn:microsoft.com/office/officeart/2005/8/layout/hierarchy4"/>
-    <dgm:cxn modelId="{18A54842-7A7A-4FC5-B280-71C75A6F2B77}" srcId="{D59F5EAD-4473-40CE-80DE-E30901841FCA}" destId="{48A10BD7-3433-48A5-BC9E-B2E1F89B9C43}" srcOrd="0" destOrd="0" parTransId="{031BE584-0A47-4F22-8525-118FFCF93CB4}" sibTransId="{56CCD7E9-866A-49D8-BFC9-6686E0F3809E}"/>
-    <dgm:cxn modelId="{1B92FB19-0BA1-4B6A-8201-8B613731A296}" srcId="{48A10BD7-3433-48A5-BC9E-B2E1F89B9C43}" destId="{1E51E08D-8ABA-4D35-9977-86C9F53370EB}" srcOrd="1" destOrd="0" parTransId="{A4C2F0E2-AF55-435B-BB2B-A85ECA251630}" sibTransId="{D1262089-7237-48B2-9DF8-958381C23B1F}"/>
-    <dgm:cxn modelId="{1AD6B271-A213-4DDA-946A-DAC1426EE4D6}" type="presOf" srcId="{C887F95E-80BC-4AD0-9729-7BB0B576B495}" destId="{EC53E7FD-1141-46F8-907F-62CEDAA8068C}" srcOrd="0" destOrd="0" presId="urn:microsoft.com/office/officeart/2005/8/layout/hierarchy4"/>
-    <dgm:cxn modelId="{B01BFB40-AF40-4D22-AF7E-D6AAA6B6CC0B}" type="presOf" srcId="{564F7E0A-037A-4195-9124-A6C1AA7752C1}" destId="{39C70434-B874-4FD5-AB17-AB2C76D7AB2B}" srcOrd="0" destOrd="0" presId="urn:microsoft.com/office/officeart/2005/8/layout/hierarchy4"/>
-    <dgm:cxn modelId="{2FB5C9F9-C79D-42E8-ACE6-BB54354B8BEF}" srcId="{D325CE04-3DB6-403E-AA84-B1A72A2BEC6A}" destId="{D59F5EAD-4473-40CE-80DE-E30901841FCA}" srcOrd="0" destOrd="0" parTransId="{54E073A7-89A3-49C7-A788-A0FF9DC01CAD}" sibTransId="{8C435437-8E1F-4112-80EC-7221BD18FF10}"/>
-    <dgm:cxn modelId="{A4DB4B8C-D6D0-4817-BCB0-FF2C54F621CE}" srcId="{48A10BD7-3433-48A5-BC9E-B2E1F89B9C43}" destId="{B655BE2B-59D7-4111-A49D-ACDEDBCFAC4C}" srcOrd="0" destOrd="0" parTransId="{E8A1EB68-0E10-4453-ACD7-C9E38B54C478}" sibTransId="{246D6171-32A8-4838-A633-FB6508A8C015}"/>
-    <dgm:cxn modelId="{0B8AE2F6-1F24-46BB-AB30-A4B998597658}" srcId="{B655BE2B-59D7-4111-A49D-ACDEDBCFAC4C}" destId="{0C108F1F-00A5-48BA-99F3-E2E431399234}" srcOrd="0" destOrd="0" parTransId="{5FA5F0EF-B9CC-4081-BFFC-F998D59106B8}" sibTransId="{C9E2A1F4-6DBB-4D2C-84E8-8F3388E278BD}"/>
-    <dgm:cxn modelId="{2B024E60-E5CA-4D2A-92F0-107D573E10F3}" srcId="{1E51E08D-8ABA-4D35-9977-86C9F53370EB}" destId="{C887F95E-80BC-4AD0-9729-7BB0B576B495}" srcOrd="2" destOrd="0" parTransId="{CEAD6EFE-3338-4E24-9BC2-6DF5D521AADC}" sibTransId="{FB0A80DF-8AA5-4ED1-81C9-E51F9678C536}"/>
-    <dgm:cxn modelId="{75CAFD12-A547-4E6D-8F0B-C905568ACC9A}" srcId="{B655BE2B-59D7-4111-A49D-ACDEDBCFAC4C}" destId="{279379D7-17D2-4894-969B-5E88A3485C3C}" srcOrd="2" destOrd="0" parTransId="{91A1F8D7-37B6-4AB8-9297-195DDE9396AE}" sibTransId="{B532125B-10A9-49CE-AE0E-F8044D00C56D}"/>
-    <dgm:cxn modelId="{629D048E-EBE7-4201-84F3-D3C9763C914D}" type="presOf" srcId="{D59F5EAD-4473-40CE-80DE-E30901841FCA}" destId="{61EF867E-8046-40FF-AADC-0B7503D0DCE0}" srcOrd="0" destOrd="0" presId="urn:microsoft.com/office/officeart/2005/8/layout/hierarchy4"/>
-    <dgm:cxn modelId="{9D47CE6C-5788-4D62-B0CF-004952A5A210}" type="presOf" srcId="{29BF6A97-A6DE-41B3-8065-2DF75F5910B3}" destId="{023DA80A-0E5A-49B3-8BF3-92D07EB8DA9D}" srcOrd="0" destOrd="0" presId="urn:microsoft.com/office/officeart/2005/8/layout/hierarchy4"/>
-    <dgm:cxn modelId="{7CB452F6-F347-4CB2-BA0E-1E2F7D50F644}" type="presOf" srcId="{96F32FD5-BF27-4911-A86B-46F6DFF679A7}" destId="{37BAF495-A8D9-46F3-853C-5E92962584C8}" srcOrd="0" destOrd="0" presId="urn:microsoft.com/office/officeart/2005/8/layout/hierarchy4"/>
-    <dgm:cxn modelId="{D4A02E06-B058-40FE-BB35-1F56EBD6B4CC}" type="presOf" srcId="{279379D7-17D2-4894-969B-5E88A3485C3C}" destId="{C2BD82D2-66E9-407A-B1E8-890E01FB572C}" srcOrd="0" destOrd="0" presId="urn:microsoft.com/office/officeart/2005/8/layout/hierarchy4"/>
-    <dgm:cxn modelId="{A9DB5842-B968-4F0E-ACDE-5F2B292B23A0}" srcId="{B655BE2B-59D7-4111-A49D-ACDEDBCFAC4C}" destId="{F51C6484-F5D3-4AAE-B1E7-EE220BCCCE1D}" srcOrd="1" destOrd="0" parTransId="{D759A3F9-1482-4801-ADC6-E9D953BA912F}" sibTransId="{38B996CF-19CE-49DF-8C24-4C46410CC7FB}"/>
-    <dgm:cxn modelId="{8ED5A5BF-B036-48D5-A62A-D8CA741196CA}" type="presOf" srcId="{B655BE2B-59D7-4111-A49D-ACDEDBCFAC4C}" destId="{D67A57DE-3B88-46EA-A684-70F3D22AB929}" srcOrd="0" destOrd="0" presId="urn:microsoft.com/office/officeart/2005/8/layout/hierarchy4"/>
-    <dgm:cxn modelId="{F2E62CA4-2E15-44D8-83E5-335032C7EE58}" srcId="{1E51E08D-8ABA-4D35-9977-86C9F53370EB}" destId="{96F32FD5-BF27-4911-A86B-46F6DFF679A7}" srcOrd="0" destOrd="0" parTransId="{5E08FC7F-D173-4946-8872-64C8EC5E70D8}" sibTransId="{AF717211-650C-42C5-83C5-80122082219E}"/>
     <dgm:cxn modelId="{F731FE06-23C9-4740-9BA9-D02111A1268E}" type="presParOf" srcId="{ADEA3463-066A-45B2-8AC3-4D7AFEEFC65B}" destId="{F30763B2-5C5A-4108-9EF3-5B96EC65E299}" srcOrd="0" destOrd="0" presId="urn:microsoft.com/office/officeart/2005/8/layout/hierarchy4"/>
     <dgm:cxn modelId="{1CDA55F2-2528-4BF6-B6DC-C4F222876740}" type="presParOf" srcId="{F30763B2-5C5A-4108-9EF3-5B96EC65E299}" destId="{61EF867E-8046-40FF-AADC-0B7503D0DCE0}" srcOrd="0" destOrd="0" presId="urn:microsoft.com/office/officeart/2005/8/layout/hierarchy4"/>
     <dgm:cxn modelId="{2F48A703-0F44-4515-8B32-45749D5F9B33}" type="presParOf" srcId="{F30763B2-5C5A-4108-9EF3-5B96EC65E299}" destId="{9428E62B-10F8-4560-9F8A-AEC13331AC6D}" srcOrd="1" destOrd="0" presId="urn:microsoft.com/office/officeart/2005/8/layout/hierarchy4"/>
@@ -8113,6 +8265,10 @@
     <dgm:cxn modelId="{7AA5D39A-F6B8-47AD-A06C-5D8D7D71DC0E}" type="presParOf" srcId="{F909B8EA-6F82-4D3E-BC10-8C0DE6C4025E}" destId="{A032DD08-2997-4693-BD71-37C77EB4D261}" srcOrd="2" destOrd="0" presId="urn:microsoft.com/office/officeart/2005/8/layout/hierarchy4"/>
     <dgm:cxn modelId="{E1589702-69BA-4AF9-A6DC-7710FE28392F}" type="presParOf" srcId="{A032DD08-2997-4693-BD71-37C77EB4D261}" destId="{023DA80A-0E5A-49B3-8BF3-92D07EB8DA9D}" srcOrd="0" destOrd="0" presId="urn:microsoft.com/office/officeart/2005/8/layout/hierarchy4"/>
     <dgm:cxn modelId="{108294DB-E3E3-4F51-8D38-C45C1E927275}" type="presParOf" srcId="{A032DD08-2997-4693-BD71-37C77EB4D261}" destId="{A6AE382D-4A2B-4A50-87A8-8BBB89A61BC9}" srcOrd="1" destOrd="0" presId="urn:microsoft.com/office/officeart/2005/8/layout/hierarchy4"/>
+    <dgm:cxn modelId="{EFFBC53E-0F5E-41A8-84C1-FDA4192A10C5}" type="presParOf" srcId="{F909B8EA-6F82-4D3E-BC10-8C0DE6C4025E}" destId="{01DA59AC-AA65-4EE3-97AF-FEE419DDF25E}" srcOrd="3" destOrd="0" presId="urn:microsoft.com/office/officeart/2005/8/layout/hierarchy4"/>
+    <dgm:cxn modelId="{CF94224D-CF0A-4041-BEFC-83D89D562E8A}" type="presParOf" srcId="{F909B8EA-6F82-4D3E-BC10-8C0DE6C4025E}" destId="{1FCB022D-AFC9-4428-99DE-0122A4E9A63A}" srcOrd="4" destOrd="0" presId="urn:microsoft.com/office/officeart/2005/8/layout/hierarchy4"/>
+    <dgm:cxn modelId="{3D573F8C-B903-486B-ADA6-90A2A664125F}" type="presParOf" srcId="{1FCB022D-AFC9-4428-99DE-0122A4E9A63A}" destId="{4F8B75C2-B0D1-408C-B83C-1FB485F0B6E4}" srcOrd="0" destOrd="0" presId="urn:microsoft.com/office/officeart/2005/8/layout/hierarchy4"/>
+    <dgm:cxn modelId="{80429E66-A18F-4F4E-BB8E-7640FCF8590D}" type="presParOf" srcId="{1FCB022D-AFC9-4428-99DE-0122A4E9A63A}" destId="{14BB93BA-98BE-4E11-9BC8-7B18C9394270}" srcOrd="1" destOrd="0" presId="urn:microsoft.com/office/officeart/2005/8/layout/hierarchy4"/>
   </dgm:cxnLst>
   <dgm:bg/>
   <dgm:whole/>
@@ -9533,7 +9689,6 @@
             <a:rPr lang="en-US" sz="1100" kern="1200" dirty="0" smtClean="0"/>
             <a:t>Employer</a:t>
           </a:r>
-          <a:endParaRPr lang="en-US" sz="1100" kern="1200" dirty="0" smtClean="0"/>
         </a:p>
         <a:p>
           <a:pPr marL="57150" lvl="1" indent="-57150" algn="l" defTabSz="488950">
@@ -9552,7 +9707,6 @@
             <a:rPr lang="en-US" sz="1100" kern="1200" dirty="0" smtClean="0"/>
             <a:t>Occupation</a:t>
           </a:r>
-          <a:endParaRPr lang="en-US" sz="1100" kern="1200" dirty="0" smtClean="0"/>
         </a:p>
         <a:p>
           <a:pPr marL="57150" lvl="1" indent="-57150" algn="l" defTabSz="488950">
@@ -9571,7 +9725,6 @@
             <a:rPr lang="en-US" sz="1100" kern="1200" dirty="0" smtClean="0"/>
             <a:t>Programmer</a:t>
           </a:r>
-          <a:endParaRPr lang="en-US" sz="1100" kern="1200" dirty="0" smtClean="0"/>
         </a:p>
       </dsp:txBody>
       <dsp:txXfrm>
@@ -10124,8 +10277,8 @@
       </dsp:nvSpPr>
       <dsp:spPr>
         <a:xfrm>
-          <a:off x="723" y="824"/>
-          <a:ext cx="8228153" cy="1050827"/>
+          <a:off x="5124" y="1809"/>
+          <a:ext cx="7206019" cy="872325"/>
         </a:xfrm>
         <a:prstGeom prst="roundRect">
           <a:avLst>
@@ -10168,12 +10321,12 @@
         </a:fontRef>
       </dsp:style>
       <dsp:txBody>
-        <a:bodyPr spcFirstLastPara="0" vert="horz" wrap="square" lIns="171450" tIns="171450" rIns="171450" bIns="171450" numCol="1" spcCol="1270" anchor="ctr" anchorCtr="0">
+        <a:bodyPr spcFirstLastPara="0" vert="horz" wrap="square" lIns="144780" tIns="144780" rIns="144780" bIns="144780" numCol="1" spcCol="1270" anchor="ctr" anchorCtr="0">
           <a:noAutofit/>
         </a:bodyPr>
         <a:lstStyle/>
         <a:p>
-          <a:pPr lvl="0" algn="ctr" defTabSz="2000250">
+          <a:pPr lvl="0" algn="ctr" defTabSz="1689100">
             <a:lnSpc>
               <a:spcPct val="90000"/>
             </a:lnSpc>
@@ -10185,15 +10338,15 @@
             </a:spcAft>
           </a:pPr>
           <a:r>
-            <a:rPr lang="en-US" sz="4500" kern="1200" dirty="0" smtClean="0"/>
+            <a:rPr lang="en-US" sz="3800" kern="1200" dirty="0" smtClean="0"/>
             <a:t>Principal</a:t>
           </a:r>
-          <a:endParaRPr lang="en-US" sz="4500" kern="1200" dirty="0"/>
+          <a:endParaRPr lang="en-US" sz="3800" kern="1200" dirty="0"/>
         </a:p>
       </dsp:txBody>
       <dsp:txXfrm>
-        <a:off x="31501" y="31602"/>
-        <a:ext cx="8166597" cy="989271"/>
+        <a:off x="30674" y="27359"/>
+        <a:ext cx="7154919" cy="821225"/>
       </dsp:txXfrm>
     </dsp:sp>
     <dsp:sp modelId="{8FBAD47D-2576-4E9B-9315-4C860CF43391}">
@@ -10203,8 +10356,8 @@
       </dsp:nvSpPr>
       <dsp:spPr>
         <a:xfrm>
-          <a:off x="723" y="1158653"/>
-          <a:ext cx="6991077" cy="1050827"/>
+          <a:off x="2562" y="967499"/>
+          <a:ext cx="5322410" cy="872325"/>
         </a:xfrm>
         <a:prstGeom prst="roundRect">
           <a:avLst>
@@ -10242,12 +10395,12 @@
         </a:fontRef>
       </dsp:style>
       <dsp:txBody>
-        <a:bodyPr spcFirstLastPara="0" vert="horz" wrap="square" lIns="133350" tIns="133350" rIns="133350" bIns="133350" numCol="1" spcCol="1270" anchor="ctr" anchorCtr="0">
+        <a:bodyPr spcFirstLastPara="0" vert="horz" wrap="square" lIns="102870" tIns="102870" rIns="102870" bIns="102870" numCol="1" spcCol="1270" anchor="ctr" anchorCtr="0">
           <a:noAutofit/>
         </a:bodyPr>
         <a:lstStyle/>
         <a:p>
-          <a:pPr lvl="0" algn="ctr" defTabSz="1555750">
+          <a:pPr lvl="0" algn="ctr" defTabSz="1200150">
             <a:lnSpc>
               <a:spcPct val="90000"/>
             </a:lnSpc>
@@ -10259,15 +10412,15 @@
             </a:spcAft>
           </a:pPr>
           <a:r>
-            <a:rPr lang="en-US" sz="3500" kern="1200" dirty="0" smtClean="0"/>
+            <a:rPr lang="en-US" sz="2700" kern="1200" dirty="0" smtClean="0"/>
             <a:t>Identity</a:t>
           </a:r>
-          <a:endParaRPr lang="en-US" sz="3500" kern="1200" dirty="0"/>
+          <a:endParaRPr lang="en-US" sz="2700" kern="1200" dirty="0"/>
         </a:p>
       </dsp:txBody>
       <dsp:txXfrm>
-        <a:off x="31501" y="1189431"/>
-        <a:ext cx="6929521" cy="989271"/>
+        <a:off x="28112" y="993049"/>
+        <a:ext cx="5271310" cy="821225"/>
       </dsp:txXfrm>
     </dsp:sp>
     <dsp:sp modelId="{D67A57DE-3B88-46EA-A684-70F3D22AB929}">
@@ -10277,8 +10430,8 @@
       </dsp:nvSpPr>
       <dsp:spPr>
         <a:xfrm>
-          <a:off x="723" y="2316481"/>
-          <a:ext cx="3471573" cy="1050827"/>
+          <a:off x="2562" y="1933189"/>
+          <a:ext cx="2642959" cy="872325"/>
         </a:xfrm>
         <a:prstGeom prst="roundRect">
           <a:avLst>
@@ -10316,12 +10469,12 @@
         </a:fontRef>
       </dsp:style>
       <dsp:txBody>
-        <a:bodyPr spcFirstLastPara="0" vert="horz" wrap="square" lIns="133350" tIns="133350" rIns="133350" bIns="133350" numCol="1" spcCol="1270" anchor="ctr" anchorCtr="0">
+        <a:bodyPr spcFirstLastPara="0" vert="horz" wrap="square" lIns="102870" tIns="102870" rIns="102870" bIns="102870" numCol="1" spcCol="1270" anchor="ctr" anchorCtr="0">
           <a:noAutofit/>
         </a:bodyPr>
         <a:lstStyle/>
         <a:p>
-          <a:pPr lvl="0" algn="ctr" defTabSz="1555750">
+          <a:pPr lvl="0" algn="ctr" defTabSz="1200150">
             <a:lnSpc>
               <a:spcPct val="90000"/>
             </a:lnSpc>
@@ -10333,15 +10486,15 @@
             </a:spcAft>
           </a:pPr>
           <a:r>
-            <a:rPr lang="en-US" sz="3500" kern="1200" dirty="0" smtClean="0"/>
+            <a:rPr lang="en-US" sz="2700" kern="1200" dirty="0" smtClean="0"/>
             <a:t>Claim</a:t>
           </a:r>
-          <a:endParaRPr lang="en-US" sz="3500" kern="1200" dirty="0"/>
+          <a:endParaRPr lang="en-US" sz="2700" kern="1200" dirty="0"/>
         </a:p>
       </dsp:txBody>
       <dsp:txXfrm>
-        <a:off x="31501" y="2347259"/>
-        <a:ext cx="3410017" cy="989271"/>
+        <a:off x="28112" y="1958739"/>
+        <a:ext cx="2591859" cy="821225"/>
       </dsp:txXfrm>
     </dsp:sp>
     <dsp:sp modelId="{ED9DDCB1-6789-4704-AFC2-C6851726111A}">
@@ -10351,8 +10504,8 @@
       </dsp:nvSpPr>
       <dsp:spPr>
         <a:xfrm>
-          <a:off x="723" y="3474310"/>
-          <a:ext cx="1141214" cy="1050827"/>
+          <a:off x="2562" y="2898879"/>
+          <a:ext cx="868823" cy="872325"/>
         </a:xfrm>
         <a:prstGeom prst="roundRect">
           <a:avLst>
@@ -10390,12 +10543,12 @@
         </a:fontRef>
       </dsp:style>
       <dsp:txBody>
-        <a:bodyPr spcFirstLastPara="0" vert="horz" wrap="square" lIns="106680" tIns="106680" rIns="106680" bIns="106680" numCol="1" spcCol="1270" anchor="ctr" anchorCtr="0">
+        <a:bodyPr spcFirstLastPara="0" vert="horz" wrap="square" lIns="80010" tIns="80010" rIns="80010" bIns="80010" numCol="1" spcCol="1270" anchor="ctr" anchorCtr="0">
           <a:noAutofit/>
         </a:bodyPr>
         <a:lstStyle/>
         <a:p>
-          <a:pPr lvl="0" algn="ctr" defTabSz="1244600">
+          <a:pPr lvl="0" algn="ctr" defTabSz="933450">
             <a:lnSpc>
               <a:spcPct val="90000"/>
             </a:lnSpc>
@@ -10407,15 +10560,15 @@
             </a:spcAft>
           </a:pPr>
           <a:r>
-            <a:rPr lang="en-US" sz="2800" kern="1200" dirty="0" smtClean="0"/>
+            <a:rPr lang="en-US" sz="2100" kern="1200" dirty="0" smtClean="0"/>
             <a:t>Issuer</a:t>
           </a:r>
-          <a:endParaRPr lang="en-US" sz="2800" kern="1200" dirty="0"/>
+          <a:endParaRPr lang="en-US" sz="2100" kern="1200" dirty="0"/>
         </a:p>
       </dsp:txBody>
       <dsp:txXfrm>
-        <a:off x="31501" y="3505088"/>
-        <a:ext cx="1079658" cy="989271"/>
+        <a:off x="28009" y="2924326"/>
+        <a:ext cx="817929" cy="821431"/>
       </dsp:txXfrm>
     </dsp:sp>
     <dsp:sp modelId="{3EFFF79B-E472-4C76-BF8B-AB2776708A65}">
@@ -10425,8 +10578,8 @@
       </dsp:nvSpPr>
       <dsp:spPr>
         <a:xfrm>
-          <a:off x="1165902" y="3474310"/>
-          <a:ext cx="1141214" cy="1050827"/>
+          <a:off x="889630" y="2898879"/>
+          <a:ext cx="868823" cy="872325"/>
         </a:xfrm>
         <a:prstGeom prst="roundRect">
           <a:avLst>
@@ -10464,12 +10617,12 @@
         </a:fontRef>
       </dsp:style>
       <dsp:txBody>
-        <a:bodyPr spcFirstLastPara="0" vert="horz" wrap="square" lIns="106680" tIns="106680" rIns="106680" bIns="106680" numCol="1" spcCol="1270" anchor="ctr" anchorCtr="0">
+        <a:bodyPr spcFirstLastPara="0" vert="horz" wrap="square" lIns="80010" tIns="80010" rIns="80010" bIns="80010" numCol="1" spcCol="1270" anchor="ctr" anchorCtr="0">
           <a:noAutofit/>
         </a:bodyPr>
         <a:lstStyle/>
         <a:p>
-          <a:pPr lvl="0" algn="ctr" defTabSz="1244600">
+          <a:pPr lvl="0" algn="ctr" defTabSz="933450">
             <a:lnSpc>
               <a:spcPct val="90000"/>
             </a:lnSpc>
@@ -10481,15 +10634,15 @@
             </a:spcAft>
           </a:pPr>
           <a:r>
-            <a:rPr lang="en-US" sz="2800" kern="1200" dirty="0" smtClean="0"/>
+            <a:rPr lang="en-US" sz="2100" kern="1200" dirty="0" smtClean="0"/>
             <a:t>Type</a:t>
           </a:r>
-          <a:endParaRPr lang="en-US" sz="2800" kern="1200" dirty="0"/>
+          <a:endParaRPr lang="en-US" sz="2100" kern="1200" dirty="0"/>
         </a:p>
       </dsp:txBody>
       <dsp:txXfrm>
-        <a:off x="1196680" y="3505088"/>
-        <a:ext cx="1079658" cy="989271"/>
+        <a:off x="915077" y="2924326"/>
+        <a:ext cx="817929" cy="821431"/>
       </dsp:txXfrm>
     </dsp:sp>
     <dsp:sp modelId="{C2BD82D2-66E9-407A-B1E8-890E01FB572C}">
@@ -10499,8 +10652,8 @@
       </dsp:nvSpPr>
       <dsp:spPr>
         <a:xfrm>
-          <a:off x="2331082" y="3474310"/>
-          <a:ext cx="1141214" cy="1050827"/>
+          <a:off x="1776699" y="2898879"/>
+          <a:ext cx="868823" cy="872325"/>
         </a:xfrm>
         <a:prstGeom prst="roundRect">
           <a:avLst>
@@ -10538,12 +10691,12 @@
         </a:fontRef>
       </dsp:style>
       <dsp:txBody>
-        <a:bodyPr spcFirstLastPara="0" vert="horz" wrap="square" lIns="106680" tIns="106680" rIns="106680" bIns="106680" numCol="1" spcCol="1270" anchor="ctr" anchorCtr="0">
+        <a:bodyPr spcFirstLastPara="0" vert="horz" wrap="square" lIns="80010" tIns="80010" rIns="80010" bIns="80010" numCol="1" spcCol="1270" anchor="ctr" anchorCtr="0">
           <a:noAutofit/>
         </a:bodyPr>
         <a:lstStyle/>
         <a:p>
-          <a:pPr lvl="0" algn="ctr" defTabSz="1244600">
+          <a:pPr lvl="0" algn="ctr" defTabSz="933450">
             <a:lnSpc>
               <a:spcPct val="90000"/>
             </a:lnSpc>
@@ -10555,15 +10708,15 @@
             </a:spcAft>
           </a:pPr>
           <a:r>
-            <a:rPr lang="en-US" sz="2800" kern="1200" dirty="0" smtClean="0"/>
+            <a:rPr lang="en-US" sz="2100" kern="1200" dirty="0" smtClean="0"/>
             <a:t>Value</a:t>
           </a:r>
-          <a:endParaRPr lang="en-US" sz="2800" kern="1200" dirty="0"/>
+          <a:endParaRPr lang="en-US" sz="2100" kern="1200" dirty="0"/>
         </a:p>
       </dsp:txBody>
       <dsp:txXfrm>
-        <a:off x="2361860" y="3505088"/>
-        <a:ext cx="1079658" cy="989271"/>
+        <a:off x="1802146" y="2924326"/>
+        <a:ext cx="817929" cy="821431"/>
       </dsp:txXfrm>
     </dsp:sp>
     <dsp:sp modelId="{2A4D5A7A-0A85-46DD-9DC8-08D60A317509}">
@@ -10573,8 +10726,8 @@
       </dsp:nvSpPr>
       <dsp:spPr>
         <a:xfrm>
-          <a:off x="3520227" y="2316481"/>
-          <a:ext cx="3471573" cy="1050827"/>
+          <a:off x="2682013" y="1933189"/>
+          <a:ext cx="2642959" cy="872325"/>
         </a:xfrm>
         <a:prstGeom prst="roundRect">
           <a:avLst>
@@ -10612,12 +10765,12 @@
         </a:fontRef>
       </dsp:style>
       <dsp:txBody>
-        <a:bodyPr spcFirstLastPara="0" vert="horz" wrap="square" lIns="133350" tIns="133350" rIns="133350" bIns="133350" numCol="1" spcCol="1270" anchor="ctr" anchorCtr="0">
+        <a:bodyPr spcFirstLastPara="0" vert="horz" wrap="square" lIns="102870" tIns="102870" rIns="102870" bIns="102870" numCol="1" spcCol="1270" anchor="ctr" anchorCtr="0">
           <a:noAutofit/>
         </a:bodyPr>
         <a:lstStyle/>
         <a:p>
-          <a:pPr lvl="0" algn="ctr" defTabSz="1555750">
+          <a:pPr lvl="0" algn="ctr" defTabSz="1200150">
             <a:lnSpc>
               <a:spcPct val="90000"/>
             </a:lnSpc>
@@ -10629,15 +10782,15 @@
             </a:spcAft>
           </a:pPr>
           <a:r>
-            <a:rPr lang="en-US" sz="3500" kern="1200" dirty="0" smtClean="0"/>
+            <a:rPr lang="en-US" sz="2700" kern="1200" dirty="0" smtClean="0"/>
             <a:t>Claim</a:t>
           </a:r>
-          <a:endParaRPr lang="en-US" sz="3500" kern="1200" dirty="0"/>
+          <a:endParaRPr lang="en-US" sz="2700" kern="1200" dirty="0"/>
         </a:p>
       </dsp:txBody>
       <dsp:txXfrm>
-        <a:off x="3551005" y="2347259"/>
-        <a:ext cx="3410017" cy="989271"/>
+        <a:off x="2707563" y="1958739"/>
+        <a:ext cx="2591859" cy="821225"/>
       </dsp:txXfrm>
     </dsp:sp>
     <dsp:sp modelId="{37BAF495-A8D9-46F3-853C-5E92962584C8}">
@@ -10647,8 +10800,8 @@
       </dsp:nvSpPr>
       <dsp:spPr>
         <a:xfrm>
-          <a:off x="3520227" y="3474310"/>
-          <a:ext cx="1141214" cy="1050827"/>
+          <a:off x="2682013" y="2898879"/>
+          <a:ext cx="868823" cy="872325"/>
         </a:xfrm>
         <a:prstGeom prst="roundRect">
           <a:avLst>
@@ -10686,12 +10839,12 @@
         </a:fontRef>
       </dsp:style>
       <dsp:txBody>
-        <a:bodyPr spcFirstLastPara="0" vert="horz" wrap="square" lIns="106680" tIns="106680" rIns="106680" bIns="106680" numCol="1" spcCol="1270" anchor="ctr" anchorCtr="0">
+        <a:bodyPr spcFirstLastPara="0" vert="horz" wrap="square" lIns="80010" tIns="80010" rIns="80010" bIns="80010" numCol="1" spcCol="1270" anchor="ctr" anchorCtr="0">
           <a:noAutofit/>
         </a:bodyPr>
         <a:lstStyle/>
         <a:p>
-          <a:pPr lvl="0" algn="ctr" defTabSz="1244600">
+          <a:pPr lvl="0" algn="ctr" defTabSz="933450">
             <a:lnSpc>
               <a:spcPct val="90000"/>
             </a:lnSpc>
@@ -10703,15 +10856,15 @@
             </a:spcAft>
           </a:pPr>
           <a:r>
-            <a:rPr lang="en-US" sz="2800" kern="1200" dirty="0" smtClean="0"/>
+            <a:rPr lang="en-US" sz="2100" kern="1200" dirty="0" smtClean="0"/>
             <a:t>Issuer</a:t>
           </a:r>
-          <a:endParaRPr lang="en-US" sz="2800" kern="1200" dirty="0"/>
+          <a:endParaRPr lang="en-US" sz="2100" kern="1200" dirty="0"/>
         </a:p>
       </dsp:txBody>
       <dsp:txXfrm>
-        <a:off x="3551005" y="3505088"/>
-        <a:ext cx="1079658" cy="989271"/>
+        <a:off x="2707460" y="2924326"/>
+        <a:ext cx="817929" cy="821431"/>
       </dsp:txXfrm>
     </dsp:sp>
     <dsp:sp modelId="{39C70434-B874-4FD5-AB17-AB2C76D7AB2B}">
@@ -10721,8 +10874,8 @@
       </dsp:nvSpPr>
       <dsp:spPr>
         <a:xfrm>
-          <a:off x="4685407" y="3474310"/>
-          <a:ext cx="1141214" cy="1050827"/>
+          <a:off x="3569081" y="2898879"/>
+          <a:ext cx="868823" cy="872325"/>
         </a:xfrm>
         <a:prstGeom prst="roundRect">
           <a:avLst>
@@ -10760,12 +10913,12 @@
         </a:fontRef>
       </dsp:style>
       <dsp:txBody>
-        <a:bodyPr spcFirstLastPara="0" vert="horz" wrap="square" lIns="106680" tIns="106680" rIns="106680" bIns="106680" numCol="1" spcCol="1270" anchor="ctr" anchorCtr="0">
+        <a:bodyPr spcFirstLastPara="0" vert="horz" wrap="square" lIns="80010" tIns="80010" rIns="80010" bIns="80010" numCol="1" spcCol="1270" anchor="ctr" anchorCtr="0">
           <a:noAutofit/>
         </a:bodyPr>
         <a:lstStyle/>
         <a:p>
-          <a:pPr lvl="0" algn="ctr" defTabSz="1244600">
+          <a:pPr lvl="0" algn="ctr" defTabSz="933450">
             <a:lnSpc>
               <a:spcPct val="90000"/>
             </a:lnSpc>
@@ -10777,15 +10930,15 @@
             </a:spcAft>
           </a:pPr>
           <a:r>
-            <a:rPr lang="en-US" sz="2800" kern="1200" dirty="0" smtClean="0"/>
+            <a:rPr lang="en-US" sz="2100" kern="1200" dirty="0" smtClean="0"/>
             <a:t>Type</a:t>
           </a:r>
-          <a:endParaRPr lang="en-US" sz="2800" kern="1200" dirty="0"/>
+          <a:endParaRPr lang="en-US" sz="2100" kern="1200" dirty="0"/>
         </a:p>
       </dsp:txBody>
       <dsp:txXfrm>
-        <a:off x="4716185" y="3505088"/>
-        <a:ext cx="1079658" cy="989271"/>
+        <a:off x="3594528" y="2924326"/>
+        <a:ext cx="817929" cy="821431"/>
       </dsp:txXfrm>
     </dsp:sp>
     <dsp:sp modelId="{EC53E7FD-1141-46F8-907F-62CEDAA8068C}">
@@ -10795,8 +10948,8 @@
       </dsp:nvSpPr>
       <dsp:spPr>
         <a:xfrm>
-          <a:off x="5850586" y="3474310"/>
-          <a:ext cx="1141214" cy="1050827"/>
+          <a:off x="4456149" y="2898879"/>
+          <a:ext cx="868823" cy="872325"/>
         </a:xfrm>
         <a:prstGeom prst="roundRect">
           <a:avLst>
@@ -10834,12 +10987,12 @@
         </a:fontRef>
       </dsp:style>
       <dsp:txBody>
-        <a:bodyPr spcFirstLastPara="0" vert="horz" wrap="square" lIns="106680" tIns="106680" rIns="106680" bIns="106680" numCol="1" spcCol="1270" anchor="ctr" anchorCtr="0">
+        <a:bodyPr spcFirstLastPara="0" vert="horz" wrap="square" lIns="80010" tIns="80010" rIns="80010" bIns="80010" numCol="1" spcCol="1270" anchor="ctr" anchorCtr="0">
           <a:noAutofit/>
         </a:bodyPr>
         <a:lstStyle/>
         <a:p>
-          <a:pPr lvl="0" algn="ctr" defTabSz="1244600">
+          <a:pPr lvl="0" algn="ctr" defTabSz="933450">
             <a:lnSpc>
               <a:spcPct val="90000"/>
             </a:lnSpc>
@@ -10851,15 +11004,15 @@
             </a:spcAft>
           </a:pPr>
           <a:r>
-            <a:rPr lang="en-US" sz="2800" kern="1200" dirty="0" smtClean="0"/>
+            <a:rPr lang="en-US" sz="2100" kern="1200" dirty="0" smtClean="0"/>
             <a:t>Value</a:t>
           </a:r>
-          <a:endParaRPr lang="en-US" sz="2800" kern="1200" dirty="0"/>
+          <a:endParaRPr lang="en-US" sz="2100" kern="1200" dirty="0"/>
         </a:p>
       </dsp:txBody>
       <dsp:txXfrm>
-        <a:off x="5881364" y="3505088"/>
-        <a:ext cx="1079658" cy="989271"/>
+        <a:off x="4481596" y="2924326"/>
+        <a:ext cx="817929" cy="821431"/>
       </dsp:txXfrm>
     </dsp:sp>
     <dsp:sp modelId="{023DA80A-0E5A-49B3-8BF3-92D07EB8DA9D}">
@@ -10869,8 +11022,8 @@
       </dsp:nvSpPr>
       <dsp:spPr>
         <a:xfrm>
-          <a:off x="7087662" y="1158653"/>
-          <a:ext cx="1141214" cy="1050827"/>
+          <a:off x="5397954" y="967499"/>
+          <a:ext cx="868823" cy="872325"/>
         </a:xfrm>
         <a:prstGeom prst="roundRect">
           <a:avLst>
@@ -10908,12 +11061,12 @@
         </a:fontRef>
       </dsp:style>
       <dsp:txBody>
-        <a:bodyPr spcFirstLastPara="0" vert="horz" wrap="square" lIns="133350" tIns="133350" rIns="133350" bIns="133350" numCol="1" spcCol="1270" anchor="ctr" anchorCtr="0">
+        <a:bodyPr spcFirstLastPara="0" vert="horz" wrap="square" lIns="102870" tIns="102870" rIns="102870" bIns="102870" numCol="1" spcCol="1270" anchor="ctr" anchorCtr="0">
           <a:noAutofit/>
         </a:bodyPr>
         <a:lstStyle/>
         <a:p>
-          <a:pPr lvl="0" algn="ctr" defTabSz="1555750">
+          <a:pPr lvl="0" algn="ctr" defTabSz="1200150">
             <a:lnSpc>
               <a:spcPct val="90000"/>
             </a:lnSpc>
@@ -10925,15 +11078,89 @@
             </a:spcAft>
           </a:pPr>
           <a:r>
-            <a:rPr lang="en-US" sz="3500" kern="1200" dirty="0" smtClean="0"/>
+            <a:rPr lang="en-US" sz="2700" kern="1200" dirty="0" smtClean="0"/>
             <a:t>Role</a:t>
           </a:r>
-          <a:endParaRPr lang="en-US" sz="3500" kern="1200" dirty="0"/>
+          <a:endParaRPr lang="en-US" sz="2700" kern="1200" dirty="0"/>
         </a:p>
       </dsp:txBody>
       <dsp:txXfrm>
-        <a:off x="7118440" y="1189431"/>
-        <a:ext cx="1079658" cy="989271"/>
+        <a:off x="5423401" y="992946"/>
+        <a:ext cx="817929" cy="821431"/>
+      </dsp:txXfrm>
+    </dsp:sp>
+    <dsp:sp modelId="{4F8B75C2-B0D1-408C-B83C-1FB485F0B6E4}">
+      <dsp:nvSpPr>
+        <dsp:cNvPr id="0" name=""/>
+        <dsp:cNvSpPr/>
+      </dsp:nvSpPr>
+      <dsp:spPr>
+        <a:xfrm>
+          <a:off x="6339758" y="967499"/>
+          <a:ext cx="868823" cy="872325"/>
+        </a:xfrm>
+        <a:prstGeom prst="roundRect">
+          <a:avLst>
+            <a:gd name="adj" fmla="val 10000"/>
+          </a:avLst>
+        </a:prstGeom>
+        <a:solidFill>
+          <a:schemeClr val="accent6"/>
+        </a:solidFill>
+        <a:ln w="25400" cap="flat" cmpd="sng" algn="ctr">
+          <a:solidFill>
+            <a:schemeClr val="lt1">
+              <a:hueOff val="0"/>
+              <a:satOff val="0"/>
+              <a:lumOff val="0"/>
+              <a:alphaOff val="0"/>
+            </a:schemeClr>
+          </a:solidFill>
+          <a:prstDash val="solid"/>
+        </a:ln>
+        <a:effectLst/>
+      </dsp:spPr>
+      <dsp:style>
+        <a:lnRef idx="2">
+          <a:scrgbClr r="0" g="0" b="0"/>
+        </a:lnRef>
+        <a:fillRef idx="1">
+          <a:scrgbClr r="0" g="0" b="0"/>
+        </a:fillRef>
+        <a:effectRef idx="0">
+          <a:scrgbClr r="0" g="0" b="0"/>
+        </a:effectRef>
+        <a:fontRef idx="minor">
+          <a:schemeClr val="lt1"/>
+        </a:fontRef>
+      </dsp:style>
+      <dsp:txBody>
+        <a:bodyPr spcFirstLastPara="0" vert="horz" wrap="square" lIns="102870" tIns="102870" rIns="102870" bIns="102870" numCol="1" spcCol="1270" anchor="ctr" anchorCtr="0">
+          <a:noAutofit/>
+        </a:bodyPr>
+        <a:lstStyle/>
+        <a:p>
+          <a:pPr lvl="0" algn="ctr" defTabSz="1200150">
+            <a:lnSpc>
+              <a:spcPct val="90000"/>
+            </a:lnSpc>
+            <a:spcBef>
+              <a:spcPct val="0"/>
+            </a:spcBef>
+            <a:spcAft>
+              <a:spcPct val="35000"/>
+            </a:spcAft>
+          </a:pPr>
+          <a:r>
+            <a:rPr lang="en-US" sz="2700" kern="1200" dirty="0" smtClean="0"/>
+            <a:t>Role</a:t>
+          </a:r>
+          <a:endParaRPr lang="en-US" sz="2700" kern="1200" dirty="0"/>
+        </a:p>
+      </dsp:txBody>
+      <dsp:txXfrm>
+        <a:off x="6365205" y="992946"/>
+        <a:ext cx="817929" cy="821431"/>
       </dsp:txXfrm>
     </dsp:sp>
   </dsp:spTree>
@@ -20900,7 +21127,7 @@
           <a:p>
             <a:fld id="{B5922E6D-3451-482A-A64F-C89F139BA51A}" type="datetimeFigureOut">
               <a:rPr lang="en-US" smtClean="0"/>
-              <a:t>11/14/2014</a:t>
+              <a:t>11/17/2014</a:t>
             </a:fld>
             <a:endParaRPr lang="en-US"/>
           </a:p>
@@ -21065,7 +21292,7 @@
           <a:p>
             <a:fld id="{05247E74-41DE-40FA-A7A7-A655366ADCFA}" type="datetimeFigureOut">
               <a:rPr lang="sv-SE" smtClean="0"/>
-              <a:t>2014-11-14</a:t>
+              <a:t>2014-11-17</a:t>
             </a:fld>
             <a:endParaRPr lang="sv-SE"/>
           </a:p>
@@ -21529,7 +21756,7 @@
           <a:p>
             <a:fld id="{DB41BBF1-8D56-4061-8DE2-461FDAC177EF}" type="datetimeFigureOut">
               <a:rPr lang="sv-SE" smtClean="0"/>
-              <a:t>2014-11-14</a:t>
+              <a:t>2014-11-17</a:t>
             </a:fld>
             <a:endParaRPr lang="sv-SE"/>
           </a:p>
@@ -21793,7 +22020,7 @@
           <a:p>
             <a:fld id="{DB41BBF1-8D56-4061-8DE2-461FDAC177EF}" type="datetimeFigureOut">
               <a:rPr lang="sv-SE" smtClean="0"/>
-              <a:t>2014-11-14</a:t>
+              <a:t>2014-11-17</a:t>
             </a:fld>
             <a:endParaRPr lang="sv-SE"/>
           </a:p>
@@ -21970,7 +22197,7 @@
           <a:p>
             <a:fld id="{DB41BBF1-8D56-4061-8DE2-461FDAC177EF}" type="datetimeFigureOut">
               <a:rPr lang="sv-SE" smtClean="0"/>
-              <a:t>2014-11-14</a:t>
+              <a:t>2014-11-17</a:t>
             </a:fld>
             <a:endParaRPr lang="sv-SE"/>
           </a:p>
@@ -22157,7 +22384,7 @@
           <a:p>
             <a:fld id="{DB41BBF1-8D56-4061-8DE2-461FDAC177EF}" type="datetimeFigureOut">
               <a:rPr lang="sv-SE" smtClean="0"/>
-              <a:t>2014-11-14</a:t>
+              <a:t>2014-11-17</a:t>
             </a:fld>
             <a:endParaRPr lang="sv-SE"/>
           </a:p>
@@ -22421,7 +22648,7 @@
           <a:p>
             <a:fld id="{DB41BBF1-8D56-4061-8DE2-461FDAC177EF}" type="datetimeFigureOut">
               <a:rPr lang="sv-SE" smtClean="0"/>
-              <a:t>2014-11-14</a:t>
+              <a:t>2014-11-17</a:t>
             </a:fld>
             <a:endParaRPr lang="sv-SE"/>
           </a:p>
@@ -22598,7 +22825,7 @@
           <a:p>
             <a:fld id="{DB41BBF1-8D56-4061-8DE2-461FDAC177EF}" type="datetimeFigureOut">
               <a:rPr lang="sv-SE" smtClean="0"/>
-              <a:t>2014-11-14</a:t>
+              <a:t>2014-11-17</a:t>
             </a:fld>
             <a:endParaRPr lang="sv-SE"/>
           </a:p>
@@ -22851,7 +23078,7 @@
           <a:p>
             <a:fld id="{DB41BBF1-8D56-4061-8DE2-461FDAC177EF}" type="datetimeFigureOut">
               <a:rPr lang="sv-SE" smtClean="0"/>
-              <a:t>2014-11-14</a:t>
+              <a:t>2014-11-17</a:t>
             </a:fld>
             <a:endParaRPr lang="sv-SE"/>
           </a:p>
@@ -23146,7 +23373,7 @@
           <a:p>
             <a:fld id="{DB41BBF1-8D56-4061-8DE2-461FDAC177EF}" type="datetimeFigureOut">
               <a:rPr lang="sv-SE" smtClean="0"/>
-              <a:t>2014-11-14</a:t>
+              <a:t>2014-11-17</a:t>
             </a:fld>
             <a:endParaRPr lang="sv-SE"/>
           </a:p>
@@ -23575,7 +23802,7 @@
           <a:p>
             <a:fld id="{DB41BBF1-8D56-4061-8DE2-461FDAC177EF}" type="datetimeFigureOut">
               <a:rPr lang="sv-SE" smtClean="0"/>
-              <a:t>2014-11-14</a:t>
+              <a:t>2014-11-17</a:t>
             </a:fld>
             <a:endParaRPr lang="sv-SE"/>
           </a:p>
@@ -23700,7 +23927,7 @@
           <a:p>
             <a:fld id="{DB41BBF1-8D56-4061-8DE2-461FDAC177EF}" type="datetimeFigureOut">
               <a:rPr lang="sv-SE" smtClean="0"/>
-              <a:t>2014-11-14</a:t>
+              <a:t>2014-11-17</a:t>
             </a:fld>
             <a:endParaRPr lang="sv-SE"/>
           </a:p>
@@ -23802,7 +24029,7 @@
           <a:p>
             <a:fld id="{DB41BBF1-8D56-4061-8DE2-461FDAC177EF}" type="datetimeFigureOut">
               <a:rPr lang="sv-SE" smtClean="0"/>
-              <a:t>2014-11-14</a:t>
+              <a:t>2014-11-17</a:t>
             </a:fld>
             <a:endParaRPr lang="sv-SE"/>
           </a:p>
@@ -24086,7 +24313,7 @@
           <a:p>
             <a:fld id="{DB41BBF1-8D56-4061-8DE2-461FDAC177EF}" type="datetimeFigureOut">
               <a:rPr lang="sv-SE" smtClean="0"/>
-              <a:t>2014-11-14</a:t>
+              <a:t>2014-11-17</a:t>
             </a:fld>
             <a:endParaRPr lang="sv-SE"/>
           </a:p>
@@ -24314,7 +24541,7 @@
           <a:p>
             <a:fld id="{DB41BBF1-8D56-4061-8DE2-461FDAC177EF}" type="datetimeFigureOut">
               <a:rPr lang="sv-SE" smtClean="0"/>
-              <a:t>2014-11-14</a:t>
+              <a:t>2014-11-17</a:t>
             </a:fld>
             <a:endParaRPr lang="sv-SE"/>
           </a:p>
@@ -26162,15 +26389,7 @@
             </a:pPr>
             <a:r>
               <a:rPr lang="en-US" dirty="0" smtClean="0"/>
-              <a:t>Benefits of </a:t>
-            </a:r>
-            <a:r>
-              <a:rPr lang="en-US" dirty="0" smtClean="0"/>
-              <a:t>claims summary</a:t>
-            </a:r>
-            <a:r>
-              <a:rPr lang="en-US" dirty="0" smtClean="0"/>
-              <a:t/>
+              <a:t>Benefits of claims summary</a:t>
             </a:r>
             <a:br>
               <a:rPr lang="en-US" dirty="0" smtClean="0"/>
@@ -26190,11 +26409,7 @@
           <a:p>
             <a:r>
               <a:rPr lang="en-US" sz="2400" dirty="0" smtClean="0"/>
-              <a:t>Authorization can be decided based on claims, making it more dynamic and flexible than roles-based authorization</a:t>
-            </a:r>
-            <a:r>
-              <a:rPr lang="en-US" sz="2400" dirty="0" smtClean="0"/>
-              <a:t>.</a:t>
+              <a:t>Authorization can be decided based on claims, making it more dynamic and flexible than roles-based authorization.</a:t>
             </a:r>
           </a:p>
           <a:p>
@@ -26318,11 +26533,11 @@
   <p:clrMapOvr>
     <a:masterClrMapping/>
   </p:clrMapOvr>
-  <mc:AlternateContent xmlns:mc="http://schemas.openxmlformats.org/markup-compatibility/2006">
-    <mc:Choice xmlns:p14="http://schemas.microsoft.com/office/powerpoint/2010/main" Requires="p14">
+  <mc:AlternateContent xmlns:mc="http://schemas.openxmlformats.org/markup-compatibility/2006" xmlns:p14="http://schemas.microsoft.com/office/powerpoint/2010/main">
+    <mc:Choice Requires="p14">
       <p:transition spd="slow" p14:dur="2000"/>
     </mc:Choice>
-    <mc:Fallback>
+    <mc:Fallback xmlns="">
       <p:transition spd="slow"/>
     </mc:Fallback>
   </mc:AlternateContent>
@@ -26551,11 +26766,11 @@
   <p:clrMapOvr>
     <a:masterClrMapping/>
   </p:clrMapOvr>
-  <mc:AlternateContent xmlns:mc="http://schemas.openxmlformats.org/markup-compatibility/2006">
-    <mc:Choice xmlns:p14="http://schemas.microsoft.com/office/powerpoint/2010/main" Requires="p14">
+  <mc:AlternateContent xmlns:mc="http://schemas.openxmlformats.org/markup-compatibility/2006" xmlns:p14="http://schemas.microsoft.com/office/powerpoint/2010/main">
+    <mc:Choice Requires="p14">
       <p:transition spd="slow" p14:dur="2000"/>
     </mc:Choice>
-    <mc:Fallback>
+    <mc:Fallback xmlns="">
       <p:transition spd="slow"/>
     </mc:Fallback>
   </mc:AlternateContent>
@@ -26600,6 +26815,12 @@
         <p:txBody>
           <a:bodyPr/>
           <a:lstStyle/>
+          <a:p>
+            <a:pPr marL="0" indent="0">
+              <a:buNone/>
+            </a:pPr>
+            <a:endParaRPr lang="en-US" dirty="0" smtClean="0"/>
+          </a:p>
           <a:p>
             <a:pPr marL="0" indent="0">
               <a:buNone/>
@@ -26778,17 +26999,8 @@
             </a:pPr>
             <a:r>
               <a:rPr lang="en-US" dirty="0" smtClean="0"/>
-              <a:t>An Identity is something which defines who </a:t>
+              <a:t>An Identity is something which defines who someone is.</a:t>
             </a:r>
-            <a:r>
-              <a:rPr lang="en-US" dirty="0" smtClean="0"/>
-              <a:t>someone is</a:t>
-            </a:r>
-            <a:r>
-              <a:rPr lang="en-US" dirty="0" smtClean="0"/>
-              <a:t>.</a:t>
-            </a:r>
-            <a:endParaRPr lang="en-US" dirty="0" smtClean="0"/>
           </a:p>
           <a:p>
             <a:pPr marL="0" indent="0">
@@ -26999,6 +27211,12 @@
             <a:endParaRPr lang="en-US" dirty="0" smtClean="0"/>
           </a:p>
           <a:p>
+            <a:pPr marL="0" indent="0">
+              <a:buNone/>
+            </a:pPr>
+            <a:endParaRPr lang="en-US" dirty="0" smtClean="0"/>
+          </a:p>
+          <a:p>
             <a:pPr marL="0" indent="0" algn="ctr">
               <a:buNone/>
             </a:pPr>
@@ -27345,14 +27563,14 @@
             <p:ph idx="1"/>
             <p:extLst>
               <p:ext uri="{D42A27DB-BD31-4B8C-83A1-F6EECF244321}">
-                <p14:modId xmlns:p14="http://schemas.microsoft.com/office/powerpoint/2010/main" val="1095939331"/>
+                <p14:modId xmlns:p14="http://schemas.microsoft.com/office/powerpoint/2010/main" val="1247874000"/>
               </p:ext>
             </p:extLst>
           </p:nvPr>
         </p:nvGraphicFramePr>
         <p:xfrm>
-          <a:off x="457200" y="1600200"/>
-          <a:ext cx="8229600" cy="4525963"/>
+          <a:off x="961256" y="1600201"/>
+          <a:ext cx="7211144" cy="3773015"/>
         </p:xfrm>
         <a:graphic>
           <a:graphicData uri="http://schemas.openxmlformats.org/drawingml/2006/diagram">
@@ -27360,37 +27578,6 @@
           </a:graphicData>
         </a:graphic>
       </p:graphicFrame>
-      <p:sp>
-        <p:nvSpPr>
-          <p:cNvPr id="10" name="textruta 9"/>
-          <p:cNvSpPr txBox="1"/>
-          <p:nvPr/>
-        </p:nvSpPr>
-        <p:spPr>
-          <a:xfrm>
-            <a:off x="611560" y="764704"/>
-            <a:ext cx="7848872" cy="584775"/>
-          </a:xfrm>
-          <a:prstGeom prst="rect">
-            <a:avLst/>
-          </a:prstGeom>
-          <a:noFill/>
-        </p:spPr>
-        <p:txBody>
-          <a:bodyPr wrap="square" rtlCol="0">
-            <a:spAutoFit/>
-          </a:bodyPr>
-          <a:lstStyle/>
-          <a:p>
-            <a:pPr algn="ctr"/>
-            <a:r>
-              <a:rPr lang="en-US" sz="3200" dirty="0" smtClean="0"/>
-              <a:t>Principal object mapping</a:t>
-            </a:r>
-            <a:endParaRPr lang="en-US" sz="3200" dirty="0"/>
-          </a:p>
-        </p:txBody>
-      </p:sp>
     </p:spTree>
     <p:extLst>
       <p:ext uri="{BB962C8B-B14F-4D97-AF65-F5344CB8AC3E}">
@@ -27442,6 +27629,12 @@
         <p:txBody>
           <a:bodyPr/>
           <a:lstStyle/>
+          <a:p>
+            <a:pPr marL="0" indent="0">
+              <a:buNone/>
+            </a:pPr>
+            <a:endParaRPr lang="en-US" dirty="0" smtClean="0"/>
+          </a:p>
           <a:p>
             <a:pPr marL="0" indent="0">
               <a:buNone/>
@@ -27555,7 +27748,9 @@
         </p:nvSpPr>
         <p:spPr/>
         <p:txBody>
-          <a:bodyPr/>
+          <a:bodyPr>
+            <a:normAutofit/>
+          </a:bodyPr>
           <a:lstStyle/>
           <a:p>
             <a:pPr marL="0" indent="0">
@@ -27581,7 +27776,7 @@
               <a:buNone/>
             </a:pPr>
             <a:r>
-              <a:rPr lang="en-US" sz="2400" dirty="0" smtClean="0"/>
+              <a:rPr lang="en-US" dirty="0" smtClean="0"/>
               <a:t>A Security token is a token which is used to authenticate users.</a:t>
             </a:r>
           </a:p>
@@ -27589,18 +27784,18 @@
             <a:pPr marL="0" indent="0">
               <a:buNone/>
             </a:pPr>
-            <a:endParaRPr lang="en-US" sz="2400" dirty="0" smtClean="0"/>
+            <a:endParaRPr lang="en-US" dirty="0" smtClean="0"/>
           </a:p>
           <a:p>
             <a:pPr marL="0" indent="0">
               <a:buNone/>
             </a:pPr>
             <a:r>
-              <a:rPr lang="en-US" sz="2400" dirty="0" smtClean="0"/>
+              <a:rPr lang="en-US" dirty="0" smtClean="0"/>
               <a:t>The security token contains an </a:t>
             </a:r>
             <a:r>
-              <a:rPr lang="en-US" sz="2400" b="1" dirty="0" smtClean="0">
+              <a:rPr lang="en-US" b="1" dirty="0" smtClean="0">
                 <a:solidFill>
                   <a:srgbClr val="77933C"/>
                 </a:solidFill>
@@ -27608,28 +27803,28 @@
               <a:t>Id</a:t>
             </a:r>
             <a:r>
-              <a:rPr lang="en-US" sz="2400" dirty="0" smtClean="0"/>
+              <a:rPr lang="en-US" dirty="0" smtClean="0"/>
               <a:t>,</a:t>
             </a:r>
             <a:r>
-              <a:rPr lang="en-US" sz="2400" b="1" dirty="0" smtClean="0">
+              <a:rPr lang="en-US" b="1" dirty="0" smtClean="0">
                 <a:solidFill>
                   <a:srgbClr val="77933C"/>
                 </a:solidFill>
               </a:rPr>
-              <a:t> </a:t>
+              <a:t> security key </a:t>
             </a:r>
             <a:r>
-              <a:rPr lang="en-US" sz="2400" b="1" dirty="0" smtClean="0">
-                <a:solidFill>
-                  <a:srgbClr val="77933C"/>
-                </a:solidFill>
-              </a:rPr>
-              <a:t>security key </a:t>
+              <a:rPr lang="en-US" dirty="0" smtClean="0"/>
+              <a:t>as well as the time from which it is valid &amp; for how long</a:t>
+            </a:r>
+            <a:r>
+              <a:rPr lang="en-US" dirty="0" smtClean="0"/>
+              <a:t>.</a:t>
             </a:r>
             <a:r>
               <a:rPr lang="en-US" sz="2400" dirty="0" smtClean="0"/>
-              <a:t>as well as the time from which it is valid &amp; for how long.</a:t>
+              <a:t/>
             </a:r>
             <a:br>
               <a:rPr lang="en-US" sz="2400" dirty="0" smtClean="0"/>
@@ -27645,6 +27840,142 @@
           </a:p>
         </p:txBody>
       </p:sp>
+      <p:graphicFrame>
+        <p:nvGraphicFramePr>
+          <p:cNvPr id="4" name="Tabell 3"/>
+          <p:cNvGraphicFramePr>
+            <a:graphicFrameLocks noGrp="1"/>
+          </p:cNvGraphicFramePr>
+          <p:nvPr>
+            <p:extLst>
+              <p:ext uri="{D42A27DB-BD31-4B8C-83A1-F6EECF244321}">
+                <p14:modId xmlns:p14="http://schemas.microsoft.com/office/powerpoint/2010/main" val="3679118754"/>
+              </p:ext>
+            </p:extLst>
+          </p:nvPr>
+        </p:nvGraphicFramePr>
+        <p:xfrm>
+          <a:off x="459867" y="5013176"/>
+          <a:ext cx="6096000" cy="1483360"/>
+        </p:xfrm>
+        <a:graphic>
+          <a:graphicData uri="http://schemas.openxmlformats.org/drawingml/2006/table">
+            <a:tbl>
+              <a:tblPr firstRow="1" bandRow="1">
+                <a:tableStyleId>{5C22544A-7EE6-4342-B048-85BDC9FD1C3A}</a:tableStyleId>
+              </a:tblPr>
+              <a:tblGrid>
+                <a:gridCol w="3048000"/>
+                <a:gridCol w="3048000"/>
+              </a:tblGrid>
+              <a:tr h="370840">
+                <a:tc>
+                  <a:txBody>
+                    <a:bodyPr/>
+                    <a:lstStyle/>
+                    <a:p>
+                      <a:r>
+                        <a:rPr lang="en-US" dirty="0" smtClean="0"/>
+                        <a:t>Type</a:t>
+                      </a:r>
+                      <a:endParaRPr lang="en-US" dirty="0"/>
+                    </a:p>
+                  </a:txBody>
+                  <a:tcPr/>
+                </a:tc>
+                <a:tc>
+                  <a:txBody>
+                    <a:bodyPr/>
+                    <a:lstStyle/>
+                    <a:p>
+                      <a:r>
+                        <a:rPr lang="en-US" dirty="0" smtClean="0"/>
+                        <a:t>Description</a:t>
+                      </a:r>
+                      <a:endParaRPr lang="en-US" dirty="0"/>
+                    </a:p>
+                  </a:txBody>
+                  <a:tcPr/>
+                </a:tc>
+              </a:tr>
+              <a:tr h="370840">
+                <a:tc>
+                  <a:txBody>
+                    <a:bodyPr/>
+                    <a:lstStyle/>
+                    <a:p>
+                      <a:r>
+                        <a:rPr lang="en-US" dirty="0" smtClean="0"/>
+                        <a:t>Id</a:t>
+                      </a:r>
+                      <a:endParaRPr lang="en-US" dirty="0"/>
+                    </a:p>
+                  </a:txBody>
+                  <a:tcPr/>
+                </a:tc>
+                <a:tc>
+                  <a:txBody>
+                    <a:bodyPr/>
+                    <a:lstStyle/>
+                    <a:p>
+                      <a:endParaRPr lang="en-US" dirty="0"/>
+                    </a:p>
+                  </a:txBody>
+                  <a:tcPr/>
+                </a:tc>
+              </a:tr>
+              <a:tr h="370840">
+                <a:tc>
+                  <a:txBody>
+                    <a:bodyPr/>
+                    <a:lstStyle/>
+                    <a:p>
+                      <a:r>
+                        <a:rPr lang="en-US" dirty="0" smtClean="0"/>
+                        <a:t>Security key</a:t>
+                      </a:r>
+                      <a:endParaRPr lang="en-US" dirty="0"/>
+                    </a:p>
+                  </a:txBody>
+                  <a:tcPr/>
+                </a:tc>
+                <a:tc>
+                  <a:txBody>
+                    <a:bodyPr/>
+                    <a:lstStyle/>
+                    <a:p>
+                      <a:endParaRPr lang="en-US" dirty="0"/>
+                    </a:p>
+                  </a:txBody>
+                  <a:tcPr/>
+                </a:tc>
+              </a:tr>
+              <a:tr h="370840">
+                <a:tc>
+                  <a:txBody>
+                    <a:bodyPr/>
+                    <a:lstStyle/>
+                    <a:p>
+                      <a:endParaRPr lang="en-US" dirty="0"/>
+                    </a:p>
+                  </a:txBody>
+                  <a:tcPr/>
+                </a:tc>
+                <a:tc>
+                  <a:txBody>
+                    <a:bodyPr/>
+                    <a:lstStyle/>
+                    <a:p>
+                      <a:endParaRPr lang="en-US" dirty="0"/>
+                    </a:p>
+                  </a:txBody>
+                  <a:tcPr/>
+                </a:tc>
+              </a:tr>
+            </a:tbl>
+          </a:graphicData>
+        </a:graphic>
+      </p:graphicFrame>
     </p:spTree>
     <p:extLst>
       <p:ext uri="{BB962C8B-B14F-4D97-AF65-F5344CB8AC3E}">
@@ -31314,15 +31645,6 @@
             <a:pPr marL="0" indent="0" algn="ctr">
               <a:buNone/>
             </a:pPr>
-            <a:r>
-              <a:rPr lang="en-US" sz="3200" dirty="0" smtClean="0"/>
-              <a:t>Real life case</a:t>
-            </a:r>
-          </a:p>
-          <a:p>
-            <a:pPr marL="0" indent="0" algn="ctr">
-              <a:buNone/>
-            </a:pPr>
             <a:endParaRPr lang="en-US" sz="3200" dirty="0"/>
           </a:p>
           <a:p>
@@ -31459,11 +31781,6 @@
               </a:rPr>
               <a:t>s</a:t>
             </a:r>
-            <a:endParaRPr lang="en-US" sz="3200" dirty="0">
-              <a:solidFill>
-                <a:srgbClr val="77933C"/>
-              </a:solidFill>
-            </a:endParaRPr>
           </a:p>
         </p:txBody>
       </p:sp>
@@ -31554,11 +31871,7 @@
             </a:pPr>
             <a:r>
               <a:rPr lang="en-US" dirty="0" smtClean="0"/>
-              <a:t>A role is something which defines what you are authorized to do</a:t>
-            </a:r>
-            <a:r>
-              <a:rPr lang="en-US" dirty="0" smtClean="0"/>
-              <a:t>.</a:t>
+              <a:t>A role is something which defines what you are authorized to do.</a:t>
             </a:r>
           </a:p>
           <a:p>
@@ -31656,8 +31969,8 @@
         </p:nvSpPr>
         <p:spPr>
           <a:xfrm>
-            <a:off x="457200" y="980728"/>
-            <a:ext cx="8229600" cy="5145435"/>
+            <a:off x="323528" y="980728"/>
+            <a:ext cx="8363272" cy="5145435"/>
           </a:xfrm>
         </p:spPr>
         <p:txBody>
@@ -31671,7 +31984,27 @@
             </a:pPr>
             <a:r>
               <a:rPr lang="en-US" sz="2400" dirty="0" smtClean="0"/>
-              <a:t>An example of such a role is : Administrator, Employee or Customer</a:t>
+              <a:t>E</a:t>
+            </a:r>
+            <a:r>
+              <a:rPr lang="en-US" sz="2400" dirty="0" smtClean="0"/>
+              <a:t>xamples </a:t>
+            </a:r>
+            <a:r>
+              <a:rPr lang="en-US" sz="2400" dirty="0" smtClean="0"/>
+              <a:t>of such </a:t>
+            </a:r>
+            <a:r>
+              <a:rPr lang="en-US" sz="2400" dirty="0" smtClean="0"/>
+              <a:t>roles</a:t>
+            </a:r>
+            <a:r>
+              <a:rPr lang="en-US" sz="2400" dirty="0" smtClean="0"/>
+              <a:t> are </a:t>
+            </a:r>
+            <a:r>
+              <a:rPr lang="en-US" sz="2400" dirty="0" smtClean="0"/>
+              <a:t>: Administrator, Employee or Customer</a:t>
             </a:r>
           </a:p>
           <a:p>
@@ -31746,13 +32079,13 @@
           <p:nvPr>
             <p:extLst>
               <p:ext uri="{D42A27DB-BD31-4B8C-83A1-F6EECF244321}">
-                <p14:modId xmlns:p14="http://schemas.microsoft.com/office/powerpoint/2010/main" val="167999031"/>
+                <p14:modId xmlns:p14="http://schemas.microsoft.com/office/powerpoint/2010/main" val="503580237"/>
               </p:ext>
             </p:extLst>
           </p:nvPr>
         </p:nvGraphicFramePr>
         <p:xfrm>
-          <a:off x="483409" y="3140968"/>
+          <a:off x="483409" y="2636912"/>
           <a:ext cx="5624402" cy="1463040"/>
         </p:xfrm>
         <a:graphic>

--- a/Documents/Identity-Theory.pptx
+++ b/Documents/Identity-Theory.pptx
@@ -7065,8 +7065,8 @@
   </dgm:ptLst>
   <dgm:cxnLst>
     <dgm:cxn modelId="{B84205ED-AFAD-431A-93AB-1E8C9ECCBEF4}" type="presOf" srcId="{B5777570-94A7-4320-B723-D6A66C313179}" destId="{9CD6F3CA-B3FC-45CD-AFE8-83034A1E12CA}" srcOrd="0" destOrd="0" presId="urn:microsoft.com/office/officeart/2005/8/layout/process4"/>
+    <dgm:cxn modelId="{D559203D-4470-4F22-831F-CC50AFA8D35B}" srcId="{7E829DBF-11EB-4D72-AD4A-9FFEFE4340A9}" destId="{B5777570-94A7-4320-B723-D6A66C313179}" srcOrd="0" destOrd="0" parTransId="{B9F1CB2A-7DCC-459F-86B0-4E34DD104B92}" sibTransId="{3058B941-7B65-4F0E-A84D-2774EB2CD7C4}"/>
     <dgm:cxn modelId="{18330B2E-3C12-47D6-8841-9CDE0D98DD46}" type="presOf" srcId="{7E829DBF-11EB-4D72-AD4A-9FFEFE4340A9}" destId="{082C1469-7809-41E5-B99E-9BA48C43295F}" srcOrd="1" destOrd="0" presId="urn:microsoft.com/office/officeart/2005/8/layout/process4"/>
-    <dgm:cxn modelId="{D559203D-4470-4F22-831F-CC50AFA8D35B}" srcId="{7E829DBF-11EB-4D72-AD4A-9FFEFE4340A9}" destId="{B5777570-94A7-4320-B723-D6A66C313179}" srcOrd="0" destOrd="0" parTransId="{B9F1CB2A-7DCC-459F-86B0-4E34DD104B92}" sibTransId="{3058B941-7B65-4F0E-A84D-2774EB2CD7C4}"/>
     <dgm:cxn modelId="{A13A4508-9D1D-4EA7-92B5-7D7B353A0321}" srcId="{1F8C6969-57BC-422B-A7D8-CEB736D20A22}" destId="{7E829DBF-11EB-4D72-AD4A-9FFEFE4340A9}" srcOrd="0" destOrd="0" parTransId="{B79A9084-4702-49D3-9B1F-C522F5B6A9D5}" sibTransId="{48762A67-82F8-401B-A9A5-4615EBFB853F}"/>
     <dgm:cxn modelId="{C8D0094F-4AA6-48FB-A720-5FDEB5F1C42D}" type="presOf" srcId="{84380697-93A1-4717-937D-A583453B6A3A}" destId="{1F7BECB4-76D7-4619-97E8-90E69CEEB64A}" srcOrd="0" destOrd="0" presId="urn:microsoft.com/office/officeart/2005/8/layout/process4"/>
     <dgm:cxn modelId="{B0BEBB14-4FA9-4D62-948B-0BA3F59D42C5}" srcId="{7E829DBF-11EB-4D72-AD4A-9FFEFE4340A9}" destId="{84380697-93A1-4717-937D-A583453B6A3A}" srcOrd="1" destOrd="0" parTransId="{C9BAA796-0BEA-4615-AA5E-2BE19FDBE6A2}" sibTransId="{4A909D9C-235E-4B5F-9214-778AACB66D6F}"/>
@@ -8197,31 +8197,31 @@
     </dgm:pt>
   </dgm:ptLst>
   <dgm:cxnLst>
+    <dgm:cxn modelId="{DD6DC55A-C46F-42C5-AC2A-3B40F741CE8D}" type="presOf" srcId="{48A10BD7-3433-48A5-BC9E-B2E1F89B9C43}" destId="{8FBAD47D-2576-4E9B-9315-4C860CF43391}" srcOrd="0" destOrd="0" presId="urn:microsoft.com/office/officeart/2005/8/layout/hierarchy4"/>
+    <dgm:cxn modelId="{D4A02E06-B058-40FE-BB35-1F56EBD6B4CC}" type="presOf" srcId="{279379D7-17D2-4894-969B-5E88A3485C3C}" destId="{C2BD82D2-66E9-407A-B1E8-890E01FB572C}" srcOrd="0" destOrd="0" presId="urn:microsoft.com/office/officeart/2005/8/layout/hierarchy4"/>
+    <dgm:cxn modelId="{A9DB5842-B968-4F0E-ACDE-5F2B292B23A0}" srcId="{B655BE2B-59D7-4111-A49D-ACDEDBCFAC4C}" destId="{F51C6484-F5D3-4AAE-B1E7-EE220BCCCE1D}" srcOrd="1" destOrd="0" parTransId="{D759A3F9-1482-4801-ADC6-E9D953BA912F}" sibTransId="{38B996CF-19CE-49DF-8C24-4C46410CC7FB}"/>
     <dgm:cxn modelId="{F2E62CA4-2E15-44D8-83E5-335032C7EE58}" srcId="{1E51E08D-8ABA-4D35-9977-86C9F53370EB}" destId="{96F32FD5-BF27-4911-A86B-46F6DFF679A7}" srcOrd="0" destOrd="0" parTransId="{5E08FC7F-D173-4946-8872-64C8EC5E70D8}" sibTransId="{AF717211-650C-42C5-83C5-80122082219E}"/>
+    <dgm:cxn modelId="{2B024E60-E5CA-4D2A-92F0-107D573E10F3}" srcId="{1E51E08D-8ABA-4D35-9977-86C9F53370EB}" destId="{C887F95E-80BC-4AD0-9729-7BB0B576B495}" srcOrd="2" destOrd="0" parTransId="{CEAD6EFE-3338-4E24-9BC2-6DF5D521AADC}" sibTransId="{FB0A80DF-8AA5-4ED1-81C9-E51F9678C536}"/>
+    <dgm:cxn modelId="{FF4515B8-3880-4E47-8619-604EECC49E5D}" type="presOf" srcId="{D325CE04-3DB6-403E-AA84-B1A72A2BEC6A}" destId="{ADEA3463-066A-45B2-8AC3-4D7AFEEFC65B}" srcOrd="0" destOrd="0" presId="urn:microsoft.com/office/officeart/2005/8/layout/hierarchy4"/>
+    <dgm:cxn modelId="{BFFEEC4F-DBE4-4ADF-B7F8-BB90EB6A2D85}" type="presOf" srcId="{7F4452E6-D28C-4EC3-8390-72197EE696DD}" destId="{4F8B75C2-B0D1-408C-B83C-1FB485F0B6E4}" srcOrd="0" destOrd="0" presId="urn:microsoft.com/office/officeart/2005/8/layout/hierarchy4"/>
+    <dgm:cxn modelId="{8ED5A5BF-B036-48D5-A62A-D8CA741196CA}" type="presOf" srcId="{B655BE2B-59D7-4111-A49D-ACDEDBCFAC4C}" destId="{D67A57DE-3B88-46EA-A684-70F3D22AB929}" srcOrd="0" destOrd="0" presId="urn:microsoft.com/office/officeart/2005/8/layout/hierarchy4"/>
+    <dgm:cxn modelId="{629D048E-EBE7-4201-84F3-D3C9763C914D}" type="presOf" srcId="{D59F5EAD-4473-40CE-80DE-E30901841FCA}" destId="{61EF867E-8046-40FF-AADC-0B7503D0DCE0}" srcOrd="0" destOrd="0" presId="urn:microsoft.com/office/officeart/2005/8/layout/hierarchy4"/>
+    <dgm:cxn modelId="{EB7D43C2-D5D8-41DC-B790-6084696678BB}" type="presOf" srcId="{0C108F1F-00A5-48BA-99F3-E2E431399234}" destId="{ED9DDCB1-6789-4704-AFC2-C6851726111A}" srcOrd="0" destOrd="0" presId="urn:microsoft.com/office/officeart/2005/8/layout/hierarchy4"/>
+    <dgm:cxn modelId="{2FB5C9F9-C79D-42E8-ACE6-BB54354B8BEF}" srcId="{D325CE04-3DB6-403E-AA84-B1A72A2BEC6A}" destId="{D59F5EAD-4473-40CE-80DE-E30901841FCA}" srcOrd="0" destOrd="0" parTransId="{54E073A7-89A3-49C7-A788-A0FF9DC01CAD}" sibTransId="{8C435437-8E1F-4112-80EC-7221BD18FF10}"/>
+    <dgm:cxn modelId="{0B8AE2F6-1F24-46BB-AB30-A4B998597658}" srcId="{B655BE2B-59D7-4111-A49D-ACDEDBCFAC4C}" destId="{0C108F1F-00A5-48BA-99F3-E2E431399234}" srcOrd="0" destOrd="0" parTransId="{5FA5F0EF-B9CC-4081-BFFC-F998D59106B8}" sibTransId="{C9E2A1F4-6DBB-4D2C-84E8-8F3388E278BD}"/>
+    <dgm:cxn modelId="{A4DB4B8C-D6D0-4817-BCB0-FF2C54F621CE}" srcId="{48A10BD7-3433-48A5-BC9E-B2E1F89B9C43}" destId="{B655BE2B-59D7-4111-A49D-ACDEDBCFAC4C}" srcOrd="0" destOrd="0" parTransId="{E8A1EB68-0E10-4453-ACD7-C9E38B54C478}" sibTransId="{246D6171-32A8-4838-A633-FB6508A8C015}"/>
+    <dgm:cxn modelId="{8AB935E7-0B8E-4D61-8EE8-F0879D1CAA7F}" srcId="{1E51E08D-8ABA-4D35-9977-86C9F53370EB}" destId="{564F7E0A-037A-4195-9124-A6C1AA7752C1}" srcOrd="1" destOrd="0" parTransId="{F9C168C4-059F-4366-BB9E-EEAC43621B56}" sibTransId="{ED560F5A-CE10-4A86-A771-684EE1956F11}"/>
+    <dgm:cxn modelId="{B01BFB40-AF40-4D22-AF7E-D6AAA6B6CC0B}" type="presOf" srcId="{564F7E0A-037A-4195-9124-A6C1AA7752C1}" destId="{39C70434-B874-4FD5-AB17-AB2C76D7AB2B}" srcOrd="0" destOrd="0" presId="urn:microsoft.com/office/officeart/2005/8/layout/hierarchy4"/>
+    <dgm:cxn modelId="{1AD6B271-A213-4DDA-946A-DAC1426EE4D6}" type="presOf" srcId="{C887F95E-80BC-4AD0-9729-7BB0B576B495}" destId="{EC53E7FD-1141-46F8-907F-62CEDAA8068C}" srcOrd="0" destOrd="0" presId="urn:microsoft.com/office/officeart/2005/8/layout/hierarchy4"/>
+    <dgm:cxn modelId="{CC3331B9-8A70-4717-A5EF-5CBF3267854A}" srcId="{D59F5EAD-4473-40CE-80DE-E30901841FCA}" destId="{29BF6A97-A6DE-41B3-8065-2DF75F5910B3}" srcOrd="1" destOrd="0" parTransId="{E2E66861-EC9B-415C-8DF1-FC75AB2D3E8C}" sibTransId="{8DFF9B17-B9F6-44BE-B448-E7CC2AA48584}"/>
+    <dgm:cxn modelId="{9632537A-9E07-419A-A771-89EE93AAB552}" type="presOf" srcId="{1E51E08D-8ABA-4D35-9977-86C9F53370EB}" destId="{2A4D5A7A-0A85-46DD-9DC8-08D60A317509}" srcOrd="0" destOrd="0" presId="urn:microsoft.com/office/officeart/2005/8/layout/hierarchy4"/>
+    <dgm:cxn modelId="{75CAFD12-A547-4E6D-8F0B-C905568ACC9A}" srcId="{B655BE2B-59D7-4111-A49D-ACDEDBCFAC4C}" destId="{279379D7-17D2-4894-969B-5E88A3485C3C}" srcOrd="2" destOrd="0" parTransId="{91A1F8D7-37B6-4AB8-9297-195DDE9396AE}" sibTransId="{B532125B-10A9-49CE-AE0E-F8044D00C56D}"/>
+    <dgm:cxn modelId="{35A50FCD-DB9C-4DBC-9587-0EDA234C4EE6}" srcId="{D59F5EAD-4473-40CE-80DE-E30901841FCA}" destId="{7F4452E6-D28C-4EC3-8390-72197EE696DD}" srcOrd="2" destOrd="0" parTransId="{F65E3557-3BE4-4F4D-87A2-C51E32ECC620}" sibTransId="{26DAA4FF-71B7-4EE6-BD51-D4D122B9E9D6}"/>
     <dgm:cxn modelId="{1B92FB19-0BA1-4B6A-8201-8B613731A296}" srcId="{48A10BD7-3433-48A5-BC9E-B2E1F89B9C43}" destId="{1E51E08D-8ABA-4D35-9977-86C9F53370EB}" srcOrd="1" destOrd="0" parTransId="{A4C2F0E2-AF55-435B-BB2B-A85ECA251630}" sibTransId="{D1262089-7237-48B2-9DF8-958381C23B1F}"/>
-    <dgm:cxn modelId="{8AB935E7-0B8E-4D61-8EE8-F0879D1CAA7F}" srcId="{1E51E08D-8ABA-4D35-9977-86C9F53370EB}" destId="{564F7E0A-037A-4195-9124-A6C1AA7752C1}" srcOrd="1" destOrd="0" parTransId="{F9C168C4-059F-4366-BB9E-EEAC43621B56}" sibTransId="{ED560F5A-CE10-4A86-A771-684EE1956F11}"/>
-    <dgm:cxn modelId="{9632537A-9E07-419A-A771-89EE93AAB552}" type="presOf" srcId="{1E51E08D-8ABA-4D35-9977-86C9F53370EB}" destId="{2A4D5A7A-0A85-46DD-9DC8-08D60A317509}" srcOrd="0" destOrd="0" presId="urn:microsoft.com/office/officeart/2005/8/layout/hierarchy4"/>
-    <dgm:cxn modelId="{1AD6B271-A213-4DDA-946A-DAC1426EE4D6}" type="presOf" srcId="{C887F95E-80BC-4AD0-9729-7BB0B576B495}" destId="{EC53E7FD-1141-46F8-907F-62CEDAA8068C}" srcOrd="0" destOrd="0" presId="urn:microsoft.com/office/officeart/2005/8/layout/hierarchy4"/>
-    <dgm:cxn modelId="{8ED5A5BF-B036-48D5-A62A-D8CA741196CA}" type="presOf" srcId="{B655BE2B-59D7-4111-A49D-ACDEDBCFAC4C}" destId="{D67A57DE-3B88-46EA-A684-70F3D22AB929}" srcOrd="0" destOrd="0" presId="urn:microsoft.com/office/officeart/2005/8/layout/hierarchy4"/>
-    <dgm:cxn modelId="{CC3331B9-8A70-4717-A5EF-5CBF3267854A}" srcId="{D59F5EAD-4473-40CE-80DE-E30901841FCA}" destId="{29BF6A97-A6DE-41B3-8065-2DF75F5910B3}" srcOrd="1" destOrd="0" parTransId="{E2E66861-EC9B-415C-8DF1-FC75AB2D3E8C}" sibTransId="{8DFF9B17-B9F6-44BE-B448-E7CC2AA48584}"/>
-    <dgm:cxn modelId="{A4DB4B8C-D6D0-4817-BCB0-FF2C54F621CE}" srcId="{48A10BD7-3433-48A5-BC9E-B2E1F89B9C43}" destId="{B655BE2B-59D7-4111-A49D-ACDEDBCFAC4C}" srcOrd="0" destOrd="0" parTransId="{E8A1EB68-0E10-4453-ACD7-C9E38B54C478}" sibTransId="{246D6171-32A8-4838-A633-FB6508A8C015}"/>
-    <dgm:cxn modelId="{2FB5C9F9-C79D-42E8-ACE6-BB54354B8BEF}" srcId="{D325CE04-3DB6-403E-AA84-B1A72A2BEC6A}" destId="{D59F5EAD-4473-40CE-80DE-E30901841FCA}" srcOrd="0" destOrd="0" parTransId="{54E073A7-89A3-49C7-A788-A0FF9DC01CAD}" sibTransId="{8C435437-8E1F-4112-80EC-7221BD18FF10}"/>
-    <dgm:cxn modelId="{B01BFB40-AF40-4D22-AF7E-D6AAA6B6CC0B}" type="presOf" srcId="{564F7E0A-037A-4195-9124-A6C1AA7752C1}" destId="{39C70434-B874-4FD5-AB17-AB2C76D7AB2B}" srcOrd="0" destOrd="0" presId="urn:microsoft.com/office/officeart/2005/8/layout/hierarchy4"/>
     <dgm:cxn modelId="{18A54842-7A7A-4FC5-B280-71C75A6F2B77}" srcId="{D59F5EAD-4473-40CE-80DE-E30901841FCA}" destId="{48A10BD7-3433-48A5-BC9E-B2E1F89B9C43}" srcOrd="0" destOrd="0" parTransId="{031BE584-0A47-4F22-8525-118FFCF93CB4}" sibTransId="{56CCD7E9-866A-49D8-BFC9-6686E0F3809E}"/>
     <dgm:cxn modelId="{9D47CE6C-5788-4D62-B0CF-004952A5A210}" type="presOf" srcId="{29BF6A97-A6DE-41B3-8065-2DF75F5910B3}" destId="{023DA80A-0E5A-49B3-8BF3-92D07EB8DA9D}" srcOrd="0" destOrd="0" presId="urn:microsoft.com/office/officeart/2005/8/layout/hierarchy4"/>
-    <dgm:cxn modelId="{D4A02E06-B058-40FE-BB35-1F56EBD6B4CC}" type="presOf" srcId="{279379D7-17D2-4894-969B-5E88A3485C3C}" destId="{C2BD82D2-66E9-407A-B1E8-890E01FB572C}" srcOrd="0" destOrd="0" presId="urn:microsoft.com/office/officeart/2005/8/layout/hierarchy4"/>
-    <dgm:cxn modelId="{EB7D43C2-D5D8-41DC-B790-6084696678BB}" type="presOf" srcId="{0C108F1F-00A5-48BA-99F3-E2E431399234}" destId="{ED9DDCB1-6789-4704-AFC2-C6851726111A}" srcOrd="0" destOrd="0" presId="urn:microsoft.com/office/officeart/2005/8/layout/hierarchy4"/>
-    <dgm:cxn modelId="{BFFEEC4F-DBE4-4ADF-B7F8-BB90EB6A2D85}" type="presOf" srcId="{7F4452E6-D28C-4EC3-8390-72197EE696DD}" destId="{4F8B75C2-B0D1-408C-B83C-1FB485F0B6E4}" srcOrd="0" destOrd="0" presId="urn:microsoft.com/office/officeart/2005/8/layout/hierarchy4"/>
-    <dgm:cxn modelId="{DD6DC55A-C46F-42C5-AC2A-3B40F741CE8D}" type="presOf" srcId="{48A10BD7-3433-48A5-BC9E-B2E1F89B9C43}" destId="{8FBAD47D-2576-4E9B-9315-4C860CF43391}" srcOrd="0" destOrd="0" presId="urn:microsoft.com/office/officeart/2005/8/layout/hierarchy4"/>
-    <dgm:cxn modelId="{0B8AE2F6-1F24-46BB-AB30-A4B998597658}" srcId="{B655BE2B-59D7-4111-A49D-ACDEDBCFAC4C}" destId="{0C108F1F-00A5-48BA-99F3-E2E431399234}" srcOrd="0" destOrd="0" parTransId="{5FA5F0EF-B9CC-4081-BFFC-F998D59106B8}" sibTransId="{C9E2A1F4-6DBB-4D2C-84E8-8F3388E278BD}"/>
-    <dgm:cxn modelId="{35A50FCD-DB9C-4DBC-9587-0EDA234C4EE6}" srcId="{D59F5EAD-4473-40CE-80DE-E30901841FCA}" destId="{7F4452E6-D28C-4EC3-8390-72197EE696DD}" srcOrd="2" destOrd="0" parTransId="{F65E3557-3BE4-4F4D-87A2-C51E32ECC620}" sibTransId="{26DAA4FF-71B7-4EE6-BD51-D4D122B9E9D6}"/>
-    <dgm:cxn modelId="{629D048E-EBE7-4201-84F3-D3C9763C914D}" type="presOf" srcId="{D59F5EAD-4473-40CE-80DE-E30901841FCA}" destId="{61EF867E-8046-40FF-AADC-0B7503D0DCE0}" srcOrd="0" destOrd="0" presId="urn:microsoft.com/office/officeart/2005/8/layout/hierarchy4"/>
-    <dgm:cxn modelId="{A9DB5842-B968-4F0E-ACDE-5F2B292B23A0}" srcId="{B655BE2B-59D7-4111-A49D-ACDEDBCFAC4C}" destId="{F51C6484-F5D3-4AAE-B1E7-EE220BCCCE1D}" srcOrd="1" destOrd="0" parTransId="{D759A3F9-1482-4801-ADC6-E9D953BA912F}" sibTransId="{38B996CF-19CE-49DF-8C24-4C46410CC7FB}"/>
+    <dgm:cxn modelId="{7CB452F6-F347-4CB2-BA0E-1E2F7D50F644}" type="presOf" srcId="{96F32FD5-BF27-4911-A86B-46F6DFF679A7}" destId="{37BAF495-A8D9-46F3-853C-5E92962584C8}" srcOrd="0" destOrd="0" presId="urn:microsoft.com/office/officeart/2005/8/layout/hierarchy4"/>
     <dgm:cxn modelId="{75792D28-CE39-4706-9CA0-B134D052BDA4}" type="presOf" srcId="{F51C6484-F5D3-4AAE-B1E7-EE220BCCCE1D}" destId="{3EFFF79B-E472-4C76-BF8B-AB2776708A65}" srcOrd="0" destOrd="0" presId="urn:microsoft.com/office/officeart/2005/8/layout/hierarchy4"/>
-    <dgm:cxn modelId="{2B024E60-E5CA-4D2A-92F0-107D573E10F3}" srcId="{1E51E08D-8ABA-4D35-9977-86C9F53370EB}" destId="{C887F95E-80BC-4AD0-9729-7BB0B576B495}" srcOrd="2" destOrd="0" parTransId="{CEAD6EFE-3338-4E24-9BC2-6DF5D521AADC}" sibTransId="{FB0A80DF-8AA5-4ED1-81C9-E51F9678C536}"/>
-    <dgm:cxn modelId="{7CB452F6-F347-4CB2-BA0E-1E2F7D50F644}" type="presOf" srcId="{96F32FD5-BF27-4911-A86B-46F6DFF679A7}" destId="{37BAF495-A8D9-46F3-853C-5E92962584C8}" srcOrd="0" destOrd="0" presId="urn:microsoft.com/office/officeart/2005/8/layout/hierarchy4"/>
-    <dgm:cxn modelId="{75CAFD12-A547-4E6D-8F0B-C905568ACC9A}" srcId="{B655BE2B-59D7-4111-A49D-ACDEDBCFAC4C}" destId="{279379D7-17D2-4894-969B-5E88A3485C3C}" srcOrd="2" destOrd="0" parTransId="{91A1F8D7-37B6-4AB8-9297-195DDE9396AE}" sibTransId="{B532125B-10A9-49CE-AE0E-F8044D00C56D}"/>
-    <dgm:cxn modelId="{FF4515B8-3880-4E47-8619-604EECC49E5D}" type="presOf" srcId="{D325CE04-3DB6-403E-AA84-B1A72A2BEC6A}" destId="{ADEA3463-066A-45B2-8AC3-4D7AFEEFC65B}" srcOrd="0" destOrd="0" presId="urn:microsoft.com/office/officeart/2005/8/layout/hierarchy4"/>
     <dgm:cxn modelId="{F731FE06-23C9-4740-9BA9-D02111A1268E}" type="presParOf" srcId="{ADEA3463-066A-45B2-8AC3-4D7AFEEFC65B}" destId="{F30763B2-5C5A-4108-9EF3-5B96EC65E299}" srcOrd="0" destOrd="0" presId="urn:microsoft.com/office/officeart/2005/8/layout/hierarchy4"/>
     <dgm:cxn modelId="{1CDA55F2-2528-4BF6-B6DC-C4F222876740}" type="presParOf" srcId="{F30763B2-5C5A-4108-9EF3-5B96EC65E299}" destId="{61EF867E-8046-40FF-AADC-0B7503D0DCE0}" srcOrd="0" destOrd="0" presId="urn:microsoft.com/office/officeart/2005/8/layout/hierarchy4"/>
     <dgm:cxn modelId="{2F48A703-0F44-4515-8B32-45749D5F9B33}" type="presParOf" srcId="{F30763B2-5C5A-4108-9EF3-5B96EC65E299}" destId="{9428E62B-10F8-4560-9F8A-AEC13331AC6D}" srcOrd="1" destOrd="0" presId="urn:microsoft.com/office/officeart/2005/8/layout/hierarchy4"/>
@@ -21127,7 +21127,7 @@
           <a:p>
             <a:fld id="{B5922E6D-3451-482A-A64F-C89F139BA51A}" type="datetimeFigureOut">
               <a:rPr lang="en-US" smtClean="0"/>
-              <a:t>11/17/2014</a:t>
+              <a:t>11/18/2014</a:t>
             </a:fld>
             <a:endParaRPr lang="en-US"/>
           </a:p>
@@ -21292,7 +21292,7 @@
           <a:p>
             <a:fld id="{05247E74-41DE-40FA-A7A7-A655366ADCFA}" type="datetimeFigureOut">
               <a:rPr lang="sv-SE" smtClean="0"/>
-              <a:t>2014-11-17</a:t>
+              <a:t>2014-11-18</a:t>
             </a:fld>
             <a:endParaRPr lang="sv-SE"/>
           </a:p>
@@ -21756,7 +21756,7 @@
           <a:p>
             <a:fld id="{DB41BBF1-8D56-4061-8DE2-461FDAC177EF}" type="datetimeFigureOut">
               <a:rPr lang="sv-SE" smtClean="0"/>
-              <a:t>2014-11-17</a:t>
+              <a:t>2014-11-18</a:t>
             </a:fld>
             <a:endParaRPr lang="sv-SE"/>
           </a:p>
@@ -22020,7 +22020,7 @@
           <a:p>
             <a:fld id="{DB41BBF1-8D56-4061-8DE2-461FDAC177EF}" type="datetimeFigureOut">
               <a:rPr lang="sv-SE" smtClean="0"/>
-              <a:t>2014-11-17</a:t>
+              <a:t>2014-11-18</a:t>
             </a:fld>
             <a:endParaRPr lang="sv-SE"/>
           </a:p>
@@ -22197,7 +22197,7 @@
           <a:p>
             <a:fld id="{DB41BBF1-8D56-4061-8DE2-461FDAC177EF}" type="datetimeFigureOut">
               <a:rPr lang="sv-SE" smtClean="0"/>
-              <a:t>2014-11-17</a:t>
+              <a:t>2014-11-18</a:t>
             </a:fld>
             <a:endParaRPr lang="sv-SE"/>
           </a:p>
@@ -22384,7 +22384,7 @@
           <a:p>
             <a:fld id="{DB41BBF1-8D56-4061-8DE2-461FDAC177EF}" type="datetimeFigureOut">
               <a:rPr lang="sv-SE" smtClean="0"/>
-              <a:t>2014-11-17</a:t>
+              <a:t>2014-11-18</a:t>
             </a:fld>
             <a:endParaRPr lang="sv-SE"/>
           </a:p>
@@ -22648,7 +22648,7 @@
           <a:p>
             <a:fld id="{DB41BBF1-8D56-4061-8DE2-461FDAC177EF}" type="datetimeFigureOut">
               <a:rPr lang="sv-SE" smtClean="0"/>
-              <a:t>2014-11-17</a:t>
+              <a:t>2014-11-18</a:t>
             </a:fld>
             <a:endParaRPr lang="sv-SE"/>
           </a:p>
@@ -22825,7 +22825,7 @@
           <a:p>
             <a:fld id="{DB41BBF1-8D56-4061-8DE2-461FDAC177EF}" type="datetimeFigureOut">
               <a:rPr lang="sv-SE" smtClean="0"/>
-              <a:t>2014-11-17</a:t>
+              <a:t>2014-11-18</a:t>
             </a:fld>
             <a:endParaRPr lang="sv-SE"/>
           </a:p>
@@ -23078,7 +23078,7 @@
           <a:p>
             <a:fld id="{DB41BBF1-8D56-4061-8DE2-461FDAC177EF}" type="datetimeFigureOut">
               <a:rPr lang="sv-SE" smtClean="0"/>
-              <a:t>2014-11-17</a:t>
+              <a:t>2014-11-18</a:t>
             </a:fld>
             <a:endParaRPr lang="sv-SE"/>
           </a:p>
@@ -23373,7 +23373,7 @@
           <a:p>
             <a:fld id="{DB41BBF1-8D56-4061-8DE2-461FDAC177EF}" type="datetimeFigureOut">
               <a:rPr lang="sv-SE" smtClean="0"/>
-              <a:t>2014-11-17</a:t>
+              <a:t>2014-11-18</a:t>
             </a:fld>
             <a:endParaRPr lang="sv-SE"/>
           </a:p>
@@ -23802,7 +23802,7 @@
           <a:p>
             <a:fld id="{DB41BBF1-8D56-4061-8DE2-461FDAC177EF}" type="datetimeFigureOut">
               <a:rPr lang="sv-SE" smtClean="0"/>
-              <a:t>2014-11-17</a:t>
+              <a:t>2014-11-18</a:t>
             </a:fld>
             <a:endParaRPr lang="sv-SE"/>
           </a:p>
@@ -23927,7 +23927,7 @@
           <a:p>
             <a:fld id="{DB41BBF1-8D56-4061-8DE2-461FDAC177EF}" type="datetimeFigureOut">
               <a:rPr lang="sv-SE" smtClean="0"/>
-              <a:t>2014-11-17</a:t>
+              <a:t>2014-11-18</a:t>
             </a:fld>
             <a:endParaRPr lang="sv-SE"/>
           </a:p>
@@ -24029,7 +24029,7 @@
           <a:p>
             <a:fld id="{DB41BBF1-8D56-4061-8DE2-461FDAC177EF}" type="datetimeFigureOut">
               <a:rPr lang="sv-SE" smtClean="0"/>
-              <a:t>2014-11-17</a:t>
+              <a:t>2014-11-18</a:t>
             </a:fld>
             <a:endParaRPr lang="sv-SE"/>
           </a:p>
@@ -24313,7 +24313,7 @@
           <a:p>
             <a:fld id="{DB41BBF1-8D56-4061-8DE2-461FDAC177EF}" type="datetimeFigureOut">
               <a:rPr lang="sv-SE" smtClean="0"/>
-              <a:t>2014-11-17</a:t>
+              <a:t>2014-11-18</a:t>
             </a:fld>
             <a:endParaRPr lang="sv-SE"/>
           </a:p>
@@ -24541,7 +24541,7 @@
           <a:p>
             <a:fld id="{DB41BBF1-8D56-4061-8DE2-461FDAC177EF}" type="datetimeFigureOut">
               <a:rPr lang="sv-SE" smtClean="0"/>
-              <a:t>2014-11-17</a:t>
+              <a:t>2014-11-18</a:t>
             </a:fld>
             <a:endParaRPr lang="sv-SE"/>
           </a:p>
@@ -27746,7 +27746,12 @@
             <p:ph idx="1"/>
           </p:nvPr>
         </p:nvSpPr>
-        <p:spPr/>
+        <p:spPr>
+          <a:xfrm>
+            <a:off x="323528" y="980728"/>
+            <a:ext cx="8229600" cy="4525963"/>
+          </a:xfrm>
+        </p:spPr>
         <p:txBody>
           <a:bodyPr>
             <a:normAutofit/>
@@ -27816,11 +27821,7 @@
             </a:r>
             <a:r>
               <a:rPr lang="en-US" dirty="0" smtClean="0"/>
-              <a:t>as well as the time from which it is valid &amp; for how long</a:t>
-            </a:r>
-            <a:r>
-              <a:rPr lang="en-US" dirty="0" smtClean="0"/>
-              <a:t>.</a:t>
+              <a:t>as well as the time from which it is valid &amp; for how long.</a:t>
             </a:r>
             <a:r>
               <a:rPr lang="en-US" sz="2400" dirty="0" smtClean="0"/>
@@ -27842,21 +27843,21 @@
       </p:sp>
       <p:graphicFrame>
         <p:nvGraphicFramePr>
-          <p:cNvPr id="4" name="Tabell 3"/>
+          <p:cNvPr id="5" name="Tabell 4"/>
           <p:cNvGraphicFramePr>
             <a:graphicFrameLocks noGrp="1"/>
           </p:cNvGraphicFramePr>
           <p:nvPr>
             <p:extLst>
               <p:ext uri="{D42A27DB-BD31-4B8C-83A1-F6EECF244321}">
-                <p14:modId xmlns:p14="http://schemas.microsoft.com/office/powerpoint/2010/main" val="3679118754"/>
+                <p14:modId xmlns:p14="http://schemas.microsoft.com/office/powerpoint/2010/main" val="1106688988"/>
               </p:ext>
             </p:extLst>
           </p:nvPr>
         </p:nvGraphicFramePr>
         <p:xfrm>
-          <a:off x="459867" y="5013176"/>
-          <a:ext cx="6096000" cy="1483360"/>
+          <a:off x="443880" y="4561146"/>
+          <a:ext cx="6864424" cy="1964198"/>
         </p:xfrm>
         <a:graphic>
           <a:graphicData uri="http://schemas.openxmlformats.org/drawingml/2006/table">
@@ -27865,10 +27866,10 @@
                 <a:tableStyleId>{5C22544A-7EE6-4342-B048-85BDC9FD1C3A}</a:tableStyleId>
               </a:tblPr>
               <a:tblGrid>
-                <a:gridCol w="3048000"/>
-                <a:gridCol w="3048000"/>
+                <a:gridCol w="2787040"/>
+                <a:gridCol w="4077384"/>
               </a:tblGrid>
-              <a:tr h="370840">
+              <a:tr h="380022">
                 <a:tc>
                   <a:txBody>
                     <a:bodyPr/>
@@ -27898,7 +27899,7 @@
                   <a:tcPr/>
                 </a:tc>
               </a:tr>
-              <a:tr h="370840">
+              <a:tr h="380022">
                 <a:tc>
                   <a:txBody>
                     <a:bodyPr/>
@@ -27906,7 +27907,7 @@
                     <a:p>
                       <a:r>
                         <a:rPr lang="en-US" dirty="0" smtClean="0"/>
-                        <a:t>Id</a:t>
+                        <a:t>ID</a:t>
                       </a:r>
                       <a:endParaRPr lang="en-US" dirty="0"/>
                     </a:p>
@@ -27918,13 +27919,17 @@
                     <a:bodyPr/>
                     <a:lstStyle/>
                     <a:p>
+                      <a:r>
+                        <a:rPr lang="en-US" dirty="0" smtClean="0"/>
+                        <a:t>Unique identifier</a:t>
+                      </a:r>
                       <a:endParaRPr lang="en-US" dirty="0"/>
                     </a:p>
                   </a:txBody>
                   <a:tcPr/>
                 </a:tc>
               </a:tr>
-              <a:tr h="370840">
+              <a:tr h="380022">
                 <a:tc>
                   <a:txBody>
                     <a:bodyPr/>
@@ -27944,18 +27949,26 @@
                     <a:bodyPr/>
                     <a:lstStyle/>
                     <a:p>
+                      <a:r>
+                        <a:rPr lang="en-US" dirty="0" smtClean="0"/>
+                        <a:t>Cryptographic key</a:t>
+                      </a:r>
                       <a:endParaRPr lang="en-US" dirty="0"/>
                     </a:p>
                   </a:txBody>
                   <a:tcPr/>
                 </a:tc>
               </a:tr>
-              <a:tr h="370840">
+              <a:tr h="444110">
                 <a:tc>
                   <a:txBody>
                     <a:bodyPr/>
                     <a:lstStyle/>
                     <a:p>
+                      <a:r>
+                        <a:rPr lang="en-US" dirty="0" smtClean="0"/>
+                        <a:t>ValidFrom </a:t>
+                      </a:r>
                       <a:endParaRPr lang="en-US" dirty="0"/>
                     </a:p>
                   </a:txBody>
@@ -27966,6 +27979,43 @@
                     <a:bodyPr/>
                     <a:lstStyle/>
                     <a:p>
+                      <a:r>
+                        <a:rPr lang="en-US" dirty="0" smtClean="0"/>
+                        <a:t>Time at which the</a:t>
+                      </a:r>
+                      <a:r>
+                        <a:rPr lang="en-US" baseline="0" dirty="0" smtClean="0"/>
+                        <a:t> token is valid from</a:t>
+                      </a:r>
+                    </a:p>
+                  </a:txBody>
+                  <a:tcPr/>
+                </a:tc>
+              </a:tr>
+              <a:tr h="380022">
+                <a:tc>
+                  <a:txBody>
+                    <a:bodyPr/>
+                    <a:lstStyle/>
+                    <a:p>
+                      <a:r>
+                        <a:rPr lang="en-US" dirty="0" smtClean="0"/>
+                        <a:t>ValidTo </a:t>
+                      </a:r>
+                      <a:endParaRPr lang="en-US" dirty="0"/>
+                    </a:p>
+                  </a:txBody>
+                  <a:tcPr/>
+                </a:tc>
+                <a:tc>
+                  <a:txBody>
+                    <a:bodyPr/>
+                    <a:lstStyle/>
+                    <a:p>
+                      <a:r>
+                        <a:rPr lang="en-US" dirty="0" smtClean="0"/>
+                        <a:t>Time at which the token is valid to</a:t>
+                      </a:r>
                       <a:endParaRPr lang="en-US" dirty="0"/>
                     </a:p>
                   </a:txBody>
@@ -31984,27 +32034,7 @@
             </a:pPr>
             <a:r>
               <a:rPr lang="en-US" sz="2400" dirty="0" smtClean="0"/>
-              <a:t>E</a:t>
-            </a:r>
-            <a:r>
-              <a:rPr lang="en-US" sz="2400" dirty="0" smtClean="0"/>
-              <a:t>xamples </a:t>
-            </a:r>
-            <a:r>
-              <a:rPr lang="en-US" sz="2400" dirty="0" smtClean="0"/>
-              <a:t>of such </a:t>
-            </a:r>
-            <a:r>
-              <a:rPr lang="en-US" sz="2400" dirty="0" smtClean="0"/>
-              <a:t>roles</a:t>
-            </a:r>
-            <a:r>
-              <a:rPr lang="en-US" sz="2400" dirty="0" smtClean="0"/>
-              <a:t> are </a:t>
-            </a:r>
-            <a:r>
-              <a:rPr lang="en-US" sz="2400" dirty="0" smtClean="0"/>
-              <a:t>: Administrator, Employee or Customer</a:t>
+              <a:t>Examples of such roles are : Administrator, Employee or Customer</a:t>
             </a:r>
           </a:p>
           <a:p>
